--- a/Présentation Projet_5.pptx
+++ b/Présentation Projet_5.pptx
@@ -5,7 +5,7 @@
     <p:sldMasterId id="2147483648" r:id="rId1"/>
   </p:sldMasterIdLst>
   <p:notesMasterIdLst>
-    <p:notesMasterId r:id="rId26"/>
+    <p:notesMasterId r:id="rId25"/>
   </p:notesMasterIdLst>
   <p:sldIdLst>
     <p:sldId id="257" r:id="rId2"/>
@@ -16,22 +16,21 @@
     <p:sldId id="393" r:id="rId7"/>
     <p:sldId id="388" r:id="rId8"/>
     <p:sldId id="402" r:id="rId9"/>
-    <p:sldId id="403" r:id="rId10"/>
-    <p:sldId id="261" r:id="rId11"/>
-    <p:sldId id="399" r:id="rId12"/>
-    <p:sldId id="400" r:id="rId13"/>
-    <p:sldId id="398" r:id="rId14"/>
-    <p:sldId id="392" r:id="rId15"/>
-    <p:sldId id="389" r:id="rId16"/>
-    <p:sldId id="345" r:id="rId17"/>
-    <p:sldId id="390" r:id="rId18"/>
-    <p:sldId id="391" r:id="rId19"/>
-    <p:sldId id="401" r:id="rId20"/>
+    <p:sldId id="261" r:id="rId10"/>
+    <p:sldId id="399" r:id="rId11"/>
+    <p:sldId id="400" r:id="rId12"/>
+    <p:sldId id="398" r:id="rId13"/>
+    <p:sldId id="392" r:id="rId14"/>
+    <p:sldId id="389" r:id="rId15"/>
+    <p:sldId id="345" r:id="rId16"/>
+    <p:sldId id="391" r:id="rId17"/>
+    <p:sldId id="394" r:id="rId18"/>
+    <p:sldId id="384" r:id="rId19"/>
+    <p:sldId id="407" r:id="rId20"/>
     <p:sldId id="404" r:id="rId21"/>
-    <p:sldId id="384" r:id="rId22"/>
-    <p:sldId id="394" r:id="rId23"/>
-    <p:sldId id="397" r:id="rId24"/>
-    <p:sldId id="344" r:id="rId25"/>
+    <p:sldId id="397" r:id="rId22"/>
+    <p:sldId id="405" r:id="rId23"/>
+    <p:sldId id="344" r:id="rId24"/>
   </p:sldIdLst>
   <p:sldSz cx="12192000" cy="6858000"/>
   <p:notesSz cx="6858000" cy="9144000"/>
@@ -220,7 +219,7 @@
           <a:p>
             <a:fld id="{24BDB1B6-1944-4F8E-B0F9-2E045F0EA551}" type="datetimeFigureOut">
               <a:rPr lang="fr-FR" smtClean="0"/>
-              <a:t>04/05/2020</a:t>
+              <a:t>12/05/2020</a:t>
             </a:fld>
             <a:endParaRPr lang="fr-FR"/>
           </a:p>
@@ -645,7 +644,7 @@
     </p:spTree>
     <p:extLst>
       <p:ext uri="{BB962C8B-B14F-4D97-AF65-F5344CB8AC3E}">
-        <p14:creationId xmlns:p14="http://schemas.microsoft.com/office/powerpoint/2010/main" val="3555522857"/>
+        <p14:creationId xmlns:p14="http://schemas.microsoft.com/office/powerpoint/2010/main" val="3815156248"/>
       </p:ext>
     </p:extLst>
   </p:cSld>
@@ -656,90 +655,6 @@
 </file>
 
 <file path=ppt/notesSlides/notesSlide11.xml><?xml version="1.0" encoding="utf-8"?>
-<p:notes xmlns:a="http://schemas.openxmlformats.org/drawingml/2006/main" xmlns:r="http://schemas.openxmlformats.org/officeDocument/2006/relationships" xmlns:p="http://schemas.openxmlformats.org/presentationml/2006/main">
-  <p:cSld>
-    <p:spTree>
-      <p:nvGrpSpPr>
-        <p:cNvPr id="1" name=""/>
-        <p:cNvGrpSpPr/>
-        <p:nvPr/>
-      </p:nvGrpSpPr>
-      <p:grpSpPr>
-        <a:xfrm>
-          <a:off x="0" y="0"/>
-          <a:ext cx="0" cy="0"/>
-          <a:chOff x="0" y="0"/>
-          <a:chExt cx="0" cy="0"/>
-        </a:xfrm>
-      </p:grpSpPr>
-      <p:sp>
-        <p:nvSpPr>
-          <p:cNvPr id="2" name="Espace réservé de l'image des diapositives 1"/>
-          <p:cNvSpPr>
-            <a:spLocks noGrp="1" noRot="1" noChangeAspect="1"/>
-          </p:cNvSpPr>
-          <p:nvPr>
-            <p:ph type="sldImg"/>
-          </p:nvPr>
-        </p:nvSpPr>
-        <p:spPr/>
-      </p:sp>
-      <p:sp>
-        <p:nvSpPr>
-          <p:cNvPr id="3" name="Espace réservé des notes 2"/>
-          <p:cNvSpPr>
-            <a:spLocks noGrp="1"/>
-          </p:cNvSpPr>
-          <p:nvPr>
-            <p:ph type="body" idx="1"/>
-          </p:nvPr>
-        </p:nvSpPr>
-        <p:spPr/>
-        <p:txBody>
-          <a:bodyPr/>
-          <a:lstStyle/>
-          <a:p>
-            <a:endParaRPr lang="fr-FR" dirty="0"/>
-          </a:p>
-        </p:txBody>
-      </p:sp>
-      <p:sp>
-        <p:nvSpPr>
-          <p:cNvPr id="4" name="Espace réservé du numéro de diapositive 3"/>
-          <p:cNvSpPr>
-            <a:spLocks noGrp="1"/>
-          </p:cNvSpPr>
-          <p:nvPr>
-            <p:ph type="sldNum" sz="quarter" idx="5"/>
-          </p:nvPr>
-        </p:nvSpPr>
-        <p:spPr/>
-        <p:txBody>
-          <a:bodyPr/>
-          <a:lstStyle/>
-          <a:p>
-            <a:fld id="{325B34E7-32E1-48C9-BFA3-CE4FB073F9A9}" type="slidenum">
-              <a:rPr lang="fr-FR" smtClean="0"/>
-              <a:t>12</a:t>
-            </a:fld>
-            <a:endParaRPr lang="fr-FR"/>
-          </a:p>
-        </p:txBody>
-      </p:sp>
-    </p:spTree>
-    <p:extLst>
-      <p:ext uri="{BB962C8B-B14F-4D97-AF65-F5344CB8AC3E}">
-        <p14:creationId xmlns:p14="http://schemas.microsoft.com/office/powerpoint/2010/main" val="3815156248"/>
-      </p:ext>
-    </p:extLst>
-  </p:cSld>
-  <p:clrMapOvr>
-    <a:masterClrMapping/>
-  </p:clrMapOvr>
-</p:notes>
-</file>
-
-<file path=ppt/notesSlides/notesSlide12.xml><?xml version="1.0" encoding="utf-8"?>
 <p:notes xmlns:a="http://schemas.openxmlformats.org/drawingml/2006/main" xmlns:r="http://schemas.openxmlformats.org/officeDocument/2006/relationships" xmlns:p="http://schemas.openxmlformats.org/presentationml/2006/main">
   <p:cSld>
     <p:spTree>
@@ -851,7 +766,7 @@
                 <a:tabLst/>
                 <a:defRPr/>
               </a:pPr>
-              <a:t>13</a:t>
+              <a:t>12</a:t>
             </a:fld>
             <a:endParaRPr kumimoji="0" lang="fr-FR" sz="1200" b="0" i="0" u="none" strike="noStrike" kern="1200" cap="none" spc="0" normalizeH="0" baseline="0" noProof="0">
               <a:ln>
@@ -874,6 +789,90 @@
     <p:extLst>
       <p:ext uri="{BB962C8B-B14F-4D97-AF65-F5344CB8AC3E}">
         <p14:creationId xmlns:p14="http://schemas.microsoft.com/office/powerpoint/2010/main" val="2916757564"/>
+      </p:ext>
+    </p:extLst>
+  </p:cSld>
+  <p:clrMapOvr>
+    <a:masterClrMapping/>
+  </p:clrMapOvr>
+</p:notes>
+</file>
+
+<file path=ppt/notesSlides/notesSlide12.xml><?xml version="1.0" encoding="utf-8"?>
+<p:notes xmlns:a="http://schemas.openxmlformats.org/drawingml/2006/main" xmlns:r="http://schemas.openxmlformats.org/officeDocument/2006/relationships" xmlns:p="http://schemas.openxmlformats.org/presentationml/2006/main">
+  <p:cSld>
+    <p:spTree>
+      <p:nvGrpSpPr>
+        <p:cNvPr id="1" name=""/>
+        <p:cNvGrpSpPr/>
+        <p:nvPr/>
+      </p:nvGrpSpPr>
+      <p:grpSpPr>
+        <a:xfrm>
+          <a:off x="0" y="0"/>
+          <a:ext cx="0" cy="0"/>
+          <a:chOff x="0" y="0"/>
+          <a:chExt cx="0" cy="0"/>
+        </a:xfrm>
+      </p:grpSpPr>
+      <p:sp>
+        <p:nvSpPr>
+          <p:cNvPr id="2" name="Espace réservé de l'image des diapositives 1"/>
+          <p:cNvSpPr>
+            <a:spLocks noGrp="1" noRot="1" noChangeAspect="1"/>
+          </p:cNvSpPr>
+          <p:nvPr>
+            <p:ph type="sldImg"/>
+          </p:nvPr>
+        </p:nvSpPr>
+        <p:spPr/>
+      </p:sp>
+      <p:sp>
+        <p:nvSpPr>
+          <p:cNvPr id="3" name="Espace réservé des notes 2"/>
+          <p:cNvSpPr>
+            <a:spLocks noGrp="1"/>
+          </p:cNvSpPr>
+          <p:nvPr>
+            <p:ph type="body" idx="1"/>
+          </p:nvPr>
+        </p:nvSpPr>
+        <p:spPr/>
+        <p:txBody>
+          <a:bodyPr/>
+          <a:lstStyle/>
+          <a:p>
+            <a:endParaRPr lang="fr-FR" dirty="0"/>
+          </a:p>
+        </p:txBody>
+      </p:sp>
+      <p:sp>
+        <p:nvSpPr>
+          <p:cNvPr id="4" name="Espace réservé du numéro de diapositive 3"/>
+          <p:cNvSpPr>
+            <a:spLocks noGrp="1"/>
+          </p:cNvSpPr>
+          <p:nvPr>
+            <p:ph type="sldNum" sz="quarter" idx="5"/>
+          </p:nvPr>
+        </p:nvSpPr>
+        <p:spPr/>
+        <p:txBody>
+          <a:bodyPr/>
+          <a:lstStyle/>
+          <a:p>
+            <a:fld id="{325B34E7-32E1-48C9-BFA3-CE4FB073F9A9}" type="slidenum">
+              <a:rPr lang="fr-FR" smtClean="0"/>
+              <a:t>13</a:t>
+            </a:fld>
+            <a:endParaRPr lang="fr-FR"/>
+          </a:p>
+        </p:txBody>
+      </p:sp>
+    </p:spTree>
+    <p:extLst>
+      <p:ext uri="{BB962C8B-B14F-4D97-AF65-F5344CB8AC3E}">
+        <p14:creationId xmlns:p14="http://schemas.microsoft.com/office/powerpoint/2010/main" val="2579363382"/>
       </p:ext>
     </p:extLst>
   </p:cSld>
@@ -957,7 +956,7 @@
     </p:spTree>
     <p:extLst>
       <p:ext uri="{BB962C8B-B14F-4D97-AF65-F5344CB8AC3E}">
-        <p14:creationId xmlns:p14="http://schemas.microsoft.com/office/powerpoint/2010/main" val="2579363382"/>
+        <p14:creationId xmlns:p14="http://schemas.microsoft.com/office/powerpoint/2010/main" val="2604187480"/>
       </p:ext>
     </p:extLst>
   </p:cSld>
@@ -1030,7 +1029,7 @@
           <a:bodyPr/>
           <a:lstStyle/>
           <a:p>
-            <a:fld id="{325B34E7-32E1-48C9-BFA3-CE4FB073F9A9}" type="slidenum">
+            <a:fld id="{5F05756B-5F5C-4EED-907C-E25857D58D0B}" type="slidenum">
               <a:rPr lang="fr-FR" smtClean="0"/>
               <a:t>15</a:t>
             </a:fld>
@@ -1041,7 +1040,7 @@
     </p:spTree>
     <p:extLst>
       <p:ext uri="{BB962C8B-B14F-4D97-AF65-F5344CB8AC3E}">
-        <p14:creationId xmlns:p14="http://schemas.microsoft.com/office/powerpoint/2010/main" val="2604187480"/>
+        <p14:creationId xmlns:p14="http://schemas.microsoft.com/office/powerpoint/2010/main" val="3746022030"/>
       </p:ext>
     </p:extLst>
   </p:cSld>
@@ -1095,7 +1094,30 @@
           <a:bodyPr/>
           <a:lstStyle/>
           <a:p>
-            <a:endParaRPr lang="fr-FR" dirty="0"/>
+            <a:r>
+              <a:rPr lang="fr-FR" dirty="0"/>
+              <a:t>Parler du fonctionnement de DB_SCAN </a:t>
+            </a:r>
+          </a:p>
+          <a:p>
+            <a:r>
+              <a:rPr lang="fr-FR" dirty="0"/>
+              <a:t>Indiquer pourquoi il est intéressant à utiliser (notion de bruit)</a:t>
+            </a:r>
+          </a:p>
+          <a:p>
+            <a:r>
+              <a:rPr lang="fr-FR" dirty="0"/>
+              <a:t>Difficulté d’</a:t>
+            </a:r>
+            <a:r>
+              <a:rPr lang="fr-FR" dirty="0" err="1"/>
+              <a:t>opti</a:t>
+            </a:r>
+            <a:r>
+              <a:rPr lang="fr-FR" dirty="0"/>
+              <a:t> les paramètres car puissance de calcul trop faible de mon côté.</a:t>
+            </a:r>
           </a:p>
         </p:txBody>
       </p:sp>
@@ -1114,7 +1136,7 @@
           <a:bodyPr/>
           <a:lstStyle/>
           <a:p>
-            <a:fld id="{5F05756B-5F5C-4EED-907C-E25857D58D0B}" type="slidenum">
+            <a:fld id="{325B34E7-32E1-48C9-BFA3-CE4FB073F9A9}" type="slidenum">
               <a:rPr lang="fr-FR" smtClean="0"/>
               <a:t>16</a:t>
             </a:fld>
@@ -1125,7 +1147,7 @@
     </p:spTree>
     <p:extLst>
       <p:ext uri="{BB962C8B-B14F-4D97-AF65-F5344CB8AC3E}">
-        <p14:creationId xmlns:p14="http://schemas.microsoft.com/office/powerpoint/2010/main" val="3746022030"/>
+        <p14:creationId xmlns:p14="http://schemas.microsoft.com/office/powerpoint/2010/main" val="2393506699"/>
       </p:ext>
     </p:extLst>
   </p:cSld>
@@ -1209,7 +1231,7 @@
     </p:spTree>
     <p:extLst>
       <p:ext uri="{BB962C8B-B14F-4D97-AF65-F5344CB8AC3E}">
-        <p14:creationId xmlns:p14="http://schemas.microsoft.com/office/powerpoint/2010/main" val="294622803"/>
+        <p14:creationId xmlns:p14="http://schemas.microsoft.com/office/powerpoint/2010/main" val="100316076"/>
       </p:ext>
     </p:extLst>
   </p:cSld>
@@ -1263,18 +1285,7 @@
           <a:bodyPr/>
           <a:lstStyle/>
           <a:p>
-            <a:r>
-              <a:rPr lang="fr-FR" dirty="0"/>
-              <a:t>Voir pourquoi ça a pu marcher avec ces paramètres et comment j’aurais </a:t>
-            </a:r>
-            <a:r>
-              <a:rPr lang="fr-FR" dirty="0" err="1"/>
-              <a:t>opti</a:t>
-            </a:r>
-            <a:r>
-              <a:rPr lang="fr-FR" dirty="0"/>
-              <a:t> l’algo si machine plus puissante</a:t>
-            </a:r>
+            <a:endParaRPr lang="fr-FR" dirty="0"/>
           </a:p>
         </p:txBody>
       </p:sp>
@@ -1293,7 +1304,7 @@
           <a:bodyPr/>
           <a:lstStyle/>
           <a:p>
-            <a:fld id="{325B34E7-32E1-48C9-BFA3-CE4FB073F9A9}" type="slidenum">
+            <a:fld id="{5F05756B-5F5C-4EED-907C-E25857D58D0B}" type="slidenum">
               <a:rPr lang="fr-FR" smtClean="0"/>
               <a:t>18</a:t>
             </a:fld>
@@ -1304,7 +1315,7 @@
     </p:spTree>
     <p:extLst>
       <p:ext uri="{BB962C8B-B14F-4D97-AF65-F5344CB8AC3E}">
-        <p14:creationId xmlns:p14="http://schemas.microsoft.com/office/powerpoint/2010/main" val="2393506699"/>
+        <p14:creationId xmlns:p14="http://schemas.microsoft.com/office/powerpoint/2010/main" val="1998150572"/>
       </p:ext>
     </p:extLst>
   </p:cSld>
@@ -1378,6 +1389,12 @@
           <a:p>
             <a:r>
               <a:rPr lang="fr-FR" dirty="0"/>
+              <a:t>Notion de distorsion à préciser à l’oral</a:t>
+            </a:r>
+          </a:p>
+          <a:p>
+            <a:r>
+              <a:rPr lang="fr-FR" dirty="0"/>
               <a:t>La courbe ici nous montre que le nombre de clusters idéal devrait se trouver entre 4 et 5.</a:t>
             </a:r>
           </a:p>
@@ -1415,7 +1432,7 @@
     </p:spTree>
     <p:extLst>
       <p:ext uri="{BB962C8B-B14F-4D97-AF65-F5344CB8AC3E}">
-        <p14:creationId xmlns:p14="http://schemas.microsoft.com/office/powerpoint/2010/main" val="946903651"/>
+        <p14:creationId xmlns:p14="http://schemas.microsoft.com/office/powerpoint/2010/main" val="1487640514"/>
       </p:ext>
     </p:extLst>
   </p:cSld>
@@ -1468,29 +1485,6 @@
         <p:txBody>
           <a:bodyPr/>
           <a:lstStyle/>
-          <a:p>
-            <a:r>
-              <a:rPr lang="fr-FR" dirty="0"/>
-              <a:t>Faut vraiment changer ce </a:t>
-            </a:r>
-            <a:r>
-              <a:rPr lang="fr-FR" dirty="0" err="1"/>
-              <a:t>scatter</a:t>
-            </a:r>
-            <a:r>
-              <a:rPr lang="fr-FR" dirty="0"/>
-              <a:t> plot : Mettre axes abscisses et ordonnées, un titre, et surtout un pas de 1 pour les clusters </a:t>
-            </a:r>
-          </a:p>
-          <a:p>
-            <a:endParaRPr lang="fr-FR" dirty="0"/>
-          </a:p>
-          <a:p>
-            <a:r>
-              <a:rPr lang="fr-FR" dirty="0"/>
-              <a:t>Sinon : </a:t>
-            </a:r>
-          </a:p>
           <a:p>
             <a:r>
               <a:rPr lang="fr-FR" dirty="0"/>
@@ -1682,7 +1676,7 @@
           <a:bodyPr/>
           <a:lstStyle/>
           <a:p>
-            <a:fld id="{5F05756B-5F5C-4EED-907C-E25857D58D0B}" type="slidenum">
+            <a:fld id="{325B34E7-32E1-48C9-BFA3-CE4FB073F9A9}" type="slidenum">
               <a:rPr lang="fr-FR" smtClean="0"/>
               <a:t>21</a:t>
             </a:fld>
@@ -1693,7 +1687,7 @@
     </p:spTree>
     <p:extLst>
       <p:ext uri="{BB962C8B-B14F-4D97-AF65-F5344CB8AC3E}">
-        <p14:creationId xmlns:p14="http://schemas.microsoft.com/office/powerpoint/2010/main" val="1998150572"/>
+        <p14:creationId xmlns:p14="http://schemas.microsoft.com/office/powerpoint/2010/main" val="895552735"/>
       </p:ext>
     </p:extLst>
   </p:cSld>
@@ -1747,7 +1741,24 @@
           <a:bodyPr/>
           <a:lstStyle/>
           <a:p>
-            <a:endParaRPr lang="fr-FR" dirty="0"/>
+            <a:r>
+              <a:rPr lang="fr-FR" dirty="0"/>
+              <a:t>Différence entre chaque variables sur les clusters </a:t>
+            </a:r>
+          </a:p>
+          <a:p>
+            <a:r>
+              <a:rPr lang="fr-FR" dirty="0"/>
+              <a:t>Ici le désavantage de </a:t>
+            </a:r>
+            <a:r>
+              <a:rPr lang="fr-FR" dirty="0" err="1"/>
+              <a:t>kmeans</a:t>
+            </a:r>
+            <a:r>
+              <a:rPr lang="fr-FR" dirty="0"/>
+              <a:t> est qu’il va prendre tous les points pour les mettre en Clusters. On se rend alors compte d’intérêt du bruit de DB_SCAN</a:t>
+            </a:r>
           </a:p>
         </p:txBody>
       </p:sp>
@@ -1777,91 +1788,7 @@
     </p:spTree>
     <p:extLst>
       <p:ext uri="{BB962C8B-B14F-4D97-AF65-F5344CB8AC3E}">
-        <p14:creationId xmlns:p14="http://schemas.microsoft.com/office/powerpoint/2010/main" val="100316076"/>
-      </p:ext>
-    </p:extLst>
-  </p:cSld>
-  <p:clrMapOvr>
-    <a:masterClrMapping/>
-  </p:clrMapOvr>
-</p:notes>
-</file>
-
-<file path=ppt/notesSlides/notesSlide22.xml><?xml version="1.0" encoding="utf-8"?>
-<p:notes xmlns:a="http://schemas.openxmlformats.org/drawingml/2006/main" xmlns:r="http://schemas.openxmlformats.org/officeDocument/2006/relationships" xmlns:p="http://schemas.openxmlformats.org/presentationml/2006/main">
-  <p:cSld>
-    <p:spTree>
-      <p:nvGrpSpPr>
-        <p:cNvPr id="1" name=""/>
-        <p:cNvGrpSpPr/>
-        <p:nvPr/>
-      </p:nvGrpSpPr>
-      <p:grpSpPr>
-        <a:xfrm>
-          <a:off x="0" y="0"/>
-          <a:ext cx="0" cy="0"/>
-          <a:chOff x="0" y="0"/>
-          <a:chExt cx="0" cy="0"/>
-        </a:xfrm>
-      </p:grpSpPr>
-      <p:sp>
-        <p:nvSpPr>
-          <p:cNvPr id="2" name="Espace réservé de l'image des diapositives 1"/>
-          <p:cNvSpPr>
-            <a:spLocks noGrp="1" noRot="1" noChangeAspect="1"/>
-          </p:cNvSpPr>
-          <p:nvPr>
-            <p:ph type="sldImg"/>
-          </p:nvPr>
-        </p:nvSpPr>
-        <p:spPr/>
-      </p:sp>
-      <p:sp>
-        <p:nvSpPr>
-          <p:cNvPr id="3" name="Espace réservé des notes 2"/>
-          <p:cNvSpPr>
-            <a:spLocks noGrp="1"/>
-          </p:cNvSpPr>
-          <p:nvPr>
-            <p:ph type="body" idx="1"/>
-          </p:nvPr>
-        </p:nvSpPr>
-        <p:spPr/>
-        <p:txBody>
-          <a:bodyPr/>
-          <a:lstStyle/>
-          <a:p>
-            <a:endParaRPr lang="fr-FR" dirty="0"/>
-          </a:p>
-        </p:txBody>
-      </p:sp>
-      <p:sp>
-        <p:nvSpPr>
-          <p:cNvPr id="4" name="Espace réservé du numéro de diapositive 3"/>
-          <p:cNvSpPr>
-            <a:spLocks noGrp="1"/>
-          </p:cNvSpPr>
-          <p:nvPr>
-            <p:ph type="sldNum" sz="quarter" idx="5"/>
-          </p:nvPr>
-        </p:nvSpPr>
-        <p:spPr/>
-        <p:txBody>
-          <a:bodyPr/>
-          <a:lstStyle/>
-          <a:p>
-            <a:fld id="{325B34E7-32E1-48C9-BFA3-CE4FB073F9A9}" type="slidenum">
-              <a:rPr lang="fr-FR" smtClean="0"/>
-              <a:t>23</a:t>
-            </a:fld>
-            <a:endParaRPr lang="fr-FR"/>
-          </a:p>
-        </p:txBody>
-      </p:sp>
-    </p:spTree>
-    <p:extLst>
-      <p:ext uri="{BB962C8B-B14F-4D97-AF65-F5344CB8AC3E}">
-        <p14:creationId xmlns:p14="http://schemas.microsoft.com/office/powerpoint/2010/main" val="895552735"/>
+        <p14:creationId xmlns:p14="http://schemas.microsoft.com/office/powerpoint/2010/main" val="566394810"/>
       </p:ext>
     </p:extLst>
   </p:cSld>
@@ -2482,7 +2409,7 @@
           <a:bodyPr/>
           <a:lstStyle/>
           <a:p>
-            <a:fld id="{325B34E7-32E1-48C9-BFA3-CE4FB073F9A9}" type="slidenum">
+            <a:fld id="{5F05756B-5F5C-4EED-907C-E25857D58D0B}" type="slidenum">
               <a:rPr lang="fr-FR" smtClean="0"/>
               <a:t>9</a:t>
             </a:fld>
@@ -2493,7 +2420,7 @@
     </p:spTree>
     <p:extLst>
       <p:ext uri="{BB962C8B-B14F-4D97-AF65-F5344CB8AC3E}">
-        <p14:creationId xmlns:p14="http://schemas.microsoft.com/office/powerpoint/2010/main" val="1854683554"/>
+        <p14:creationId xmlns:p14="http://schemas.microsoft.com/office/powerpoint/2010/main" val="3273355427"/>
       </p:ext>
     </p:extLst>
   </p:cSld>
@@ -2566,7 +2493,7 @@
           <a:bodyPr/>
           <a:lstStyle/>
           <a:p>
-            <a:fld id="{5F05756B-5F5C-4EED-907C-E25857D58D0B}" type="slidenum">
+            <a:fld id="{325B34E7-32E1-48C9-BFA3-CE4FB073F9A9}" type="slidenum">
               <a:rPr lang="fr-FR" smtClean="0"/>
               <a:t>10</a:t>
             </a:fld>
@@ -2577,7 +2504,7 @@
     </p:spTree>
     <p:extLst>
       <p:ext uri="{BB962C8B-B14F-4D97-AF65-F5344CB8AC3E}">
-        <p14:creationId xmlns:p14="http://schemas.microsoft.com/office/powerpoint/2010/main" val="3273355427"/>
+        <p14:creationId xmlns:p14="http://schemas.microsoft.com/office/powerpoint/2010/main" val="3555522857"/>
       </p:ext>
     </p:extLst>
   </p:cSld>
@@ -2734,7 +2661,7 @@
           <a:p>
             <a:fld id="{2D857B19-A201-4351-B69C-6F9100DB4F49}" type="datetimeFigureOut">
               <a:rPr lang="fr-FR" smtClean="0"/>
-              <a:t>04/05/2020</a:t>
+              <a:t>12/05/2020</a:t>
             </a:fld>
             <a:endParaRPr lang="fr-FR"/>
           </a:p>
@@ -2932,7 +2859,7 @@
           <a:p>
             <a:fld id="{2D857B19-A201-4351-B69C-6F9100DB4F49}" type="datetimeFigureOut">
               <a:rPr lang="fr-FR" smtClean="0"/>
-              <a:t>04/05/2020</a:t>
+              <a:t>12/05/2020</a:t>
             </a:fld>
             <a:endParaRPr lang="fr-FR"/>
           </a:p>
@@ -3140,7 +3067,7 @@
           <a:p>
             <a:fld id="{2D857B19-A201-4351-B69C-6F9100DB4F49}" type="datetimeFigureOut">
               <a:rPr lang="fr-FR" smtClean="0"/>
-              <a:t>04/05/2020</a:t>
+              <a:t>12/05/2020</a:t>
             </a:fld>
             <a:endParaRPr lang="fr-FR"/>
           </a:p>
@@ -3338,7 +3265,7 @@
           <a:p>
             <a:fld id="{2D857B19-A201-4351-B69C-6F9100DB4F49}" type="datetimeFigureOut">
               <a:rPr lang="fr-FR" smtClean="0"/>
-              <a:t>04/05/2020</a:t>
+              <a:t>12/05/2020</a:t>
             </a:fld>
             <a:endParaRPr lang="fr-FR"/>
           </a:p>
@@ -3613,7 +3540,7 @@
           <a:p>
             <a:fld id="{2D857B19-A201-4351-B69C-6F9100DB4F49}" type="datetimeFigureOut">
               <a:rPr lang="fr-FR" smtClean="0"/>
-              <a:t>04/05/2020</a:t>
+              <a:t>12/05/2020</a:t>
             </a:fld>
             <a:endParaRPr lang="fr-FR"/>
           </a:p>
@@ -3878,7 +3805,7 @@
           <a:p>
             <a:fld id="{2D857B19-A201-4351-B69C-6F9100DB4F49}" type="datetimeFigureOut">
               <a:rPr lang="fr-FR" smtClean="0"/>
-              <a:t>04/05/2020</a:t>
+              <a:t>12/05/2020</a:t>
             </a:fld>
             <a:endParaRPr lang="fr-FR"/>
           </a:p>
@@ -4290,7 +4217,7 @@
           <a:p>
             <a:fld id="{2D857B19-A201-4351-B69C-6F9100DB4F49}" type="datetimeFigureOut">
               <a:rPr lang="fr-FR" smtClean="0"/>
-              <a:t>04/05/2020</a:t>
+              <a:t>12/05/2020</a:t>
             </a:fld>
             <a:endParaRPr lang="fr-FR"/>
           </a:p>
@@ -4431,7 +4358,7 @@
           <a:p>
             <a:fld id="{2D857B19-A201-4351-B69C-6F9100DB4F49}" type="datetimeFigureOut">
               <a:rPr lang="fr-FR" smtClean="0"/>
-              <a:t>04/05/2020</a:t>
+              <a:t>12/05/2020</a:t>
             </a:fld>
             <a:endParaRPr lang="fr-FR"/>
           </a:p>
@@ -4544,7 +4471,7 @@
           <a:p>
             <a:fld id="{2D857B19-A201-4351-B69C-6F9100DB4F49}" type="datetimeFigureOut">
               <a:rPr lang="fr-FR" smtClean="0"/>
-              <a:t>04/05/2020</a:t>
+              <a:t>12/05/2020</a:t>
             </a:fld>
             <a:endParaRPr lang="fr-FR"/>
           </a:p>
@@ -4855,7 +4782,7 @@
           <a:p>
             <a:fld id="{2D857B19-A201-4351-B69C-6F9100DB4F49}" type="datetimeFigureOut">
               <a:rPr lang="fr-FR" smtClean="0"/>
-              <a:t>04/05/2020</a:t>
+              <a:t>12/05/2020</a:t>
             </a:fld>
             <a:endParaRPr lang="fr-FR"/>
           </a:p>
@@ -5143,7 +5070,7 @@
           <a:p>
             <a:fld id="{2D857B19-A201-4351-B69C-6F9100DB4F49}" type="datetimeFigureOut">
               <a:rPr lang="fr-FR" smtClean="0"/>
-              <a:t>04/05/2020</a:t>
+              <a:t>12/05/2020</a:t>
             </a:fld>
             <a:endParaRPr lang="fr-FR"/>
           </a:p>
@@ -5384,7 +5311,7 @@
           <a:p>
             <a:fld id="{2D857B19-A201-4351-B69C-6F9100DB4F49}" type="datetimeFigureOut">
               <a:rPr lang="fr-FR" smtClean="0"/>
-              <a:t>04/05/2020</a:t>
+              <a:t>12/05/2020</a:t>
             </a:fld>
             <a:endParaRPr lang="fr-FR"/>
           </a:p>
@@ -5842,7 +5769,7 @@
           <a:p>
             <a:r>
               <a:rPr lang="fr-FR" sz="4700" dirty="0"/>
-              <a:t>Projet 5 :</a:t>
+              <a:t>Projet 5 : Segmentez les clients d’un site e-commerce</a:t>
             </a:r>
           </a:p>
         </p:txBody>
@@ -6163,587 +6090,6 @@
 </file>
 
 <file path=ppt/slides/slide10.xml><?xml version="1.0" encoding="utf-8"?>
-<p:sld xmlns:a="http://schemas.openxmlformats.org/drawingml/2006/main" xmlns:r="http://schemas.openxmlformats.org/officeDocument/2006/relationships" xmlns:p="http://schemas.openxmlformats.org/presentationml/2006/main">
-  <p:cSld>
-    <p:bg>
-      <p:bgPr>
-        <a:solidFill>
-          <a:schemeClr val="bg1"/>
-        </a:solidFill>
-        <a:effectLst/>
-      </p:bgPr>
-    </p:bg>
-    <p:spTree>
-      <p:nvGrpSpPr>
-        <p:cNvPr id="1" name=""/>
-        <p:cNvGrpSpPr/>
-        <p:nvPr/>
-      </p:nvGrpSpPr>
-      <p:grpSpPr>
-        <a:xfrm>
-          <a:off x="0" y="0"/>
-          <a:ext cx="0" cy="0"/>
-          <a:chOff x="0" y="0"/>
-          <a:chExt cx="0" cy="0"/>
-        </a:xfrm>
-      </p:grpSpPr>
-      <p:sp>
-        <p:nvSpPr>
-          <p:cNvPr id="13" name="Rectangle 12">
-            <a:extLst>
-              <a:ext uri="{FF2B5EF4-FFF2-40B4-BE49-F238E27FC236}">
-                <a16:creationId xmlns:a16="http://schemas.microsoft.com/office/drawing/2014/main" id="{C0B27210-D0CA-4654-B3E3-9ABB4F178EA1}"/>
-              </a:ext>
-              <a:ext uri="{C183D7F6-B498-43B3-948B-1728B52AA6E4}">
-                <adec:decorative xmlns:adec="http://schemas.microsoft.com/office/drawing/2017/decorative" val="1"/>
-              </a:ext>
-            </a:extLst>
-          </p:cNvPr>
-          <p:cNvSpPr>
-            <a:spLocks noGrp="1" noRot="1" noChangeAspect="1" noMove="1" noResize="1" noEditPoints="1" noAdjustHandles="1" noChangeArrowheads="1" noChangeShapeType="1" noTextEdit="1"/>
-          </p:cNvSpPr>
-          <p:nvPr>
-            <p:extLst>
-              <p:ext uri="{386F3935-93C4-4BCD-93E2-E3B085C9AB24}">
-                <p16:designElem xmlns:p16="http://schemas.microsoft.com/office/powerpoint/2015/main" val="1"/>
-              </p:ext>
-            </p:extLst>
-          </p:nvPr>
-        </p:nvSpPr>
-        <p:spPr>
-          <a:xfrm>
-            <a:off x="0" y="0"/>
-            <a:ext cx="12192000" cy="6858000"/>
-          </a:xfrm>
-          <a:prstGeom prst="rect">
-            <a:avLst/>
-          </a:prstGeom>
-          <a:solidFill>
-            <a:schemeClr val="tx1">
-              <a:lumMod val="75000"/>
-              <a:lumOff val="25000"/>
-            </a:schemeClr>
-          </a:solidFill>
-          <a:ln>
-            <a:noFill/>
-          </a:ln>
-        </p:spPr>
-        <p:style>
-          <a:lnRef idx="2">
-            <a:schemeClr val="accent1">
-              <a:shade val="50000"/>
-            </a:schemeClr>
-          </a:lnRef>
-          <a:fillRef idx="1">
-            <a:schemeClr val="accent1"/>
-          </a:fillRef>
-          <a:effectRef idx="0">
-            <a:schemeClr val="accent1"/>
-          </a:effectRef>
-          <a:fontRef idx="minor">
-            <a:schemeClr val="lt1"/>
-          </a:fontRef>
-        </p:style>
-        <p:txBody>
-          <a:bodyPr rtlCol="0" anchor="ctr"/>
-          <a:lstStyle/>
-          <a:p>
-            <a:pPr algn="ctr"/>
-            <a:endParaRPr lang="en-US"/>
-          </a:p>
-        </p:txBody>
-      </p:sp>
-      <p:sp>
-        <p:nvSpPr>
-          <p:cNvPr id="2" name="Titre 1">
-            <a:extLst>
-              <a:ext uri="{FF2B5EF4-FFF2-40B4-BE49-F238E27FC236}">
-                <a16:creationId xmlns:a16="http://schemas.microsoft.com/office/drawing/2014/main" id="{612FA98D-5214-442A-97A7-973984024AE3}"/>
-              </a:ext>
-            </a:extLst>
-          </p:cNvPr>
-          <p:cNvSpPr>
-            <a:spLocks noGrp="1"/>
-          </p:cNvSpPr>
-          <p:nvPr>
-            <p:ph type="title"/>
-          </p:nvPr>
-        </p:nvSpPr>
-        <p:spPr>
-          <a:xfrm>
-            <a:off x="6332659" y="1946429"/>
-            <a:ext cx="5539666" cy="2965142"/>
-          </a:xfrm>
-        </p:spPr>
-        <p:txBody>
-          <a:bodyPr vert="horz" lIns="91440" tIns="45720" rIns="91440" bIns="45720" rtlCol="0" anchor="b">
-            <a:normAutofit/>
-          </a:bodyPr>
-          <a:lstStyle/>
-          <a:p>
-            <a:br>
-              <a:rPr lang="en-US" sz="6000" dirty="0">
-                <a:solidFill>
-                  <a:schemeClr val="bg1"/>
-                </a:solidFill>
-              </a:rPr>
-            </a:br>
-            <a:endParaRPr lang="en-US" sz="6000" kern="1200" dirty="0">
-              <a:solidFill>
-                <a:schemeClr val="bg1"/>
-              </a:solidFill>
-              <a:latin typeface="+mj-lt"/>
-              <a:ea typeface="+mj-ea"/>
-              <a:cs typeface="+mj-cs"/>
-            </a:endParaRPr>
-          </a:p>
-        </p:txBody>
-      </p:sp>
-      <p:sp>
-        <p:nvSpPr>
-          <p:cNvPr id="15" name="Freeform: Shape 14">
-            <a:extLst>
-              <a:ext uri="{FF2B5EF4-FFF2-40B4-BE49-F238E27FC236}">
-                <a16:creationId xmlns:a16="http://schemas.microsoft.com/office/drawing/2014/main" id="{1DB7C82F-AB7E-4F0C-B829-FA1B9C415180}"/>
-              </a:ext>
-              <a:ext uri="{C183D7F6-B498-43B3-948B-1728B52AA6E4}">
-                <adec:decorative xmlns:adec="http://schemas.microsoft.com/office/drawing/2017/decorative" val="1"/>
-              </a:ext>
-            </a:extLst>
-          </p:cNvPr>
-          <p:cNvSpPr>
-            <a:spLocks noGrp="1" noRot="1" noChangeAspect="1" noMove="1" noResize="1" noEditPoints="1" noAdjustHandles="1" noChangeArrowheads="1" noChangeShapeType="1" noTextEdit="1"/>
-          </p:cNvSpPr>
-          <p:nvPr>
-            <p:extLst>
-              <p:ext uri="{386F3935-93C4-4BCD-93E2-E3B085C9AB24}">
-                <p16:designElem xmlns:p16="http://schemas.microsoft.com/office/powerpoint/2015/main" val="1"/>
-              </p:ext>
-            </p:extLst>
-          </p:nvPr>
-        </p:nvSpPr>
-        <p:spPr>
-          <a:xfrm flipH="1">
-            <a:off x="0" y="0"/>
-            <a:ext cx="6172782" cy="6858000"/>
-          </a:xfrm>
-          <a:custGeom>
-            <a:avLst/>
-            <a:gdLst>
-              <a:gd name="connsiteX0" fmla="*/ 6172782 w 6172782"/>
-              <a:gd name="connsiteY0" fmla="*/ 0 h 6858000"/>
-              <a:gd name="connsiteX1" fmla="*/ 69075 w 6172782"/>
-              <a:gd name="connsiteY1" fmla="*/ 0 h 6858000"/>
-              <a:gd name="connsiteX2" fmla="*/ 35131 w 6172782"/>
-              <a:gd name="connsiteY2" fmla="*/ 267128 h 6858000"/>
-              <a:gd name="connsiteX3" fmla="*/ 0 w 6172782"/>
-              <a:gd name="connsiteY3" fmla="*/ 962845 h 6858000"/>
-              <a:gd name="connsiteX4" fmla="*/ 3276103 w 6172782"/>
-              <a:gd name="connsiteY4" fmla="*/ 6782205 h 6858000"/>
-              <a:gd name="connsiteX5" fmla="*/ 3407923 w 6172782"/>
-              <a:gd name="connsiteY5" fmla="*/ 6858000 h 6858000"/>
-              <a:gd name="connsiteX6" fmla="*/ 6172782 w 6172782"/>
-              <a:gd name="connsiteY6" fmla="*/ 6858000 h 6858000"/>
-            </a:gdLst>
-            <a:ahLst/>
-            <a:cxnLst>
-              <a:cxn ang="0">
-                <a:pos x="connsiteX0" y="connsiteY0"/>
-              </a:cxn>
-              <a:cxn ang="0">
-                <a:pos x="connsiteX1" y="connsiteY1"/>
-              </a:cxn>
-              <a:cxn ang="0">
-                <a:pos x="connsiteX2" y="connsiteY2"/>
-              </a:cxn>
-              <a:cxn ang="0">
-                <a:pos x="connsiteX3" y="connsiteY3"/>
-              </a:cxn>
-              <a:cxn ang="0">
-                <a:pos x="connsiteX4" y="connsiteY4"/>
-              </a:cxn>
-              <a:cxn ang="0">
-                <a:pos x="connsiteX5" y="connsiteY5"/>
-              </a:cxn>
-              <a:cxn ang="0">
-                <a:pos x="connsiteX6" y="connsiteY6"/>
-              </a:cxn>
-            </a:cxnLst>
-            <a:rect l="l" t="t" r="r" b="b"/>
-            <a:pathLst>
-              <a:path w="6172782" h="6858000">
-                <a:moveTo>
-                  <a:pt x="6172782" y="0"/>
-                </a:moveTo>
-                <a:lnTo>
-                  <a:pt x="69075" y="0"/>
-                </a:lnTo>
-                <a:lnTo>
-                  <a:pt x="35131" y="267128"/>
-                </a:lnTo>
-                <a:cubicBezTo>
-                  <a:pt x="11901" y="495874"/>
-                  <a:pt x="0" y="727970"/>
-                  <a:pt x="0" y="962845"/>
-                </a:cubicBezTo>
-                <a:cubicBezTo>
-                  <a:pt x="0" y="3429034"/>
-                  <a:pt x="1312002" y="5588789"/>
-                  <a:pt x="3276103" y="6782205"/>
-                </a:cubicBezTo>
-                <a:lnTo>
-                  <a:pt x="3407923" y="6858000"/>
-                </a:lnTo>
-                <a:lnTo>
-                  <a:pt x="6172782" y="6858000"/>
-                </a:lnTo>
-                <a:close/>
-              </a:path>
-            </a:pathLst>
-          </a:custGeom>
-          <a:solidFill>
-            <a:schemeClr val="bg1">
-              <a:alpha val="80000"/>
-            </a:schemeClr>
-          </a:solidFill>
-          <a:ln>
-            <a:noFill/>
-          </a:ln>
-        </p:spPr>
-        <p:style>
-          <a:lnRef idx="2">
-            <a:schemeClr val="accent1">
-              <a:shade val="50000"/>
-            </a:schemeClr>
-          </a:lnRef>
-          <a:fillRef idx="1">
-            <a:schemeClr val="accent1"/>
-          </a:fillRef>
-          <a:effectRef idx="0">
-            <a:schemeClr val="accent1"/>
-          </a:effectRef>
-          <a:fontRef idx="minor">
-            <a:schemeClr val="lt1"/>
-          </a:fontRef>
-        </p:style>
-        <p:txBody>
-          <a:bodyPr wrap="square" rtlCol="0" anchor="ctr">
-            <a:noAutofit/>
-          </a:bodyPr>
-          <a:lstStyle/>
-          <a:p>
-            <a:pPr marL="0" marR="0" lvl="0" indent="0" algn="ctr" defTabSz="914400" rtl="0" eaLnBrk="1" fontAlgn="auto" latinLnBrk="0" hangingPunct="1">
-              <a:lnSpc>
-                <a:spcPct val="100000"/>
-              </a:lnSpc>
-              <a:spcBef>
-                <a:spcPts val="0"/>
-              </a:spcBef>
-              <a:spcAft>
-                <a:spcPts val="0"/>
-              </a:spcAft>
-              <a:buClrTx/>
-              <a:buSzTx/>
-              <a:buFontTx/>
-              <a:buNone/>
-              <a:tabLst/>
-              <a:defRPr/>
-            </a:pPr>
-            <a:endParaRPr kumimoji="0" lang="en-US" sz="1800" b="0" i="0" u="none" strike="noStrike" kern="1200" cap="none" spc="0" normalizeH="0" baseline="0" noProof="0">
-              <a:ln>
-                <a:noFill/>
-              </a:ln>
-              <a:solidFill>
-                <a:prstClr val="white"/>
-              </a:solidFill>
-              <a:effectLst/>
-              <a:uLnTx/>
-              <a:uFillTx/>
-              <a:latin typeface="Calibri" panose="020F0502020204030204"/>
-              <a:ea typeface="+mn-ea"/>
-              <a:cs typeface="+mn-cs"/>
-            </a:endParaRPr>
-          </a:p>
-        </p:txBody>
-      </p:sp>
-      <p:sp>
-        <p:nvSpPr>
-          <p:cNvPr id="17" name="Freeform: Shape 16">
-            <a:extLst>
-              <a:ext uri="{FF2B5EF4-FFF2-40B4-BE49-F238E27FC236}">
-                <a16:creationId xmlns:a16="http://schemas.microsoft.com/office/drawing/2014/main" id="{70B66945-4967-4040-926D-DCA44313CDAB}"/>
-              </a:ext>
-              <a:ext uri="{C183D7F6-B498-43B3-948B-1728B52AA6E4}">
-                <adec:decorative xmlns:adec="http://schemas.microsoft.com/office/drawing/2017/decorative" val="1"/>
-              </a:ext>
-            </a:extLst>
-          </p:cNvPr>
-          <p:cNvSpPr>
-            <a:spLocks noGrp="1" noRot="1" noChangeAspect="1" noMove="1" noResize="1" noEditPoints="1" noAdjustHandles="1" noChangeArrowheads="1" noChangeShapeType="1" noTextEdit="1"/>
-          </p:cNvSpPr>
-          <p:nvPr>
-            <p:extLst>
-              <p:ext uri="{386F3935-93C4-4BCD-93E2-E3B085C9AB24}">
-                <p16:designElem xmlns:p16="http://schemas.microsoft.com/office/powerpoint/2015/main" val="1"/>
-              </p:ext>
-            </p:extLst>
-          </p:nvPr>
-        </p:nvSpPr>
-        <p:spPr>
-          <a:xfrm>
-            <a:off x="0" y="0"/>
-            <a:ext cx="6024154" cy="6858000"/>
-          </a:xfrm>
-          <a:custGeom>
-            <a:avLst/>
-            <a:gdLst>
-              <a:gd name="connsiteX0" fmla="*/ 0 w 6024154"/>
-              <a:gd name="connsiteY0" fmla="*/ 0 h 6858000"/>
-              <a:gd name="connsiteX1" fmla="*/ 5953780 w 6024154"/>
-              <a:gd name="connsiteY1" fmla="*/ 0 h 6858000"/>
-              <a:gd name="connsiteX2" fmla="*/ 5989880 w 6024154"/>
-              <a:gd name="connsiteY2" fmla="*/ 284091 h 6858000"/>
-              <a:gd name="connsiteX3" fmla="*/ 6024154 w 6024154"/>
-              <a:gd name="connsiteY3" fmla="*/ 962844 h 6858000"/>
-              <a:gd name="connsiteX4" fmla="*/ 2549934 w 6024154"/>
-              <a:gd name="connsiteY4" fmla="*/ 6800152 h 6858000"/>
-              <a:gd name="connsiteX5" fmla="*/ 2436987 w 6024154"/>
-              <a:gd name="connsiteY5" fmla="*/ 6858000 h 6858000"/>
-              <a:gd name="connsiteX6" fmla="*/ 0 w 6024154"/>
-              <a:gd name="connsiteY6" fmla="*/ 6858000 h 6858000"/>
-            </a:gdLst>
-            <a:ahLst/>
-            <a:cxnLst>
-              <a:cxn ang="0">
-                <a:pos x="connsiteX0" y="connsiteY0"/>
-              </a:cxn>
-              <a:cxn ang="0">
-                <a:pos x="connsiteX1" y="connsiteY1"/>
-              </a:cxn>
-              <a:cxn ang="0">
-                <a:pos x="connsiteX2" y="connsiteY2"/>
-              </a:cxn>
-              <a:cxn ang="0">
-                <a:pos x="connsiteX3" y="connsiteY3"/>
-              </a:cxn>
-              <a:cxn ang="0">
-                <a:pos x="connsiteX4" y="connsiteY4"/>
-              </a:cxn>
-              <a:cxn ang="0">
-                <a:pos x="connsiteX5" y="connsiteY5"/>
-              </a:cxn>
-              <a:cxn ang="0">
-                <a:pos x="connsiteX6" y="connsiteY6"/>
-              </a:cxn>
-            </a:cxnLst>
-            <a:rect l="l" t="t" r="r" b="b"/>
-            <a:pathLst>
-              <a:path w="6024154" h="6858000">
-                <a:moveTo>
-                  <a:pt x="0" y="0"/>
-                </a:moveTo>
-                <a:lnTo>
-                  <a:pt x="5953780" y="0"/>
-                </a:lnTo>
-                <a:lnTo>
-                  <a:pt x="5989880" y="284091"/>
-                </a:lnTo>
-                <a:cubicBezTo>
-                  <a:pt x="6012544" y="507260"/>
-                  <a:pt x="6024154" y="733696"/>
-                  <a:pt x="6024154" y="962844"/>
-                </a:cubicBezTo>
-                <a:cubicBezTo>
-                  <a:pt x="6024154" y="3483472"/>
-                  <a:pt x="4619336" y="5675986"/>
-                  <a:pt x="2549934" y="6800152"/>
-                </a:cubicBezTo>
-                <a:lnTo>
-                  <a:pt x="2436987" y="6858000"/>
-                </a:lnTo>
-                <a:lnTo>
-                  <a:pt x="0" y="6858000"/>
-                </a:lnTo>
-                <a:close/>
-              </a:path>
-            </a:pathLst>
-          </a:custGeom>
-          <a:solidFill>
-            <a:schemeClr val="bg1"/>
-          </a:solidFill>
-          <a:ln>
-            <a:noFill/>
-          </a:ln>
-        </p:spPr>
-        <p:style>
-          <a:lnRef idx="2">
-            <a:schemeClr val="accent1">
-              <a:shade val="50000"/>
-            </a:schemeClr>
-          </a:lnRef>
-          <a:fillRef idx="1">
-            <a:schemeClr val="accent1"/>
-          </a:fillRef>
-          <a:effectRef idx="0">
-            <a:schemeClr val="accent1"/>
-          </a:effectRef>
-          <a:fontRef idx="minor">
-            <a:schemeClr val="lt1"/>
-          </a:fontRef>
-        </p:style>
-        <p:txBody>
-          <a:bodyPr wrap="square" rtlCol="0" anchor="ctr">
-            <a:noAutofit/>
-          </a:bodyPr>
-          <a:lstStyle/>
-          <a:p>
-            <a:pPr marL="0" marR="0" lvl="0" indent="0" algn="ctr" defTabSz="914400" rtl="0" eaLnBrk="1" fontAlgn="auto" latinLnBrk="0" hangingPunct="1">
-              <a:lnSpc>
-                <a:spcPct val="100000"/>
-              </a:lnSpc>
-              <a:spcBef>
-                <a:spcPts val="0"/>
-              </a:spcBef>
-              <a:spcAft>
-                <a:spcPts val="0"/>
-              </a:spcAft>
-              <a:buClrTx/>
-              <a:buSzTx/>
-              <a:buFontTx/>
-              <a:buNone/>
-              <a:tabLst/>
-              <a:defRPr/>
-            </a:pPr>
-            <a:endParaRPr kumimoji="0" lang="en-US" sz="1800" b="0" i="0" u="none" strike="noStrike" kern="1200" cap="none" spc="0" normalizeH="0" baseline="0" noProof="0">
-              <a:ln>
-                <a:noFill/>
-              </a:ln>
-              <a:solidFill>
-                <a:prstClr val="white"/>
-              </a:solidFill>
-              <a:effectLst/>
-              <a:uLnTx/>
-              <a:uFillTx/>
-              <a:latin typeface="Calibri" panose="020F0502020204030204"/>
-              <a:ea typeface="+mn-ea"/>
-              <a:cs typeface="+mn-cs"/>
-            </a:endParaRPr>
-          </a:p>
-        </p:txBody>
-      </p:sp>
-      <p:pic>
-        <p:nvPicPr>
-          <p:cNvPr id="8" name="Image 7">
-            <a:extLst>
-              <a:ext uri="{FF2B5EF4-FFF2-40B4-BE49-F238E27FC236}">
-                <a16:creationId xmlns:a16="http://schemas.microsoft.com/office/drawing/2014/main" id="{ED3D4CC1-61F6-4D01-8FAC-88DA5163431A}"/>
-              </a:ext>
-            </a:extLst>
-          </p:cNvPr>
-          <p:cNvPicPr>
-            <a:picLocks noChangeAspect="1"/>
-          </p:cNvPicPr>
-          <p:nvPr/>
-        </p:nvPicPr>
-        <p:blipFill>
-          <a:blip r:embed="rId3">
-            <a:extLst>
-              <a:ext uri="{28A0092B-C50C-407E-A947-70E740481C1C}">
-                <a14:useLocalDpi xmlns:a14="http://schemas.microsoft.com/office/drawing/2010/main" val="0"/>
-              </a:ext>
-            </a:extLst>
-          </a:blip>
-          <a:stretch>
-            <a:fillRect/>
-          </a:stretch>
-        </p:blipFill>
-        <p:spPr>
-          <a:xfrm>
-            <a:off x="419382" y="720993"/>
-            <a:ext cx="4047843" cy="4047843"/>
-          </a:xfrm>
-          <a:prstGeom prst="rect">
-            <a:avLst/>
-          </a:prstGeom>
-        </p:spPr>
-      </p:pic>
-      <p:sp>
-        <p:nvSpPr>
-          <p:cNvPr id="7" name="Titre 1">
-            <a:extLst>
-              <a:ext uri="{FF2B5EF4-FFF2-40B4-BE49-F238E27FC236}">
-                <a16:creationId xmlns:a16="http://schemas.microsoft.com/office/drawing/2014/main" id="{EA547333-168E-45AE-9CD2-2EFCC39AFF84}"/>
-              </a:ext>
-            </a:extLst>
-          </p:cNvPr>
-          <p:cNvSpPr txBox="1">
-            <a:spLocks/>
-          </p:cNvSpPr>
-          <p:nvPr/>
-        </p:nvSpPr>
-        <p:spPr>
-          <a:xfrm>
-            <a:off x="6746628" y="1783959"/>
-            <a:ext cx="4645250" cy="2889114"/>
-          </a:xfrm>
-          <a:prstGeom prst="rect">
-            <a:avLst/>
-          </a:prstGeom>
-        </p:spPr>
-        <p:txBody>
-          <a:bodyPr vert="horz" lIns="91440" tIns="45720" rIns="91440" bIns="45720" rtlCol="0" anchor="b">
-            <a:normAutofit/>
-          </a:bodyPr>
-          <a:lstStyle>
-            <a:lvl1pPr algn="l" defTabSz="914400" rtl="0" eaLnBrk="1" latinLnBrk="0" hangingPunct="1">
-              <a:lnSpc>
-                <a:spcPct val="90000"/>
-              </a:lnSpc>
-              <a:spcBef>
-                <a:spcPct val="0"/>
-              </a:spcBef>
-              <a:buNone/>
-              <a:defRPr sz="4400" kern="1200">
-                <a:solidFill>
-                  <a:schemeClr val="tx1"/>
-                </a:solidFill>
-                <a:latin typeface="+mj-lt"/>
-                <a:ea typeface="+mj-ea"/>
-                <a:cs typeface="+mj-cs"/>
-              </a:defRPr>
-            </a:lvl1pPr>
-          </a:lstStyle>
-          <a:p>
-            <a:r>
-              <a:rPr lang="fr-FR" sz="6000" dirty="0">
-                <a:solidFill>
-                  <a:schemeClr val="bg1"/>
-                </a:solidFill>
-              </a:rPr>
-              <a:t>Analyses</a:t>
-            </a:r>
-            <a:endParaRPr lang="en-US" sz="6000" dirty="0">
-              <a:solidFill>
-                <a:schemeClr val="bg1"/>
-              </a:solidFill>
-            </a:endParaRPr>
-          </a:p>
-        </p:txBody>
-      </p:sp>
-    </p:spTree>
-    <p:extLst>
-      <p:ext uri="{BB962C8B-B14F-4D97-AF65-F5344CB8AC3E}">
-        <p14:creationId xmlns:p14="http://schemas.microsoft.com/office/powerpoint/2010/main" val="3618298743"/>
-      </p:ext>
-    </p:extLst>
-  </p:cSld>
-  <p:clrMapOvr>
-    <a:masterClrMapping/>
-  </p:clrMapOvr>
-</p:sld>
-</file>
-
-<file path=ppt/slides/slide11.xml><?xml version="1.0" encoding="utf-8"?>
 <p:sld xmlns:a="http://schemas.openxmlformats.org/drawingml/2006/main" xmlns:r="http://schemas.openxmlformats.org/officeDocument/2006/relationships" xmlns:p="http://schemas.openxmlformats.org/presentationml/2006/main">
   <p:cSld>
     <p:spTree>
@@ -7044,7 +6390,7 @@
 </p:sld>
 </file>
 
-<file path=ppt/slides/slide12.xml><?xml version="1.0" encoding="utf-8"?>
+<file path=ppt/slides/slide11.xml><?xml version="1.0" encoding="utf-8"?>
 <p:sld xmlns:a="http://schemas.openxmlformats.org/drawingml/2006/main" xmlns:r="http://schemas.openxmlformats.org/officeDocument/2006/relationships" xmlns:p="http://schemas.openxmlformats.org/presentationml/2006/main">
   <p:cSld>
     <p:spTree>
@@ -7470,7 +6816,7 @@
 </p:sld>
 </file>
 
-<file path=ppt/slides/slide13.xml><?xml version="1.0" encoding="utf-8"?>
+<file path=ppt/slides/slide12.xml><?xml version="1.0" encoding="utf-8"?>
 <p:sld xmlns:a="http://schemas.openxmlformats.org/drawingml/2006/main" xmlns:r="http://schemas.openxmlformats.org/officeDocument/2006/relationships" xmlns:p="http://schemas.openxmlformats.org/presentationml/2006/main">
   <p:cSld>
     <p:bg>
@@ -8115,7 +7461,7 @@
 </p:sld>
 </file>
 
-<file path=ppt/slides/slide14.xml><?xml version="1.0" encoding="utf-8"?>
+<file path=ppt/slides/slide13.xml><?xml version="1.0" encoding="utf-8"?>
 <p:sld xmlns:a="http://schemas.openxmlformats.org/drawingml/2006/main" xmlns:r="http://schemas.openxmlformats.org/officeDocument/2006/relationships" xmlns:p="http://schemas.openxmlformats.org/presentationml/2006/main">
   <p:cSld>
     <p:spTree>
@@ -8271,7 +7617,7 @@
 </p:sld>
 </file>
 
-<file path=ppt/slides/slide15.xml><?xml version="1.0" encoding="utf-8"?>
+<file path=ppt/slides/slide14.xml><?xml version="1.0" encoding="utf-8"?>
 <p:sld xmlns:a="http://schemas.openxmlformats.org/drawingml/2006/main" xmlns:r="http://schemas.openxmlformats.org/officeDocument/2006/relationships" xmlns:p="http://schemas.openxmlformats.org/presentationml/2006/main">
   <p:cSld>
     <p:spTree>
@@ -8541,7 +7887,7 @@
 </p:sld>
 </file>
 
-<file path=ppt/slides/slide16.xml><?xml version="1.0" encoding="utf-8"?>
+<file path=ppt/slides/slide15.xml><?xml version="1.0" encoding="utf-8"?>
 <p:sld xmlns:a="http://schemas.openxmlformats.org/drawingml/2006/main" xmlns:r="http://schemas.openxmlformats.org/officeDocument/2006/relationships" xmlns:p="http://schemas.openxmlformats.org/presentationml/2006/main">
   <p:cSld>
     <p:bg>
@@ -9125,7 +8471,7 @@
 </p:sld>
 </file>
 
-<file path=ppt/slides/slide17.xml><?xml version="1.0" encoding="utf-8"?>
+<file path=ppt/slides/slide16.xml><?xml version="1.0" encoding="utf-8"?>
 <p:sld xmlns:a="http://schemas.openxmlformats.org/drawingml/2006/main" xmlns:r="http://schemas.openxmlformats.org/officeDocument/2006/relationships" xmlns:p="http://schemas.openxmlformats.org/presentationml/2006/main">
   <p:cSld>
     <p:spTree>
@@ -9183,7 +8529,7 @@
           <p:cNvPr id="4" name="Titre 1">
             <a:extLst>
               <a:ext uri="{FF2B5EF4-FFF2-40B4-BE49-F238E27FC236}">
-                <a16:creationId xmlns:a16="http://schemas.microsoft.com/office/drawing/2014/main" id="{A6A008E4-9CBF-427E-BE4E-610C734E744A}"/>
+                <a16:creationId xmlns:a16="http://schemas.microsoft.com/office/drawing/2014/main" id="{79CEC607-DA20-4200-9F7D-5C00D72E174E}"/>
               </a:ext>
             </a:extLst>
           </p:cNvPr>
@@ -9228,7 +8574,7 @@
             <a:pPr algn="ctr"/>
             <a:r>
               <a:rPr lang="fr-FR" b="1" dirty="0"/>
-              <a:t>Clustering Hiérarchique</a:t>
+              <a:t>DB_SCAN</a:t>
             </a:r>
           </a:p>
         </p:txBody>
@@ -9238,7 +8584,7 @@
           <p:cNvPr id="2" name="ZoneTexte 1">
             <a:extLst>
               <a:ext uri="{FF2B5EF4-FFF2-40B4-BE49-F238E27FC236}">
-                <a16:creationId xmlns:a16="http://schemas.microsoft.com/office/drawing/2014/main" id="{85FB3B4E-6CFE-4236-A23E-AE958256B218}"/>
+                <a16:creationId xmlns:a16="http://schemas.microsoft.com/office/drawing/2014/main" id="{9B311222-DB62-415C-B4C8-B3478FA6712A}"/>
               </a:ext>
             </a:extLst>
           </p:cNvPr>
@@ -9247,8 +8593,8 @@
         </p:nvSpPr>
         <p:spPr>
           <a:xfrm>
-            <a:off x="1092529" y="1615044"/>
-            <a:ext cx="2409121" cy="369332"/>
+            <a:off x="5142854" y="5112434"/>
+            <a:ext cx="1906291" cy="646331"/>
           </a:xfrm>
           <a:prstGeom prst="rect">
             <a:avLst/>
@@ -9263,141 +8609,143 @@
           <a:p>
             <a:r>
               <a:rPr lang="fr-FR" dirty="0"/>
-              <a:t>Problème de puissance </a:t>
-            </a:r>
-          </a:p>
-        </p:txBody>
-      </p:sp>
-      <p:sp>
-        <p:nvSpPr>
-          <p:cNvPr id="5" name="ZoneTexte 4">
-            <a:extLst>
-              <a:ext uri="{FF2B5EF4-FFF2-40B4-BE49-F238E27FC236}">
-                <a16:creationId xmlns:a16="http://schemas.microsoft.com/office/drawing/2014/main" id="{CABD37D2-1A83-4BE2-967A-1A512BB2888D}"/>
-              </a:ext>
-            </a:extLst>
-          </p:cNvPr>
-          <p:cNvSpPr txBox="1"/>
+              <a:t>epsilon = 0.3 </a:t>
+            </a:r>
+          </a:p>
+          <a:p>
+            <a:r>
+              <a:rPr lang="fr-FR" dirty="0" err="1"/>
+              <a:t>min_sample</a:t>
+            </a:r>
+            <a:r>
+              <a:rPr lang="fr-FR" dirty="0"/>
+              <a:t> = 500</a:t>
+            </a:r>
+          </a:p>
+        </p:txBody>
+      </p:sp>
+      <p:pic>
+        <p:nvPicPr>
+          <p:cNvPr id="8" name="Image 7">
+            <a:extLst>
+              <a:ext uri="{FF2B5EF4-FFF2-40B4-BE49-F238E27FC236}">
+                <a16:creationId xmlns:a16="http://schemas.microsoft.com/office/drawing/2014/main" id="{0CE2A13C-FE57-43EA-BC55-47A3B5AA82DC}"/>
+              </a:ext>
+            </a:extLst>
+          </p:cNvPr>
+          <p:cNvPicPr>
+            <a:picLocks noChangeAspect="1"/>
+          </p:cNvPicPr>
           <p:nvPr/>
-        </p:nvSpPr>
+        </p:nvPicPr>
+        <p:blipFill>
+          <a:blip r:embed="rId4"/>
+          <a:stretch>
+            <a:fillRect/>
+          </a:stretch>
+        </p:blipFill>
         <p:spPr>
           <a:xfrm>
-            <a:off x="4355793" y="1615044"/>
-            <a:ext cx="6413807" cy="369332"/>
+            <a:off x="152400" y="1776412"/>
+            <a:ext cx="11887200" cy="3305175"/>
           </a:xfrm>
           <a:prstGeom prst="rect">
             <a:avLst/>
           </a:prstGeom>
-          <a:noFill/>
         </p:spPr>
-        <p:txBody>
-          <a:bodyPr wrap="none" rtlCol="0">
-            <a:spAutoFit/>
-          </a:bodyPr>
-          <a:lstStyle/>
-          <a:p>
-            <a:r>
-              <a:rPr lang="fr-FR" dirty="0"/>
-              <a:t>Impossible de lancer le clustering hiérarchique sur mon ordinateur </a:t>
-            </a:r>
-          </a:p>
-        </p:txBody>
-      </p:sp>
-      <p:sp>
-        <p:nvSpPr>
-          <p:cNvPr id="6" name="Flèche : droite 5">
-            <a:extLst>
-              <a:ext uri="{FF2B5EF4-FFF2-40B4-BE49-F238E27FC236}">
-                <a16:creationId xmlns:a16="http://schemas.microsoft.com/office/drawing/2014/main" id="{0FE130A0-32C0-49D2-A8F1-222C12D01EB8}"/>
-              </a:ext>
-            </a:extLst>
-          </p:cNvPr>
-          <p:cNvSpPr/>
-          <p:nvPr/>
-        </p:nvSpPr>
-        <p:spPr>
-          <a:xfrm>
-            <a:off x="3501650" y="1707377"/>
-            <a:ext cx="854143" cy="184666"/>
-          </a:xfrm>
-          <a:prstGeom prst="rightArrow">
-            <a:avLst/>
-          </a:prstGeom>
-        </p:spPr>
-        <p:style>
-          <a:lnRef idx="2">
-            <a:schemeClr val="accent1">
-              <a:shade val="50000"/>
-            </a:schemeClr>
-          </a:lnRef>
-          <a:fillRef idx="1">
-            <a:schemeClr val="accent1"/>
-          </a:fillRef>
-          <a:effectRef idx="0">
-            <a:schemeClr val="accent1"/>
-          </a:effectRef>
-          <a:fontRef idx="minor">
-            <a:schemeClr val="lt1"/>
-          </a:fontRef>
-        </p:style>
-        <p:txBody>
-          <a:bodyPr rtlCol="0" anchor="ctr"/>
-          <a:lstStyle/>
-          <a:p>
-            <a:pPr algn="ctr"/>
-            <a:endParaRPr lang="fr-FR"/>
-          </a:p>
-        </p:txBody>
-      </p:sp>
-      <p:sp>
-        <p:nvSpPr>
-          <p:cNvPr id="7" name="ZoneTexte 6">
-            <a:extLst>
-              <a:ext uri="{FF2B5EF4-FFF2-40B4-BE49-F238E27FC236}">
-                <a16:creationId xmlns:a16="http://schemas.microsoft.com/office/drawing/2014/main" id="{975EFD60-10E4-4C40-A0B4-51D4A70D9BBA}"/>
-              </a:ext>
-            </a:extLst>
-          </p:cNvPr>
-          <p:cNvSpPr txBox="1"/>
-          <p:nvPr/>
-        </p:nvSpPr>
-        <p:spPr>
-          <a:xfrm>
-            <a:off x="1211283" y="2458192"/>
-            <a:ext cx="4375557" cy="369332"/>
-          </a:xfrm>
-          <a:prstGeom prst="rect">
-            <a:avLst/>
-          </a:prstGeom>
-          <a:noFill/>
-        </p:spPr>
-        <p:txBody>
-          <a:bodyPr wrap="none" rtlCol="0">
-            <a:spAutoFit/>
-          </a:bodyPr>
-          <a:lstStyle/>
-          <a:p>
-            <a:r>
-              <a:rPr lang="fr-FR" dirty="0"/>
-              <a:t>Visualisation par Dendrogramme impossible </a:t>
-            </a:r>
-          </a:p>
-        </p:txBody>
-      </p:sp>
+      </p:pic>
     </p:spTree>
     <p:extLst>
       <p:ext uri="{BB962C8B-B14F-4D97-AF65-F5344CB8AC3E}">
-        <p14:creationId xmlns:p14="http://schemas.microsoft.com/office/powerpoint/2010/main" val="884095347"/>
+        <p14:creationId xmlns:p14="http://schemas.microsoft.com/office/powerpoint/2010/main" val="4201240061"/>
       </p:ext>
     </p:extLst>
   </p:cSld>
   <p:clrMapOvr>
     <a:masterClrMapping/>
   </p:clrMapOvr>
+  <p:timing>
+    <p:tnLst>
+      <p:par>
+        <p:cTn id="1" dur="indefinite" restart="never" nodeType="tmRoot">
+          <p:childTnLst>
+            <p:seq concurrent="1" nextAc="seek">
+              <p:cTn id="2" dur="indefinite" nodeType="mainSeq">
+                <p:childTnLst>
+                  <p:par>
+                    <p:cTn id="3" fill="hold">
+                      <p:stCondLst>
+                        <p:cond delay="indefinite"/>
+                      </p:stCondLst>
+                      <p:childTnLst>
+                        <p:par>
+                          <p:cTn id="4" fill="hold">
+                            <p:stCondLst>
+                              <p:cond delay="0"/>
+                            </p:stCondLst>
+                            <p:childTnLst>
+                              <p:par>
+                                <p:cTn id="5" presetID="1" presetClass="entr" presetSubtype="0" fill="hold" grpId="0" nodeType="clickEffect">
+                                  <p:stCondLst>
+                                    <p:cond delay="0"/>
+                                  </p:stCondLst>
+                                  <p:childTnLst>
+                                    <p:set>
+                                      <p:cBhvr>
+                                        <p:cTn id="6" dur="1" fill="hold">
+                                          <p:stCondLst>
+                                            <p:cond delay="0"/>
+                                          </p:stCondLst>
+                                        </p:cTn>
+                                        <p:tgtEl>
+                                          <p:spTgt spid="2"/>
+                                        </p:tgtEl>
+                                        <p:attrNameLst>
+                                          <p:attrName>style.visibility</p:attrName>
+                                        </p:attrNameLst>
+                                      </p:cBhvr>
+                                      <p:to>
+                                        <p:strVal val="visible"/>
+                                      </p:to>
+                                    </p:set>
+                                  </p:childTnLst>
+                                </p:cTn>
+                              </p:par>
+                            </p:childTnLst>
+                          </p:cTn>
+                        </p:par>
+                      </p:childTnLst>
+                    </p:cTn>
+                  </p:par>
+                </p:childTnLst>
+              </p:cTn>
+              <p:prevCondLst>
+                <p:cond evt="onPrev" delay="0">
+                  <p:tgtEl>
+                    <p:sldTgt/>
+                  </p:tgtEl>
+                </p:cond>
+              </p:prevCondLst>
+              <p:nextCondLst>
+                <p:cond evt="onNext" delay="0">
+                  <p:tgtEl>
+                    <p:sldTgt/>
+                  </p:tgtEl>
+                </p:cond>
+              </p:nextCondLst>
+            </p:seq>
+          </p:childTnLst>
+        </p:cTn>
+      </p:par>
+    </p:tnLst>
+    <p:bldLst>
+      <p:bldP spid="2" grpId="0"/>
+    </p:bldLst>
+  </p:timing>
 </p:sld>
 </file>
 
-<file path=ppt/slides/slide18.xml><?xml version="1.0" encoding="utf-8"?>
+<file path=ppt/slides/slide17.xml><?xml version="1.0" encoding="utf-8"?>
 <p:sld xmlns:a="http://schemas.openxmlformats.org/drawingml/2006/main" xmlns:r="http://schemas.openxmlformats.org/officeDocument/2006/relationships" xmlns:p="http://schemas.openxmlformats.org/presentationml/2006/main">
   <p:cSld>
     <p:spTree>
@@ -9455,7 +8803,7 @@
           <p:cNvPr id="4" name="Titre 1">
             <a:extLst>
               <a:ext uri="{FF2B5EF4-FFF2-40B4-BE49-F238E27FC236}">
-                <a16:creationId xmlns:a16="http://schemas.microsoft.com/office/drawing/2014/main" id="{79CEC607-DA20-4200-9F7D-5C00D72E174E}"/>
+                <a16:creationId xmlns:a16="http://schemas.microsoft.com/office/drawing/2014/main" id="{ABC2E951-71F8-4369-81CB-14DE713A0396}"/>
               </a:ext>
             </a:extLst>
           </p:cNvPr>
@@ -9500,101 +8848,299 @@
             <a:pPr algn="ctr"/>
             <a:r>
               <a:rPr lang="fr-FR" b="1" dirty="0"/>
-              <a:t>DB_SCAN</a:t>
-            </a:r>
-          </a:p>
-        </p:txBody>
-      </p:sp>
-      <p:sp>
-        <p:nvSpPr>
-          <p:cNvPr id="5" name="ZoneTexte 4">
-            <a:extLst>
-              <a:ext uri="{FF2B5EF4-FFF2-40B4-BE49-F238E27FC236}">
-                <a16:creationId xmlns:a16="http://schemas.microsoft.com/office/drawing/2014/main" id="{ED9CFA75-B0A0-4614-B9F1-AB7B3DE04D4D}"/>
-              </a:ext>
-            </a:extLst>
-          </p:cNvPr>
-          <p:cNvSpPr txBox="1"/>
+              <a:t>K-MEANS</a:t>
+            </a:r>
+          </a:p>
+        </p:txBody>
+      </p:sp>
+      <p:pic>
+        <p:nvPicPr>
+          <p:cNvPr id="2" name="Image 1">
+            <a:extLst>
+              <a:ext uri="{FF2B5EF4-FFF2-40B4-BE49-F238E27FC236}">
+                <a16:creationId xmlns:a16="http://schemas.microsoft.com/office/drawing/2014/main" id="{2ADCB76F-083D-422F-9CBF-C5DBC477AD36}"/>
+              </a:ext>
+            </a:extLst>
+          </p:cNvPr>
+          <p:cNvPicPr>
+            <a:picLocks noChangeAspect="1"/>
+          </p:cNvPicPr>
           <p:nvPr/>
-        </p:nvSpPr>
+        </p:nvPicPr>
+        <p:blipFill>
+          <a:blip r:embed="rId4"/>
+          <a:stretch>
+            <a:fillRect/>
+          </a:stretch>
+        </p:blipFill>
         <p:spPr>
           <a:xfrm>
-            <a:off x="1092529" y="1615044"/>
-            <a:ext cx="2409121" cy="369332"/>
+            <a:off x="1596916" y="1484415"/>
+            <a:ext cx="8998165" cy="2306534"/>
           </a:xfrm>
           <a:prstGeom prst="rect">
             <a:avLst/>
           </a:prstGeom>
-          <a:noFill/>
         </p:spPr>
-        <p:txBody>
-          <a:bodyPr wrap="none" rtlCol="0">
-            <a:spAutoFit/>
-          </a:bodyPr>
-          <a:lstStyle/>
-          <a:p>
-            <a:r>
-              <a:rPr lang="fr-FR" dirty="0"/>
-              <a:t>Problème de puissance </a:t>
-            </a:r>
-          </a:p>
-        </p:txBody>
-      </p:sp>
-      <p:sp>
-        <p:nvSpPr>
-          <p:cNvPr id="6" name="ZoneTexte 5">
-            <a:extLst>
-              <a:ext uri="{FF2B5EF4-FFF2-40B4-BE49-F238E27FC236}">
-                <a16:creationId xmlns:a16="http://schemas.microsoft.com/office/drawing/2014/main" id="{1B80F5E4-954C-4AC5-87EB-1AF693B878D7}"/>
-              </a:ext>
-            </a:extLst>
-          </p:cNvPr>
-          <p:cNvSpPr txBox="1"/>
+      </p:pic>
+      <p:pic>
+        <p:nvPicPr>
+          <p:cNvPr id="5" name="Image 4">
+            <a:extLst>
+              <a:ext uri="{FF2B5EF4-FFF2-40B4-BE49-F238E27FC236}">
+                <a16:creationId xmlns:a16="http://schemas.microsoft.com/office/drawing/2014/main" id="{B9F91C6D-8CFD-4741-B851-1199C61AA31C}"/>
+              </a:ext>
+            </a:extLst>
+          </p:cNvPr>
+          <p:cNvPicPr>
+            <a:picLocks noChangeAspect="1"/>
+          </p:cNvPicPr>
           <p:nvPr/>
-        </p:nvSpPr>
+        </p:nvPicPr>
+        <p:blipFill>
+          <a:blip r:embed="rId5"/>
+          <a:stretch>
+            <a:fillRect/>
+          </a:stretch>
+        </p:blipFill>
         <p:spPr>
           <a:xfrm>
-            <a:off x="4355793" y="1615044"/>
-            <a:ext cx="4389407" cy="369332"/>
+            <a:off x="698231" y="4420539"/>
+            <a:ext cx="5001926" cy="1359899"/>
           </a:xfrm>
           <a:prstGeom prst="rect">
             <a:avLst/>
           </a:prstGeom>
-          <a:noFill/>
         </p:spPr>
-        <p:txBody>
-          <a:bodyPr wrap="none" rtlCol="0">
-            <a:spAutoFit/>
-          </a:bodyPr>
-          <a:lstStyle/>
-          <a:p>
-            <a:r>
-              <a:rPr lang="fr-FR" dirty="0"/>
-              <a:t>Impossible de lancer correctement DB_SCAN</a:t>
-            </a:r>
-          </a:p>
-        </p:txBody>
-      </p:sp>
-      <p:sp>
-        <p:nvSpPr>
-          <p:cNvPr id="7" name="Flèche : droite 6">
-            <a:extLst>
-              <a:ext uri="{FF2B5EF4-FFF2-40B4-BE49-F238E27FC236}">
-                <a16:creationId xmlns:a16="http://schemas.microsoft.com/office/drawing/2014/main" id="{FE8002AA-90C1-4333-84BF-A653C8CFA97B}"/>
-              </a:ext>
-            </a:extLst>
-          </p:cNvPr>
-          <p:cNvSpPr/>
+      </p:pic>
+      <p:pic>
+        <p:nvPicPr>
+          <p:cNvPr id="6" name="Image 5">
+            <a:extLst>
+              <a:ext uri="{FF2B5EF4-FFF2-40B4-BE49-F238E27FC236}">
+                <a16:creationId xmlns:a16="http://schemas.microsoft.com/office/drawing/2014/main" id="{206D0373-A4D0-47D3-B285-010642BDEBFE}"/>
+              </a:ext>
+            </a:extLst>
+          </p:cNvPr>
+          <p:cNvPicPr>
+            <a:picLocks noChangeAspect="1"/>
+          </p:cNvPicPr>
           <p:nvPr/>
-        </p:nvSpPr>
+        </p:nvPicPr>
+        <p:blipFill>
+          <a:blip r:embed="rId6"/>
+          <a:stretch>
+            <a:fillRect/>
+          </a:stretch>
+        </p:blipFill>
         <p:spPr>
           <a:xfrm>
-            <a:off x="3501650" y="1707377"/>
-            <a:ext cx="854143" cy="184666"/>
+            <a:off x="6095998" y="4611744"/>
+            <a:ext cx="4561611" cy="977488"/>
           </a:xfrm>
-          <a:prstGeom prst="rightArrow">
+          <a:prstGeom prst="rect">
             <a:avLst/>
           </a:prstGeom>
+        </p:spPr>
+      </p:pic>
+    </p:spTree>
+    <p:extLst>
+      <p:ext uri="{BB962C8B-B14F-4D97-AF65-F5344CB8AC3E}">
+        <p14:creationId xmlns:p14="http://schemas.microsoft.com/office/powerpoint/2010/main" val="4156449190"/>
+      </p:ext>
+    </p:extLst>
+  </p:cSld>
+  <p:clrMapOvr>
+    <a:masterClrMapping/>
+  </p:clrMapOvr>
+  <p:timing>
+    <p:tnLst>
+      <p:par>
+        <p:cTn id="1" dur="indefinite" restart="never" nodeType="tmRoot">
+          <p:childTnLst>
+            <p:seq concurrent="1" nextAc="seek">
+              <p:cTn id="2" dur="indefinite" nodeType="mainSeq">
+                <p:childTnLst>
+                  <p:par>
+                    <p:cTn id="3" fill="hold">
+                      <p:stCondLst>
+                        <p:cond delay="indefinite"/>
+                      </p:stCondLst>
+                      <p:childTnLst>
+                        <p:par>
+                          <p:cTn id="4" fill="hold">
+                            <p:stCondLst>
+                              <p:cond delay="0"/>
+                            </p:stCondLst>
+                            <p:childTnLst>
+                              <p:par>
+                                <p:cTn id="5" presetID="1" presetClass="entr" presetSubtype="0" fill="hold" nodeType="clickEffect">
+                                  <p:stCondLst>
+                                    <p:cond delay="0"/>
+                                  </p:stCondLst>
+                                  <p:childTnLst>
+                                    <p:set>
+                                      <p:cBhvr>
+                                        <p:cTn id="6" dur="1" fill="hold">
+                                          <p:stCondLst>
+                                            <p:cond delay="0"/>
+                                          </p:stCondLst>
+                                        </p:cTn>
+                                        <p:tgtEl>
+                                          <p:spTgt spid="5"/>
+                                        </p:tgtEl>
+                                        <p:attrNameLst>
+                                          <p:attrName>style.visibility</p:attrName>
+                                        </p:attrNameLst>
+                                      </p:cBhvr>
+                                      <p:to>
+                                        <p:strVal val="visible"/>
+                                      </p:to>
+                                    </p:set>
+                                  </p:childTnLst>
+                                </p:cTn>
+                              </p:par>
+                            </p:childTnLst>
+                          </p:cTn>
+                        </p:par>
+                      </p:childTnLst>
+                    </p:cTn>
+                  </p:par>
+                  <p:par>
+                    <p:cTn id="7" fill="hold">
+                      <p:stCondLst>
+                        <p:cond delay="indefinite"/>
+                      </p:stCondLst>
+                      <p:childTnLst>
+                        <p:par>
+                          <p:cTn id="8" fill="hold">
+                            <p:stCondLst>
+                              <p:cond delay="0"/>
+                            </p:stCondLst>
+                            <p:childTnLst>
+                              <p:par>
+                                <p:cTn id="9" presetID="1" presetClass="entr" presetSubtype="0" fill="hold" nodeType="clickEffect">
+                                  <p:stCondLst>
+                                    <p:cond delay="0"/>
+                                  </p:stCondLst>
+                                  <p:childTnLst>
+                                    <p:set>
+                                      <p:cBhvr>
+                                        <p:cTn id="10" dur="1" fill="hold">
+                                          <p:stCondLst>
+                                            <p:cond delay="0"/>
+                                          </p:stCondLst>
+                                        </p:cTn>
+                                        <p:tgtEl>
+                                          <p:spTgt spid="6"/>
+                                        </p:tgtEl>
+                                        <p:attrNameLst>
+                                          <p:attrName>style.visibility</p:attrName>
+                                        </p:attrNameLst>
+                                      </p:cBhvr>
+                                      <p:to>
+                                        <p:strVal val="visible"/>
+                                      </p:to>
+                                    </p:set>
+                                  </p:childTnLst>
+                                </p:cTn>
+                              </p:par>
+                            </p:childTnLst>
+                          </p:cTn>
+                        </p:par>
+                      </p:childTnLst>
+                    </p:cTn>
+                  </p:par>
+                </p:childTnLst>
+              </p:cTn>
+              <p:prevCondLst>
+                <p:cond evt="onPrev" delay="0">
+                  <p:tgtEl>
+                    <p:sldTgt/>
+                  </p:tgtEl>
+                </p:cond>
+              </p:prevCondLst>
+              <p:nextCondLst>
+                <p:cond evt="onNext" delay="0">
+                  <p:tgtEl>
+                    <p:sldTgt/>
+                  </p:tgtEl>
+                </p:cond>
+              </p:nextCondLst>
+            </p:seq>
+          </p:childTnLst>
+        </p:cTn>
+      </p:par>
+    </p:tnLst>
+  </p:timing>
+</p:sld>
+</file>
+
+<file path=ppt/slides/slide18.xml><?xml version="1.0" encoding="utf-8"?>
+<p:sld xmlns:a="http://schemas.openxmlformats.org/drawingml/2006/main" xmlns:r="http://schemas.openxmlformats.org/officeDocument/2006/relationships" xmlns:p="http://schemas.openxmlformats.org/presentationml/2006/main">
+  <p:cSld>
+    <p:bg>
+      <p:bgPr>
+        <a:solidFill>
+          <a:schemeClr val="bg1"/>
+        </a:solidFill>
+        <a:effectLst/>
+      </p:bgPr>
+    </p:bg>
+    <p:spTree>
+      <p:nvGrpSpPr>
+        <p:cNvPr id="1" name=""/>
+        <p:cNvGrpSpPr/>
+        <p:nvPr/>
+      </p:nvGrpSpPr>
+      <p:grpSpPr>
+        <a:xfrm>
+          <a:off x="0" y="0"/>
+          <a:ext cx="0" cy="0"/>
+          <a:chOff x="0" y="0"/>
+          <a:chExt cx="0" cy="0"/>
+        </a:xfrm>
+      </p:grpSpPr>
+      <p:sp>
+        <p:nvSpPr>
+          <p:cNvPr id="12" name="Rectangle 11">
+            <a:extLst>
+              <a:ext uri="{FF2B5EF4-FFF2-40B4-BE49-F238E27FC236}">
+                <a16:creationId xmlns:a16="http://schemas.microsoft.com/office/drawing/2014/main" id="{C0B27210-D0CA-4654-B3E3-9ABB4F178EA1}"/>
+              </a:ext>
+              <a:ext uri="{C183D7F6-B498-43B3-948B-1728B52AA6E4}">
+                <adec:decorative xmlns:adec="http://schemas.microsoft.com/office/drawing/2017/decorative" val="1"/>
+              </a:ext>
+            </a:extLst>
+          </p:cNvPr>
+          <p:cNvSpPr>
+            <a:spLocks noGrp="1" noRot="1" noChangeAspect="1" noMove="1" noResize="1" noEditPoints="1" noAdjustHandles="1" noChangeArrowheads="1" noChangeShapeType="1" noTextEdit="1"/>
+          </p:cNvSpPr>
+          <p:nvPr>
+            <p:extLst>
+              <p:ext uri="{386F3935-93C4-4BCD-93E2-E3B085C9AB24}">
+                <p16:designElem xmlns:p16="http://schemas.microsoft.com/office/powerpoint/2015/main" val="1"/>
+              </p:ext>
+            </p:extLst>
+          </p:nvPr>
+        </p:nvSpPr>
+        <p:spPr>
+          <a:xfrm>
+            <a:off x="0" y="0"/>
+            <a:ext cx="12192000" cy="6858000"/>
+          </a:xfrm>
+          <a:prstGeom prst="rect">
+            <a:avLst/>
+          </a:prstGeom>
+          <a:solidFill>
+            <a:schemeClr val="tx1">
+              <a:lumMod val="75000"/>
+              <a:lumOff val="25000"/>
+            </a:schemeClr>
+          </a:solidFill>
+          <a:ln>
+            <a:noFill/>
+          </a:ln>
         </p:spPr>
         <p:style>
           <a:lnRef idx="2">
@@ -9617,57 +9163,494 @@
           <a:lstStyle/>
           <a:p>
             <a:pPr algn="ctr"/>
-            <a:endParaRPr lang="fr-FR"/>
-          </a:p>
-        </p:txBody>
-      </p:sp>
-      <p:sp>
-        <p:nvSpPr>
-          <p:cNvPr id="2" name="ZoneTexte 1">
-            <a:extLst>
-              <a:ext uri="{FF2B5EF4-FFF2-40B4-BE49-F238E27FC236}">
-                <a16:creationId xmlns:a16="http://schemas.microsoft.com/office/drawing/2014/main" id="{9B311222-DB62-415C-B4C8-B3478FA6712A}"/>
-              </a:ext>
-            </a:extLst>
-          </p:cNvPr>
-          <p:cNvSpPr txBox="1"/>
-          <p:nvPr/>
+            <a:endParaRPr lang="en-US"/>
+          </a:p>
+        </p:txBody>
+      </p:sp>
+      <p:sp>
+        <p:nvSpPr>
+          <p:cNvPr id="2" name="Titre 1">
+            <a:extLst>
+              <a:ext uri="{FF2B5EF4-FFF2-40B4-BE49-F238E27FC236}">
+                <a16:creationId xmlns:a16="http://schemas.microsoft.com/office/drawing/2014/main" id="{612FA98D-5214-442A-97A7-973984024AE3}"/>
+              </a:ext>
+            </a:extLst>
+          </p:cNvPr>
+          <p:cNvSpPr>
+            <a:spLocks noGrp="1"/>
+          </p:cNvSpPr>
+          <p:nvPr>
+            <p:ph type="title"/>
+          </p:nvPr>
         </p:nvSpPr>
         <p:spPr>
           <a:xfrm>
-            <a:off x="1223158" y="2921330"/>
-            <a:ext cx="7932941" cy="369332"/>
+            <a:off x="6746628" y="1783959"/>
+            <a:ext cx="4645250" cy="2889114"/>
+          </a:xfrm>
+        </p:spPr>
+        <p:txBody>
+          <a:bodyPr vert="horz" lIns="91440" tIns="45720" rIns="91440" bIns="45720" rtlCol="0" anchor="b">
+            <a:normAutofit/>
+          </a:bodyPr>
+          <a:lstStyle/>
+          <a:p>
+            <a:br>
+              <a:rPr lang="en-US" sz="4700" kern="1200" dirty="0">
+                <a:solidFill>
+                  <a:schemeClr val="bg1"/>
+                </a:solidFill>
+                <a:latin typeface="+mj-lt"/>
+                <a:ea typeface="+mj-ea"/>
+                <a:cs typeface="+mj-cs"/>
+              </a:rPr>
+            </a:br>
+            <a:endParaRPr lang="en-US" sz="4700" kern="1200" dirty="0">
+              <a:solidFill>
+                <a:schemeClr val="bg1"/>
+              </a:solidFill>
+              <a:latin typeface="+mj-lt"/>
+              <a:ea typeface="+mj-ea"/>
+              <a:cs typeface="+mj-cs"/>
+            </a:endParaRPr>
+          </a:p>
+        </p:txBody>
+      </p:sp>
+      <p:sp>
+        <p:nvSpPr>
+          <p:cNvPr id="14" name="Freeform: Shape 13">
+            <a:extLst>
+              <a:ext uri="{FF2B5EF4-FFF2-40B4-BE49-F238E27FC236}">
+                <a16:creationId xmlns:a16="http://schemas.microsoft.com/office/drawing/2014/main" id="{1DB7C82F-AB7E-4F0C-B829-FA1B9C415180}"/>
+              </a:ext>
+              <a:ext uri="{C183D7F6-B498-43B3-948B-1728B52AA6E4}">
+                <adec:decorative xmlns:adec="http://schemas.microsoft.com/office/drawing/2017/decorative" val="1"/>
+              </a:ext>
+            </a:extLst>
+          </p:cNvPr>
+          <p:cNvSpPr>
+            <a:spLocks noGrp="1" noRot="1" noChangeAspect="1" noMove="1" noResize="1" noEditPoints="1" noAdjustHandles="1" noChangeArrowheads="1" noChangeShapeType="1" noTextEdit="1"/>
+          </p:cNvSpPr>
+          <p:nvPr>
+            <p:extLst>
+              <p:ext uri="{386F3935-93C4-4BCD-93E2-E3B085C9AB24}">
+                <p16:designElem xmlns:p16="http://schemas.microsoft.com/office/powerpoint/2015/main" val="1"/>
+              </p:ext>
+            </p:extLst>
+          </p:nvPr>
+        </p:nvSpPr>
+        <p:spPr>
+          <a:xfrm flipH="1">
+            <a:off x="0" y="0"/>
+            <a:ext cx="6172782" cy="6858000"/>
+          </a:xfrm>
+          <a:custGeom>
+            <a:avLst/>
+            <a:gdLst>
+              <a:gd name="connsiteX0" fmla="*/ 6172782 w 6172782"/>
+              <a:gd name="connsiteY0" fmla="*/ 0 h 6858000"/>
+              <a:gd name="connsiteX1" fmla="*/ 69075 w 6172782"/>
+              <a:gd name="connsiteY1" fmla="*/ 0 h 6858000"/>
+              <a:gd name="connsiteX2" fmla="*/ 35131 w 6172782"/>
+              <a:gd name="connsiteY2" fmla="*/ 267128 h 6858000"/>
+              <a:gd name="connsiteX3" fmla="*/ 0 w 6172782"/>
+              <a:gd name="connsiteY3" fmla="*/ 962845 h 6858000"/>
+              <a:gd name="connsiteX4" fmla="*/ 3276103 w 6172782"/>
+              <a:gd name="connsiteY4" fmla="*/ 6782205 h 6858000"/>
+              <a:gd name="connsiteX5" fmla="*/ 3407923 w 6172782"/>
+              <a:gd name="connsiteY5" fmla="*/ 6858000 h 6858000"/>
+              <a:gd name="connsiteX6" fmla="*/ 6172782 w 6172782"/>
+              <a:gd name="connsiteY6" fmla="*/ 6858000 h 6858000"/>
+            </a:gdLst>
+            <a:ahLst/>
+            <a:cxnLst>
+              <a:cxn ang="0">
+                <a:pos x="connsiteX0" y="connsiteY0"/>
+              </a:cxn>
+              <a:cxn ang="0">
+                <a:pos x="connsiteX1" y="connsiteY1"/>
+              </a:cxn>
+              <a:cxn ang="0">
+                <a:pos x="connsiteX2" y="connsiteY2"/>
+              </a:cxn>
+              <a:cxn ang="0">
+                <a:pos x="connsiteX3" y="connsiteY3"/>
+              </a:cxn>
+              <a:cxn ang="0">
+                <a:pos x="connsiteX4" y="connsiteY4"/>
+              </a:cxn>
+              <a:cxn ang="0">
+                <a:pos x="connsiteX5" y="connsiteY5"/>
+              </a:cxn>
+              <a:cxn ang="0">
+                <a:pos x="connsiteX6" y="connsiteY6"/>
+              </a:cxn>
+            </a:cxnLst>
+            <a:rect l="l" t="t" r="r" b="b"/>
+            <a:pathLst>
+              <a:path w="6172782" h="6858000">
+                <a:moveTo>
+                  <a:pt x="6172782" y="0"/>
+                </a:moveTo>
+                <a:lnTo>
+                  <a:pt x="69075" y="0"/>
+                </a:lnTo>
+                <a:lnTo>
+                  <a:pt x="35131" y="267128"/>
+                </a:lnTo>
+                <a:cubicBezTo>
+                  <a:pt x="11901" y="495874"/>
+                  <a:pt x="0" y="727970"/>
+                  <a:pt x="0" y="962845"/>
+                </a:cubicBezTo>
+                <a:cubicBezTo>
+                  <a:pt x="0" y="3429034"/>
+                  <a:pt x="1312002" y="5588789"/>
+                  <a:pt x="3276103" y="6782205"/>
+                </a:cubicBezTo>
+                <a:lnTo>
+                  <a:pt x="3407923" y="6858000"/>
+                </a:lnTo>
+                <a:lnTo>
+                  <a:pt x="6172782" y="6858000"/>
+                </a:lnTo>
+                <a:close/>
+              </a:path>
+            </a:pathLst>
+          </a:custGeom>
+          <a:solidFill>
+            <a:schemeClr val="bg1">
+              <a:alpha val="80000"/>
+            </a:schemeClr>
+          </a:solidFill>
+          <a:ln>
+            <a:noFill/>
+          </a:ln>
+        </p:spPr>
+        <p:style>
+          <a:lnRef idx="2">
+            <a:schemeClr val="accent1">
+              <a:shade val="50000"/>
+            </a:schemeClr>
+          </a:lnRef>
+          <a:fillRef idx="1">
+            <a:schemeClr val="accent1"/>
+          </a:fillRef>
+          <a:effectRef idx="0">
+            <a:schemeClr val="accent1"/>
+          </a:effectRef>
+          <a:fontRef idx="minor">
+            <a:schemeClr val="lt1"/>
+          </a:fontRef>
+        </p:style>
+        <p:txBody>
+          <a:bodyPr wrap="square" rtlCol="0" anchor="ctr">
+            <a:noAutofit/>
+          </a:bodyPr>
+          <a:lstStyle/>
+          <a:p>
+            <a:pPr marL="0" marR="0" lvl="0" indent="0" algn="ctr" defTabSz="914400" rtl="0" eaLnBrk="1" fontAlgn="auto" latinLnBrk="0" hangingPunct="1">
+              <a:lnSpc>
+                <a:spcPct val="100000"/>
+              </a:lnSpc>
+              <a:spcBef>
+                <a:spcPts val="0"/>
+              </a:spcBef>
+              <a:spcAft>
+                <a:spcPts val="0"/>
+              </a:spcAft>
+              <a:buClrTx/>
+              <a:buSzTx/>
+              <a:buFontTx/>
+              <a:buNone/>
+              <a:tabLst/>
+              <a:defRPr/>
+            </a:pPr>
+            <a:endParaRPr kumimoji="0" lang="en-US" sz="1800" b="0" i="0" u="none" strike="noStrike" kern="1200" cap="none" spc="0" normalizeH="0" baseline="0" noProof="0">
+              <a:ln>
+                <a:noFill/>
+              </a:ln>
+              <a:solidFill>
+                <a:prstClr val="white"/>
+              </a:solidFill>
+              <a:effectLst/>
+              <a:uLnTx/>
+              <a:uFillTx/>
+              <a:latin typeface="Calibri" panose="020F0502020204030204"/>
+              <a:ea typeface="+mn-ea"/>
+              <a:cs typeface="+mn-cs"/>
+            </a:endParaRPr>
+          </a:p>
+        </p:txBody>
+      </p:sp>
+      <p:sp>
+        <p:nvSpPr>
+          <p:cNvPr id="16" name="Freeform: Shape 15">
+            <a:extLst>
+              <a:ext uri="{FF2B5EF4-FFF2-40B4-BE49-F238E27FC236}">
+                <a16:creationId xmlns:a16="http://schemas.microsoft.com/office/drawing/2014/main" id="{70B66945-4967-4040-926D-DCA44313CDAB}"/>
+              </a:ext>
+              <a:ext uri="{C183D7F6-B498-43B3-948B-1728B52AA6E4}">
+                <adec:decorative xmlns:adec="http://schemas.microsoft.com/office/drawing/2017/decorative" val="1"/>
+              </a:ext>
+            </a:extLst>
+          </p:cNvPr>
+          <p:cNvSpPr>
+            <a:spLocks noGrp="1" noRot="1" noChangeAspect="1" noMove="1" noResize="1" noEditPoints="1" noAdjustHandles="1" noChangeArrowheads="1" noChangeShapeType="1" noTextEdit="1"/>
+          </p:cNvSpPr>
+          <p:nvPr>
+            <p:extLst>
+              <p:ext uri="{386F3935-93C4-4BCD-93E2-E3B085C9AB24}">
+                <p16:designElem xmlns:p16="http://schemas.microsoft.com/office/powerpoint/2015/main" val="1"/>
+              </p:ext>
+            </p:extLst>
+          </p:nvPr>
+        </p:nvSpPr>
+        <p:spPr>
+          <a:xfrm>
+            <a:off x="0" y="0"/>
+            <a:ext cx="6024154" cy="6858000"/>
+          </a:xfrm>
+          <a:custGeom>
+            <a:avLst/>
+            <a:gdLst>
+              <a:gd name="connsiteX0" fmla="*/ 0 w 6024154"/>
+              <a:gd name="connsiteY0" fmla="*/ 0 h 6858000"/>
+              <a:gd name="connsiteX1" fmla="*/ 5953780 w 6024154"/>
+              <a:gd name="connsiteY1" fmla="*/ 0 h 6858000"/>
+              <a:gd name="connsiteX2" fmla="*/ 5989880 w 6024154"/>
+              <a:gd name="connsiteY2" fmla="*/ 284091 h 6858000"/>
+              <a:gd name="connsiteX3" fmla="*/ 6024154 w 6024154"/>
+              <a:gd name="connsiteY3" fmla="*/ 962844 h 6858000"/>
+              <a:gd name="connsiteX4" fmla="*/ 2549934 w 6024154"/>
+              <a:gd name="connsiteY4" fmla="*/ 6800152 h 6858000"/>
+              <a:gd name="connsiteX5" fmla="*/ 2436987 w 6024154"/>
+              <a:gd name="connsiteY5" fmla="*/ 6858000 h 6858000"/>
+              <a:gd name="connsiteX6" fmla="*/ 0 w 6024154"/>
+              <a:gd name="connsiteY6" fmla="*/ 6858000 h 6858000"/>
+            </a:gdLst>
+            <a:ahLst/>
+            <a:cxnLst>
+              <a:cxn ang="0">
+                <a:pos x="connsiteX0" y="connsiteY0"/>
+              </a:cxn>
+              <a:cxn ang="0">
+                <a:pos x="connsiteX1" y="connsiteY1"/>
+              </a:cxn>
+              <a:cxn ang="0">
+                <a:pos x="connsiteX2" y="connsiteY2"/>
+              </a:cxn>
+              <a:cxn ang="0">
+                <a:pos x="connsiteX3" y="connsiteY3"/>
+              </a:cxn>
+              <a:cxn ang="0">
+                <a:pos x="connsiteX4" y="connsiteY4"/>
+              </a:cxn>
+              <a:cxn ang="0">
+                <a:pos x="connsiteX5" y="connsiteY5"/>
+              </a:cxn>
+              <a:cxn ang="0">
+                <a:pos x="connsiteX6" y="connsiteY6"/>
+              </a:cxn>
+            </a:cxnLst>
+            <a:rect l="l" t="t" r="r" b="b"/>
+            <a:pathLst>
+              <a:path w="6024154" h="6858000">
+                <a:moveTo>
+                  <a:pt x="0" y="0"/>
+                </a:moveTo>
+                <a:lnTo>
+                  <a:pt x="5953780" y="0"/>
+                </a:lnTo>
+                <a:lnTo>
+                  <a:pt x="5989880" y="284091"/>
+                </a:lnTo>
+                <a:cubicBezTo>
+                  <a:pt x="6012544" y="507260"/>
+                  <a:pt x="6024154" y="733696"/>
+                  <a:pt x="6024154" y="962844"/>
+                </a:cubicBezTo>
+                <a:cubicBezTo>
+                  <a:pt x="6024154" y="3483472"/>
+                  <a:pt x="4619336" y="5675986"/>
+                  <a:pt x="2549934" y="6800152"/>
+                </a:cubicBezTo>
+                <a:lnTo>
+                  <a:pt x="2436987" y="6858000"/>
+                </a:lnTo>
+                <a:lnTo>
+                  <a:pt x="0" y="6858000"/>
+                </a:lnTo>
+                <a:close/>
+              </a:path>
+            </a:pathLst>
+          </a:custGeom>
+          <a:solidFill>
+            <a:schemeClr val="bg1"/>
+          </a:solidFill>
+          <a:ln>
+            <a:noFill/>
+          </a:ln>
+        </p:spPr>
+        <p:style>
+          <a:lnRef idx="2">
+            <a:schemeClr val="accent1">
+              <a:shade val="50000"/>
+            </a:schemeClr>
+          </a:lnRef>
+          <a:fillRef idx="1">
+            <a:schemeClr val="accent1"/>
+          </a:fillRef>
+          <a:effectRef idx="0">
+            <a:schemeClr val="accent1"/>
+          </a:effectRef>
+          <a:fontRef idx="minor">
+            <a:schemeClr val="lt1"/>
+          </a:fontRef>
+        </p:style>
+        <p:txBody>
+          <a:bodyPr wrap="square" rtlCol="0" anchor="ctr">
+            <a:noAutofit/>
+          </a:bodyPr>
+          <a:lstStyle/>
+          <a:p>
+            <a:pPr marL="0" marR="0" lvl="0" indent="0" algn="ctr" defTabSz="914400" rtl="0" eaLnBrk="1" fontAlgn="auto" latinLnBrk="0" hangingPunct="1">
+              <a:lnSpc>
+                <a:spcPct val="100000"/>
+              </a:lnSpc>
+              <a:spcBef>
+                <a:spcPts val="0"/>
+              </a:spcBef>
+              <a:spcAft>
+                <a:spcPts val="0"/>
+              </a:spcAft>
+              <a:buClrTx/>
+              <a:buSzTx/>
+              <a:buFontTx/>
+              <a:buNone/>
+              <a:tabLst/>
+              <a:defRPr/>
+            </a:pPr>
+            <a:endParaRPr kumimoji="0" lang="en-US" sz="1800" b="0" i="0" u="none" strike="noStrike" kern="1200" cap="none" spc="0" normalizeH="0" baseline="0" noProof="0">
+              <a:ln>
+                <a:noFill/>
+              </a:ln>
+              <a:solidFill>
+                <a:prstClr val="white"/>
+              </a:solidFill>
+              <a:effectLst/>
+              <a:uLnTx/>
+              <a:uFillTx/>
+              <a:latin typeface="Calibri" panose="020F0502020204030204"/>
+              <a:ea typeface="+mn-ea"/>
+              <a:cs typeface="+mn-cs"/>
+            </a:endParaRPr>
+          </a:p>
+        </p:txBody>
+      </p:sp>
+      <p:pic>
+        <p:nvPicPr>
+          <p:cNvPr id="7" name="Image 6">
+            <a:extLst>
+              <a:ext uri="{FF2B5EF4-FFF2-40B4-BE49-F238E27FC236}">
+                <a16:creationId xmlns:a16="http://schemas.microsoft.com/office/drawing/2014/main" id="{7386D8FA-327E-4AA5-B835-9539344E30E5}"/>
+              </a:ext>
+            </a:extLst>
+          </p:cNvPr>
+          <p:cNvPicPr>
+            <a:picLocks noChangeAspect="1"/>
+          </p:cNvPicPr>
+          <p:nvPr/>
+        </p:nvPicPr>
+        <p:blipFill>
+          <a:blip r:embed="rId3">
+            <a:extLst>
+              <a:ext uri="{28A0092B-C50C-407E-A947-70E740481C1C}">
+                <a14:useLocalDpi xmlns:a14="http://schemas.microsoft.com/office/drawing/2010/main" val="0"/>
+              </a:ext>
+            </a:extLst>
+          </a:blip>
+          <a:stretch>
+            <a:fillRect/>
+          </a:stretch>
+        </p:blipFill>
+        <p:spPr>
+          <a:xfrm>
+            <a:off x="419382" y="720993"/>
+            <a:ext cx="4047843" cy="4047843"/>
           </a:xfrm>
           <a:prstGeom prst="rect">
             <a:avLst/>
           </a:prstGeom>
-          <a:noFill/>
         </p:spPr>
-        <p:txBody>
-          <a:bodyPr wrap="none" rtlCol="0">
-            <a:spAutoFit/>
+      </p:pic>
+      <p:sp>
+        <p:nvSpPr>
+          <p:cNvPr id="8" name="Titre 1">
+            <a:extLst>
+              <a:ext uri="{FF2B5EF4-FFF2-40B4-BE49-F238E27FC236}">
+                <a16:creationId xmlns:a16="http://schemas.microsoft.com/office/drawing/2014/main" id="{03C5D5EB-C4CA-43D1-A21C-9CB1CC1038D0}"/>
+              </a:ext>
+            </a:extLst>
+          </p:cNvPr>
+          <p:cNvSpPr txBox="1">
+            <a:spLocks/>
+          </p:cNvSpPr>
+          <p:nvPr/>
+        </p:nvSpPr>
+        <p:spPr>
+          <a:xfrm>
+            <a:off x="6899028" y="1936359"/>
+            <a:ext cx="4645250" cy="2889114"/>
+          </a:xfrm>
+          <a:prstGeom prst="rect">
+            <a:avLst/>
+          </a:prstGeom>
+        </p:spPr>
+        <p:txBody>
+          <a:bodyPr vert="horz" lIns="91440" tIns="45720" rIns="91440" bIns="45720" rtlCol="0" anchor="b">
+            <a:normAutofit/>
           </a:bodyPr>
-          <a:lstStyle/>
-          <a:p>
-            <a:r>
-              <a:rPr lang="fr-FR" dirty="0"/>
-              <a:t>1 entrainement possible en adaptant le paramètre epsilon = 0.5 et </a:t>
-            </a:r>
-            <a:r>
-              <a:rPr lang="fr-FR" dirty="0" err="1"/>
-              <a:t>min_sample</a:t>
-            </a:r>
-            <a:r>
-              <a:rPr lang="fr-FR" dirty="0"/>
-              <a:t> = 5</a:t>
-            </a:r>
+          <a:lstStyle>
+            <a:lvl1pPr algn="l" defTabSz="914400" rtl="0" eaLnBrk="1" latinLnBrk="0" hangingPunct="1">
+              <a:lnSpc>
+                <a:spcPct val="90000"/>
+              </a:lnSpc>
+              <a:spcBef>
+                <a:spcPct val="0"/>
+              </a:spcBef>
+              <a:buNone/>
+              <a:defRPr sz="4400" kern="1200">
+                <a:solidFill>
+                  <a:schemeClr val="tx1"/>
+                </a:solidFill>
+                <a:latin typeface="+mj-lt"/>
+                <a:ea typeface="+mj-ea"/>
+                <a:cs typeface="+mj-cs"/>
+              </a:defRPr>
+            </a:lvl1pPr>
+          </a:lstStyle>
+          <a:p>
+            <a:r>
+              <a:rPr lang="fr-FR" sz="6000" dirty="0">
+                <a:solidFill>
+                  <a:schemeClr val="bg1"/>
+                </a:solidFill>
+              </a:rPr>
+              <a:t>Modèle final</a:t>
+            </a:r>
+            <a:endParaRPr lang="en-US" sz="6000" dirty="0">
+              <a:solidFill>
+                <a:schemeClr val="bg1"/>
+              </a:solidFill>
+            </a:endParaRPr>
           </a:p>
         </p:txBody>
       </p:sp>
     </p:spTree>
     <p:extLst>
       <p:ext uri="{BB962C8B-B14F-4D97-AF65-F5344CB8AC3E}">
-        <p14:creationId xmlns:p14="http://schemas.microsoft.com/office/powerpoint/2010/main" val="4201240061"/>
+        <p14:creationId xmlns:p14="http://schemas.microsoft.com/office/powerpoint/2010/main" val="1691587622"/>
       </p:ext>
     </p:extLst>
   </p:cSld>
@@ -9818,7 +9801,7 @@
     </p:spTree>
     <p:extLst>
       <p:ext uri="{BB962C8B-B14F-4D97-AF65-F5344CB8AC3E}">
-        <p14:creationId xmlns:p14="http://schemas.microsoft.com/office/powerpoint/2010/main" val="2887953250"/>
+        <p14:creationId xmlns:p14="http://schemas.microsoft.com/office/powerpoint/2010/main" val="3746927315"/>
       </p:ext>
     </p:extLst>
   </p:cSld>
@@ -10747,10 +10730,10 @@
       </p:sp>
       <p:pic>
         <p:nvPicPr>
-          <p:cNvPr id="5" name="Image 4">
-            <a:extLst>
-              <a:ext uri="{FF2B5EF4-FFF2-40B4-BE49-F238E27FC236}">
-                <a16:creationId xmlns:a16="http://schemas.microsoft.com/office/drawing/2014/main" id="{4F756976-EC93-4373-B154-7B6DCD7E9D93}"/>
+          <p:cNvPr id="2" name="Image 1">
+            <a:extLst>
+              <a:ext uri="{FF2B5EF4-FFF2-40B4-BE49-F238E27FC236}">
+                <a16:creationId xmlns:a16="http://schemas.microsoft.com/office/drawing/2014/main" id="{87B62302-D510-4022-8626-4DB4246D8B2C}"/>
               </a:ext>
             </a:extLst>
           </p:cNvPr>
@@ -10767,8 +10750,8 @@
         </p:blipFill>
         <p:spPr>
           <a:xfrm>
-            <a:off x="2901950" y="1649618"/>
-            <a:ext cx="6388100" cy="4063541"/>
+            <a:off x="2223964" y="1206615"/>
+            <a:ext cx="7744072" cy="5312794"/>
           </a:xfrm>
           <a:prstGeom prst="rect">
             <a:avLst/>
@@ -10791,14 +10774,6 @@
 <file path=ppt/slides/slide21.xml><?xml version="1.0" encoding="utf-8"?>
 <p:sld xmlns:a="http://schemas.openxmlformats.org/drawingml/2006/main" xmlns:r="http://schemas.openxmlformats.org/officeDocument/2006/relationships" xmlns:p="http://schemas.openxmlformats.org/presentationml/2006/main">
   <p:cSld>
-    <p:bg>
-      <p:bgPr>
-        <a:solidFill>
-          <a:schemeClr val="bg1"/>
-        </a:solidFill>
-        <a:effectLst/>
-      </p:bgPr>
-    </p:bg>
     <p:spTree>
       <p:nvGrpSpPr>
         <p:cNvPr id="1" name=""/>
@@ -10813,459 +10788,12 @@
           <a:chExt cx="0" cy="0"/>
         </a:xfrm>
       </p:grpSpPr>
-      <p:sp>
-        <p:nvSpPr>
-          <p:cNvPr id="12" name="Rectangle 11">
-            <a:extLst>
-              <a:ext uri="{FF2B5EF4-FFF2-40B4-BE49-F238E27FC236}">
-                <a16:creationId xmlns:a16="http://schemas.microsoft.com/office/drawing/2014/main" id="{C0B27210-D0CA-4654-B3E3-9ABB4F178EA1}"/>
-              </a:ext>
-              <a:ext uri="{C183D7F6-B498-43B3-948B-1728B52AA6E4}">
-                <adec:decorative xmlns:adec="http://schemas.microsoft.com/office/drawing/2017/decorative" val="1"/>
-              </a:ext>
-            </a:extLst>
-          </p:cNvPr>
-          <p:cNvSpPr>
-            <a:spLocks noGrp="1" noRot="1" noChangeAspect="1" noMove="1" noResize="1" noEditPoints="1" noAdjustHandles="1" noChangeArrowheads="1" noChangeShapeType="1" noTextEdit="1"/>
-          </p:cNvSpPr>
-          <p:nvPr>
-            <p:extLst>
-              <p:ext uri="{386F3935-93C4-4BCD-93E2-E3B085C9AB24}">
-                <p16:designElem xmlns:p16="http://schemas.microsoft.com/office/powerpoint/2015/main" val="1"/>
-              </p:ext>
-            </p:extLst>
-          </p:nvPr>
-        </p:nvSpPr>
-        <p:spPr>
-          <a:xfrm>
-            <a:off x="0" y="0"/>
-            <a:ext cx="12192000" cy="6858000"/>
-          </a:xfrm>
-          <a:prstGeom prst="rect">
-            <a:avLst/>
-          </a:prstGeom>
-          <a:solidFill>
-            <a:schemeClr val="tx1">
-              <a:lumMod val="75000"/>
-              <a:lumOff val="25000"/>
-            </a:schemeClr>
-          </a:solidFill>
-          <a:ln>
-            <a:noFill/>
-          </a:ln>
-        </p:spPr>
-        <p:style>
-          <a:lnRef idx="2">
-            <a:schemeClr val="accent1">
-              <a:shade val="50000"/>
-            </a:schemeClr>
-          </a:lnRef>
-          <a:fillRef idx="1">
-            <a:schemeClr val="accent1"/>
-          </a:fillRef>
-          <a:effectRef idx="0">
-            <a:schemeClr val="accent1"/>
-          </a:effectRef>
-          <a:fontRef idx="minor">
-            <a:schemeClr val="lt1"/>
-          </a:fontRef>
-        </p:style>
-        <p:txBody>
-          <a:bodyPr rtlCol="0" anchor="ctr"/>
-          <a:lstStyle/>
-          <a:p>
-            <a:pPr algn="ctr"/>
-            <a:endParaRPr lang="en-US"/>
-          </a:p>
-        </p:txBody>
-      </p:sp>
-      <p:sp>
-        <p:nvSpPr>
-          <p:cNvPr id="2" name="Titre 1">
-            <a:extLst>
-              <a:ext uri="{FF2B5EF4-FFF2-40B4-BE49-F238E27FC236}">
-                <a16:creationId xmlns:a16="http://schemas.microsoft.com/office/drawing/2014/main" id="{612FA98D-5214-442A-97A7-973984024AE3}"/>
-              </a:ext>
-            </a:extLst>
-          </p:cNvPr>
-          <p:cNvSpPr>
-            <a:spLocks noGrp="1"/>
-          </p:cNvSpPr>
-          <p:nvPr>
-            <p:ph type="title"/>
-          </p:nvPr>
-        </p:nvSpPr>
-        <p:spPr>
-          <a:xfrm>
-            <a:off x="6746628" y="1783959"/>
-            <a:ext cx="4645250" cy="2889114"/>
-          </a:xfrm>
-        </p:spPr>
-        <p:txBody>
-          <a:bodyPr vert="horz" lIns="91440" tIns="45720" rIns="91440" bIns="45720" rtlCol="0" anchor="b">
-            <a:normAutofit/>
-          </a:bodyPr>
-          <a:lstStyle/>
-          <a:p>
-            <a:br>
-              <a:rPr lang="en-US" sz="4700" kern="1200" dirty="0">
-                <a:solidFill>
-                  <a:schemeClr val="bg1"/>
-                </a:solidFill>
-                <a:latin typeface="+mj-lt"/>
-                <a:ea typeface="+mj-ea"/>
-                <a:cs typeface="+mj-cs"/>
-              </a:rPr>
-            </a:br>
-            <a:endParaRPr lang="en-US" sz="4700" kern="1200" dirty="0">
-              <a:solidFill>
-                <a:schemeClr val="bg1"/>
-              </a:solidFill>
-              <a:latin typeface="+mj-lt"/>
-              <a:ea typeface="+mj-ea"/>
-              <a:cs typeface="+mj-cs"/>
-            </a:endParaRPr>
-          </a:p>
-        </p:txBody>
-      </p:sp>
-      <p:sp>
-        <p:nvSpPr>
-          <p:cNvPr id="14" name="Freeform: Shape 13">
-            <a:extLst>
-              <a:ext uri="{FF2B5EF4-FFF2-40B4-BE49-F238E27FC236}">
-                <a16:creationId xmlns:a16="http://schemas.microsoft.com/office/drawing/2014/main" id="{1DB7C82F-AB7E-4F0C-B829-FA1B9C415180}"/>
-              </a:ext>
-              <a:ext uri="{C183D7F6-B498-43B3-948B-1728B52AA6E4}">
-                <adec:decorative xmlns:adec="http://schemas.microsoft.com/office/drawing/2017/decorative" val="1"/>
-              </a:ext>
-            </a:extLst>
-          </p:cNvPr>
-          <p:cNvSpPr>
-            <a:spLocks noGrp="1" noRot="1" noChangeAspect="1" noMove="1" noResize="1" noEditPoints="1" noAdjustHandles="1" noChangeArrowheads="1" noChangeShapeType="1" noTextEdit="1"/>
-          </p:cNvSpPr>
-          <p:nvPr>
-            <p:extLst>
-              <p:ext uri="{386F3935-93C4-4BCD-93E2-E3B085C9AB24}">
-                <p16:designElem xmlns:p16="http://schemas.microsoft.com/office/powerpoint/2015/main" val="1"/>
-              </p:ext>
-            </p:extLst>
-          </p:nvPr>
-        </p:nvSpPr>
-        <p:spPr>
-          <a:xfrm flipH="1">
-            <a:off x="0" y="0"/>
-            <a:ext cx="6172782" cy="6858000"/>
-          </a:xfrm>
-          <a:custGeom>
-            <a:avLst/>
-            <a:gdLst>
-              <a:gd name="connsiteX0" fmla="*/ 6172782 w 6172782"/>
-              <a:gd name="connsiteY0" fmla="*/ 0 h 6858000"/>
-              <a:gd name="connsiteX1" fmla="*/ 69075 w 6172782"/>
-              <a:gd name="connsiteY1" fmla="*/ 0 h 6858000"/>
-              <a:gd name="connsiteX2" fmla="*/ 35131 w 6172782"/>
-              <a:gd name="connsiteY2" fmla="*/ 267128 h 6858000"/>
-              <a:gd name="connsiteX3" fmla="*/ 0 w 6172782"/>
-              <a:gd name="connsiteY3" fmla="*/ 962845 h 6858000"/>
-              <a:gd name="connsiteX4" fmla="*/ 3276103 w 6172782"/>
-              <a:gd name="connsiteY4" fmla="*/ 6782205 h 6858000"/>
-              <a:gd name="connsiteX5" fmla="*/ 3407923 w 6172782"/>
-              <a:gd name="connsiteY5" fmla="*/ 6858000 h 6858000"/>
-              <a:gd name="connsiteX6" fmla="*/ 6172782 w 6172782"/>
-              <a:gd name="connsiteY6" fmla="*/ 6858000 h 6858000"/>
-            </a:gdLst>
-            <a:ahLst/>
-            <a:cxnLst>
-              <a:cxn ang="0">
-                <a:pos x="connsiteX0" y="connsiteY0"/>
-              </a:cxn>
-              <a:cxn ang="0">
-                <a:pos x="connsiteX1" y="connsiteY1"/>
-              </a:cxn>
-              <a:cxn ang="0">
-                <a:pos x="connsiteX2" y="connsiteY2"/>
-              </a:cxn>
-              <a:cxn ang="0">
-                <a:pos x="connsiteX3" y="connsiteY3"/>
-              </a:cxn>
-              <a:cxn ang="0">
-                <a:pos x="connsiteX4" y="connsiteY4"/>
-              </a:cxn>
-              <a:cxn ang="0">
-                <a:pos x="connsiteX5" y="connsiteY5"/>
-              </a:cxn>
-              <a:cxn ang="0">
-                <a:pos x="connsiteX6" y="connsiteY6"/>
-              </a:cxn>
-            </a:cxnLst>
-            <a:rect l="l" t="t" r="r" b="b"/>
-            <a:pathLst>
-              <a:path w="6172782" h="6858000">
-                <a:moveTo>
-                  <a:pt x="6172782" y="0"/>
-                </a:moveTo>
-                <a:lnTo>
-                  <a:pt x="69075" y="0"/>
-                </a:lnTo>
-                <a:lnTo>
-                  <a:pt x="35131" y="267128"/>
-                </a:lnTo>
-                <a:cubicBezTo>
-                  <a:pt x="11901" y="495874"/>
-                  <a:pt x="0" y="727970"/>
-                  <a:pt x="0" y="962845"/>
-                </a:cubicBezTo>
-                <a:cubicBezTo>
-                  <a:pt x="0" y="3429034"/>
-                  <a:pt x="1312002" y="5588789"/>
-                  <a:pt x="3276103" y="6782205"/>
-                </a:cubicBezTo>
-                <a:lnTo>
-                  <a:pt x="3407923" y="6858000"/>
-                </a:lnTo>
-                <a:lnTo>
-                  <a:pt x="6172782" y="6858000"/>
-                </a:lnTo>
-                <a:close/>
-              </a:path>
-            </a:pathLst>
-          </a:custGeom>
-          <a:solidFill>
-            <a:schemeClr val="bg1">
-              <a:alpha val="80000"/>
-            </a:schemeClr>
-          </a:solidFill>
-          <a:ln>
-            <a:noFill/>
-          </a:ln>
-        </p:spPr>
-        <p:style>
-          <a:lnRef idx="2">
-            <a:schemeClr val="accent1">
-              <a:shade val="50000"/>
-            </a:schemeClr>
-          </a:lnRef>
-          <a:fillRef idx="1">
-            <a:schemeClr val="accent1"/>
-          </a:fillRef>
-          <a:effectRef idx="0">
-            <a:schemeClr val="accent1"/>
-          </a:effectRef>
-          <a:fontRef idx="minor">
-            <a:schemeClr val="lt1"/>
-          </a:fontRef>
-        </p:style>
-        <p:txBody>
-          <a:bodyPr wrap="square" rtlCol="0" anchor="ctr">
-            <a:noAutofit/>
-          </a:bodyPr>
-          <a:lstStyle/>
-          <a:p>
-            <a:pPr marL="0" marR="0" lvl="0" indent="0" algn="ctr" defTabSz="914400" rtl="0" eaLnBrk="1" fontAlgn="auto" latinLnBrk="0" hangingPunct="1">
-              <a:lnSpc>
-                <a:spcPct val="100000"/>
-              </a:lnSpc>
-              <a:spcBef>
-                <a:spcPts val="0"/>
-              </a:spcBef>
-              <a:spcAft>
-                <a:spcPts val="0"/>
-              </a:spcAft>
-              <a:buClrTx/>
-              <a:buSzTx/>
-              <a:buFontTx/>
-              <a:buNone/>
-              <a:tabLst/>
-              <a:defRPr/>
-            </a:pPr>
-            <a:endParaRPr kumimoji="0" lang="en-US" sz="1800" b="0" i="0" u="none" strike="noStrike" kern="1200" cap="none" spc="0" normalizeH="0" baseline="0" noProof="0">
-              <a:ln>
-                <a:noFill/>
-              </a:ln>
-              <a:solidFill>
-                <a:prstClr val="white"/>
-              </a:solidFill>
-              <a:effectLst/>
-              <a:uLnTx/>
-              <a:uFillTx/>
-              <a:latin typeface="Calibri" panose="020F0502020204030204"/>
-              <a:ea typeface="+mn-ea"/>
-              <a:cs typeface="+mn-cs"/>
-            </a:endParaRPr>
-          </a:p>
-        </p:txBody>
-      </p:sp>
-      <p:sp>
-        <p:nvSpPr>
-          <p:cNvPr id="16" name="Freeform: Shape 15">
-            <a:extLst>
-              <a:ext uri="{FF2B5EF4-FFF2-40B4-BE49-F238E27FC236}">
-                <a16:creationId xmlns:a16="http://schemas.microsoft.com/office/drawing/2014/main" id="{70B66945-4967-4040-926D-DCA44313CDAB}"/>
-              </a:ext>
-              <a:ext uri="{C183D7F6-B498-43B3-948B-1728B52AA6E4}">
-                <adec:decorative xmlns:adec="http://schemas.microsoft.com/office/drawing/2017/decorative" val="1"/>
-              </a:ext>
-            </a:extLst>
-          </p:cNvPr>
-          <p:cNvSpPr>
-            <a:spLocks noGrp="1" noRot="1" noChangeAspect="1" noMove="1" noResize="1" noEditPoints="1" noAdjustHandles="1" noChangeArrowheads="1" noChangeShapeType="1" noTextEdit="1"/>
-          </p:cNvSpPr>
-          <p:nvPr>
-            <p:extLst>
-              <p:ext uri="{386F3935-93C4-4BCD-93E2-E3B085C9AB24}">
-                <p16:designElem xmlns:p16="http://schemas.microsoft.com/office/powerpoint/2015/main" val="1"/>
-              </p:ext>
-            </p:extLst>
-          </p:nvPr>
-        </p:nvSpPr>
-        <p:spPr>
-          <a:xfrm>
-            <a:off x="0" y="0"/>
-            <a:ext cx="6024154" cy="6858000"/>
-          </a:xfrm>
-          <a:custGeom>
-            <a:avLst/>
-            <a:gdLst>
-              <a:gd name="connsiteX0" fmla="*/ 0 w 6024154"/>
-              <a:gd name="connsiteY0" fmla="*/ 0 h 6858000"/>
-              <a:gd name="connsiteX1" fmla="*/ 5953780 w 6024154"/>
-              <a:gd name="connsiteY1" fmla="*/ 0 h 6858000"/>
-              <a:gd name="connsiteX2" fmla="*/ 5989880 w 6024154"/>
-              <a:gd name="connsiteY2" fmla="*/ 284091 h 6858000"/>
-              <a:gd name="connsiteX3" fmla="*/ 6024154 w 6024154"/>
-              <a:gd name="connsiteY3" fmla="*/ 962844 h 6858000"/>
-              <a:gd name="connsiteX4" fmla="*/ 2549934 w 6024154"/>
-              <a:gd name="connsiteY4" fmla="*/ 6800152 h 6858000"/>
-              <a:gd name="connsiteX5" fmla="*/ 2436987 w 6024154"/>
-              <a:gd name="connsiteY5" fmla="*/ 6858000 h 6858000"/>
-              <a:gd name="connsiteX6" fmla="*/ 0 w 6024154"/>
-              <a:gd name="connsiteY6" fmla="*/ 6858000 h 6858000"/>
-            </a:gdLst>
-            <a:ahLst/>
-            <a:cxnLst>
-              <a:cxn ang="0">
-                <a:pos x="connsiteX0" y="connsiteY0"/>
-              </a:cxn>
-              <a:cxn ang="0">
-                <a:pos x="connsiteX1" y="connsiteY1"/>
-              </a:cxn>
-              <a:cxn ang="0">
-                <a:pos x="connsiteX2" y="connsiteY2"/>
-              </a:cxn>
-              <a:cxn ang="0">
-                <a:pos x="connsiteX3" y="connsiteY3"/>
-              </a:cxn>
-              <a:cxn ang="0">
-                <a:pos x="connsiteX4" y="connsiteY4"/>
-              </a:cxn>
-              <a:cxn ang="0">
-                <a:pos x="connsiteX5" y="connsiteY5"/>
-              </a:cxn>
-              <a:cxn ang="0">
-                <a:pos x="connsiteX6" y="connsiteY6"/>
-              </a:cxn>
-            </a:cxnLst>
-            <a:rect l="l" t="t" r="r" b="b"/>
-            <a:pathLst>
-              <a:path w="6024154" h="6858000">
-                <a:moveTo>
-                  <a:pt x="0" y="0"/>
-                </a:moveTo>
-                <a:lnTo>
-                  <a:pt x="5953780" y="0"/>
-                </a:lnTo>
-                <a:lnTo>
-                  <a:pt x="5989880" y="284091"/>
-                </a:lnTo>
-                <a:cubicBezTo>
-                  <a:pt x="6012544" y="507260"/>
-                  <a:pt x="6024154" y="733696"/>
-                  <a:pt x="6024154" y="962844"/>
-                </a:cubicBezTo>
-                <a:cubicBezTo>
-                  <a:pt x="6024154" y="3483472"/>
-                  <a:pt x="4619336" y="5675986"/>
-                  <a:pt x="2549934" y="6800152"/>
-                </a:cubicBezTo>
-                <a:lnTo>
-                  <a:pt x="2436987" y="6858000"/>
-                </a:lnTo>
-                <a:lnTo>
-                  <a:pt x="0" y="6858000"/>
-                </a:lnTo>
-                <a:close/>
-              </a:path>
-            </a:pathLst>
-          </a:custGeom>
-          <a:solidFill>
-            <a:schemeClr val="bg1"/>
-          </a:solidFill>
-          <a:ln>
-            <a:noFill/>
-          </a:ln>
-        </p:spPr>
-        <p:style>
-          <a:lnRef idx="2">
-            <a:schemeClr val="accent1">
-              <a:shade val="50000"/>
-            </a:schemeClr>
-          </a:lnRef>
-          <a:fillRef idx="1">
-            <a:schemeClr val="accent1"/>
-          </a:fillRef>
-          <a:effectRef idx="0">
-            <a:schemeClr val="accent1"/>
-          </a:effectRef>
-          <a:fontRef idx="minor">
-            <a:schemeClr val="lt1"/>
-          </a:fontRef>
-        </p:style>
-        <p:txBody>
-          <a:bodyPr wrap="square" rtlCol="0" anchor="ctr">
-            <a:noAutofit/>
-          </a:bodyPr>
-          <a:lstStyle/>
-          <a:p>
-            <a:pPr marL="0" marR="0" lvl="0" indent="0" algn="ctr" defTabSz="914400" rtl="0" eaLnBrk="1" fontAlgn="auto" latinLnBrk="0" hangingPunct="1">
-              <a:lnSpc>
-                <a:spcPct val="100000"/>
-              </a:lnSpc>
-              <a:spcBef>
-                <a:spcPts val="0"/>
-              </a:spcBef>
-              <a:spcAft>
-                <a:spcPts val="0"/>
-              </a:spcAft>
-              <a:buClrTx/>
-              <a:buSzTx/>
-              <a:buFontTx/>
-              <a:buNone/>
-              <a:tabLst/>
-              <a:defRPr/>
-            </a:pPr>
-            <a:endParaRPr kumimoji="0" lang="en-US" sz="1800" b="0" i="0" u="none" strike="noStrike" kern="1200" cap="none" spc="0" normalizeH="0" baseline="0" noProof="0">
-              <a:ln>
-                <a:noFill/>
-              </a:ln>
-              <a:solidFill>
-                <a:prstClr val="white"/>
-              </a:solidFill>
-              <a:effectLst/>
-              <a:uLnTx/>
-              <a:uFillTx/>
-              <a:latin typeface="Calibri" panose="020F0502020204030204"/>
-              <a:ea typeface="+mn-ea"/>
-              <a:cs typeface="+mn-cs"/>
-            </a:endParaRPr>
-          </a:p>
-        </p:txBody>
-      </p:sp>
       <p:pic>
         <p:nvPicPr>
-          <p:cNvPr id="7" name="Image 6">
-            <a:extLst>
-              <a:ext uri="{FF2B5EF4-FFF2-40B4-BE49-F238E27FC236}">
-                <a16:creationId xmlns:a16="http://schemas.microsoft.com/office/drawing/2014/main" id="{7386D8FA-327E-4AA5-B835-9539344E30E5}"/>
+          <p:cNvPr id="3" name="Image 2">
+            <a:extLst>
+              <a:ext uri="{FF2B5EF4-FFF2-40B4-BE49-F238E27FC236}">
+                <a16:creationId xmlns:a16="http://schemas.microsoft.com/office/drawing/2014/main" id="{0FF4B3BB-055B-47BF-B548-DF65C111BFFB}"/>
               </a:ext>
             </a:extLst>
           </p:cNvPr>
@@ -11288,8 +10816,8 @@
         </p:blipFill>
         <p:spPr>
           <a:xfrm>
-            <a:off x="419382" y="720993"/>
-            <a:ext cx="4047843" cy="4047843"/>
+            <a:off x="10769600" y="5435600"/>
+            <a:ext cx="1422400" cy="1422400"/>
           </a:xfrm>
           <a:prstGeom prst="rect">
             <a:avLst/>
@@ -11298,10 +10826,10 @@
       </p:pic>
       <p:sp>
         <p:nvSpPr>
-          <p:cNvPr id="8" name="Titre 1">
-            <a:extLst>
-              <a:ext uri="{FF2B5EF4-FFF2-40B4-BE49-F238E27FC236}">
-                <a16:creationId xmlns:a16="http://schemas.microsoft.com/office/drawing/2014/main" id="{03C5D5EB-C4CA-43D1-A21C-9CB1CC1038D0}"/>
+          <p:cNvPr id="4" name="Titre 1">
+            <a:extLst>
+              <a:ext uri="{FF2B5EF4-FFF2-40B4-BE49-F238E27FC236}">
+                <a16:creationId xmlns:a16="http://schemas.microsoft.com/office/drawing/2014/main" id="{7E45B68A-E861-4241-A7D4-2A2E8180C602}"/>
               </a:ext>
             </a:extLst>
           </p:cNvPr>
@@ -11312,15 +10840,15 @@
         </p:nvSpPr>
         <p:spPr>
           <a:xfrm>
-            <a:off x="6899028" y="1936359"/>
-            <a:ext cx="4645250" cy="2889114"/>
+            <a:off x="1524000" y="338591"/>
+            <a:ext cx="9144000" cy="1145824"/>
           </a:xfrm>
           <a:prstGeom prst="rect">
             <a:avLst/>
           </a:prstGeom>
         </p:spPr>
         <p:txBody>
-          <a:bodyPr vert="horz" lIns="91440" tIns="45720" rIns="91440" bIns="45720" rtlCol="0" anchor="b">
+          <a:bodyPr vert="horz" lIns="91440" tIns="45720" rIns="91440" bIns="45720" rtlCol="0" anchor="ctr">
             <a:normAutofit/>
           </a:bodyPr>
           <a:lstStyle>
@@ -11343,26 +10871,48 @@
             </a:lvl1pPr>
           </a:lstStyle>
           <a:p>
-            <a:r>
-              <a:rPr lang="fr-FR" sz="6000" dirty="0">
-                <a:solidFill>
-                  <a:schemeClr val="bg1"/>
-                </a:solidFill>
-              </a:rPr>
-              <a:t>Modèle final</a:t>
-            </a:r>
-            <a:endParaRPr lang="en-US" sz="6000" dirty="0">
-              <a:solidFill>
-                <a:schemeClr val="bg1"/>
-              </a:solidFill>
-            </a:endParaRPr>
-          </a:p>
-        </p:txBody>
-      </p:sp>
+            <a:pPr algn="ctr"/>
+            <a:r>
+              <a:rPr lang="fr-FR" b="1" dirty="0"/>
+              <a:t>Nombres de clients par Clusters</a:t>
+            </a:r>
+          </a:p>
+        </p:txBody>
+      </p:sp>
+      <p:pic>
+        <p:nvPicPr>
+          <p:cNvPr id="2" name="Image 1">
+            <a:extLst>
+              <a:ext uri="{FF2B5EF4-FFF2-40B4-BE49-F238E27FC236}">
+                <a16:creationId xmlns:a16="http://schemas.microsoft.com/office/drawing/2014/main" id="{B3B9AED3-D35D-4AC3-AA09-7195D998DA18}"/>
+              </a:ext>
+            </a:extLst>
+          </p:cNvPr>
+          <p:cNvPicPr>
+            <a:picLocks noChangeAspect="1"/>
+          </p:cNvPicPr>
+          <p:nvPr/>
+        </p:nvPicPr>
+        <p:blipFill>
+          <a:blip r:embed="rId4"/>
+          <a:stretch>
+            <a:fillRect/>
+          </a:stretch>
+        </p:blipFill>
+        <p:spPr>
+          <a:xfrm>
+            <a:off x="1215955" y="2134063"/>
+            <a:ext cx="9760089" cy="2589873"/>
+          </a:xfrm>
+          <a:prstGeom prst="rect">
+            <a:avLst/>
+          </a:prstGeom>
+        </p:spPr>
+      </p:pic>
     </p:spTree>
     <p:extLst>
       <p:ext uri="{BB962C8B-B14F-4D97-AF65-F5344CB8AC3E}">
-        <p14:creationId xmlns:p14="http://schemas.microsoft.com/office/powerpoint/2010/main" val="1691587622"/>
+        <p14:creationId xmlns:p14="http://schemas.microsoft.com/office/powerpoint/2010/main" val="2579825891"/>
       </p:ext>
     </p:extLst>
   </p:cSld>
@@ -11430,7 +10980,7 @@
           <p:cNvPr id="4" name="Titre 1">
             <a:extLst>
               <a:ext uri="{FF2B5EF4-FFF2-40B4-BE49-F238E27FC236}">
-                <a16:creationId xmlns:a16="http://schemas.microsoft.com/office/drawing/2014/main" id="{ABC2E951-71F8-4369-81CB-14DE713A0396}"/>
+                <a16:creationId xmlns:a16="http://schemas.microsoft.com/office/drawing/2014/main" id="{7E45B68A-E861-4241-A7D4-2A2E8180C602}"/>
               </a:ext>
             </a:extLst>
           </p:cNvPr>
@@ -11474,18 +11024,19 @@
           <a:p>
             <a:pPr algn="ctr"/>
             <a:r>
-              <a:rPr lang="fr-FR" b="1" dirty="0"/>
-              <a:t>K-MEANS</a:t>
-            </a:r>
+              <a:rPr lang="fr-FR" b="1" dirty="0" err="1"/>
+              <a:t>Boxplots</a:t>
+            </a:r>
+            <a:endParaRPr lang="fr-FR" b="1" dirty="0"/>
           </a:p>
         </p:txBody>
       </p:sp>
       <p:pic>
         <p:nvPicPr>
-          <p:cNvPr id="2" name="Image 1">
-            <a:extLst>
-              <a:ext uri="{FF2B5EF4-FFF2-40B4-BE49-F238E27FC236}">
-                <a16:creationId xmlns:a16="http://schemas.microsoft.com/office/drawing/2014/main" id="{2ADCB76F-083D-422F-9CBF-C5DBC477AD36}"/>
+          <p:cNvPr id="5" name="Image 4">
+            <a:extLst>
+              <a:ext uri="{FF2B5EF4-FFF2-40B4-BE49-F238E27FC236}">
+                <a16:creationId xmlns:a16="http://schemas.microsoft.com/office/drawing/2014/main" id="{839CFD68-863F-47D0-A573-FE93F02319F5}"/>
               </a:ext>
             </a:extLst>
           </p:cNvPr>
@@ -11502,8 +11053,8 @@
         </p:blipFill>
         <p:spPr>
           <a:xfrm>
-            <a:off x="1596916" y="1484415"/>
-            <a:ext cx="8998165" cy="2306534"/>
+            <a:off x="1111013" y="1484415"/>
+            <a:ext cx="4984987" cy="4707638"/>
           </a:xfrm>
           <a:prstGeom prst="rect">
             <a:avLst/>
@@ -11512,10 +11063,10 @@
       </p:pic>
       <p:pic>
         <p:nvPicPr>
-          <p:cNvPr id="5" name="Image 4">
-            <a:extLst>
-              <a:ext uri="{FF2B5EF4-FFF2-40B4-BE49-F238E27FC236}">
-                <a16:creationId xmlns:a16="http://schemas.microsoft.com/office/drawing/2014/main" id="{B9F91C6D-8CFD-4741-B851-1199C61AA31C}"/>
+          <p:cNvPr id="6" name="Image 5">
+            <a:extLst>
+              <a:ext uri="{FF2B5EF4-FFF2-40B4-BE49-F238E27FC236}">
+                <a16:creationId xmlns:a16="http://schemas.microsoft.com/office/drawing/2014/main" id="{6B6A4311-0F74-4EA1-8D15-D4807DC13E2C}"/>
               </a:ext>
             </a:extLst>
           </p:cNvPr>
@@ -11532,38 +11083,8 @@
         </p:blipFill>
         <p:spPr>
           <a:xfrm>
-            <a:off x="698231" y="4420539"/>
-            <a:ext cx="5001926" cy="1359899"/>
-          </a:xfrm>
-          <a:prstGeom prst="rect">
-            <a:avLst/>
-          </a:prstGeom>
-        </p:spPr>
-      </p:pic>
-      <p:pic>
-        <p:nvPicPr>
-          <p:cNvPr id="6" name="Image 5">
-            <a:extLst>
-              <a:ext uri="{FF2B5EF4-FFF2-40B4-BE49-F238E27FC236}">
-                <a16:creationId xmlns:a16="http://schemas.microsoft.com/office/drawing/2014/main" id="{206D0373-A4D0-47D3-B285-010642BDEBFE}"/>
-              </a:ext>
-            </a:extLst>
-          </p:cNvPr>
-          <p:cNvPicPr>
-            <a:picLocks noChangeAspect="1"/>
-          </p:cNvPicPr>
-          <p:nvPr/>
-        </p:nvPicPr>
-        <p:blipFill>
-          <a:blip r:embed="rId6"/>
-          <a:stretch>
-            <a:fillRect/>
-          </a:stretch>
-        </p:blipFill>
-        <p:spPr>
-          <a:xfrm>
-            <a:off x="6095998" y="4611744"/>
-            <a:ext cx="4561611" cy="977488"/>
+            <a:off x="5938931" y="1484415"/>
+            <a:ext cx="4729069" cy="4707638"/>
           </a:xfrm>
           <a:prstGeom prst="rect">
             <a:avLst/>
@@ -11573,7 +11094,7 @@
     </p:spTree>
     <p:extLst>
       <p:ext uri="{BB962C8B-B14F-4D97-AF65-F5344CB8AC3E}">
-        <p14:creationId xmlns:p14="http://schemas.microsoft.com/office/powerpoint/2010/main" val="4156449190"/>
+        <p14:creationId xmlns:p14="http://schemas.microsoft.com/office/powerpoint/2010/main" val="658234546"/>
       </p:ext>
     </p:extLst>
   </p:cSld>
@@ -11706,127 +11227,6 @@
 <file path=ppt/slides/slide23.xml><?xml version="1.0" encoding="utf-8"?>
 <p:sld xmlns:a="http://schemas.openxmlformats.org/drawingml/2006/main" xmlns:r="http://schemas.openxmlformats.org/officeDocument/2006/relationships" xmlns:p="http://schemas.openxmlformats.org/presentationml/2006/main">
   <p:cSld>
-    <p:spTree>
-      <p:nvGrpSpPr>
-        <p:cNvPr id="1" name=""/>
-        <p:cNvGrpSpPr/>
-        <p:nvPr/>
-      </p:nvGrpSpPr>
-      <p:grpSpPr>
-        <a:xfrm>
-          <a:off x="0" y="0"/>
-          <a:ext cx="0" cy="0"/>
-          <a:chOff x="0" y="0"/>
-          <a:chExt cx="0" cy="0"/>
-        </a:xfrm>
-      </p:grpSpPr>
-      <p:pic>
-        <p:nvPicPr>
-          <p:cNvPr id="3" name="Image 2">
-            <a:extLst>
-              <a:ext uri="{FF2B5EF4-FFF2-40B4-BE49-F238E27FC236}">
-                <a16:creationId xmlns:a16="http://schemas.microsoft.com/office/drawing/2014/main" id="{0FF4B3BB-055B-47BF-B548-DF65C111BFFB}"/>
-              </a:ext>
-            </a:extLst>
-          </p:cNvPr>
-          <p:cNvPicPr>
-            <a:picLocks noChangeAspect="1"/>
-          </p:cNvPicPr>
-          <p:nvPr/>
-        </p:nvPicPr>
-        <p:blipFill>
-          <a:blip r:embed="rId3">
-            <a:extLst>
-              <a:ext uri="{28A0092B-C50C-407E-A947-70E740481C1C}">
-                <a14:useLocalDpi xmlns:a14="http://schemas.microsoft.com/office/drawing/2010/main" val="0"/>
-              </a:ext>
-            </a:extLst>
-          </a:blip>
-          <a:stretch>
-            <a:fillRect/>
-          </a:stretch>
-        </p:blipFill>
-        <p:spPr>
-          <a:xfrm>
-            <a:off x="10769600" y="5435600"/>
-            <a:ext cx="1422400" cy="1422400"/>
-          </a:xfrm>
-          <a:prstGeom prst="rect">
-            <a:avLst/>
-          </a:prstGeom>
-        </p:spPr>
-      </p:pic>
-      <p:sp>
-        <p:nvSpPr>
-          <p:cNvPr id="4" name="Titre 1">
-            <a:extLst>
-              <a:ext uri="{FF2B5EF4-FFF2-40B4-BE49-F238E27FC236}">
-                <a16:creationId xmlns:a16="http://schemas.microsoft.com/office/drawing/2014/main" id="{7E45B68A-E861-4241-A7D4-2A2E8180C602}"/>
-              </a:ext>
-            </a:extLst>
-          </p:cNvPr>
-          <p:cNvSpPr txBox="1">
-            <a:spLocks/>
-          </p:cNvSpPr>
-          <p:nvPr/>
-        </p:nvSpPr>
-        <p:spPr>
-          <a:xfrm>
-            <a:off x="1524000" y="338591"/>
-            <a:ext cx="9144000" cy="1145824"/>
-          </a:xfrm>
-          <a:prstGeom prst="rect">
-            <a:avLst/>
-          </a:prstGeom>
-        </p:spPr>
-        <p:txBody>
-          <a:bodyPr vert="horz" lIns="91440" tIns="45720" rIns="91440" bIns="45720" rtlCol="0" anchor="ctr">
-            <a:normAutofit/>
-          </a:bodyPr>
-          <a:lstStyle>
-            <a:lvl1pPr algn="l" defTabSz="914400" rtl="0" eaLnBrk="1" latinLnBrk="0" hangingPunct="1">
-              <a:lnSpc>
-                <a:spcPct val="90000"/>
-              </a:lnSpc>
-              <a:spcBef>
-                <a:spcPct val="0"/>
-              </a:spcBef>
-              <a:buNone/>
-              <a:defRPr sz="4400" kern="1200">
-                <a:solidFill>
-                  <a:schemeClr val="tx1"/>
-                </a:solidFill>
-                <a:latin typeface="+mj-lt"/>
-                <a:ea typeface="+mj-ea"/>
-                <a:cs typeface="+mj-cs"/>
-              </a:defRPr>
-            </a:lvl1pPr>
-          </a:lstStyle>
-          <a:p>
-            <a:pPr algn="ctr"/>
-            <a:r>
-              <a:rPr lang="fr-FR" b="1" dirty="0"/>
-              <a:t>Titre</a:t>
-            </a:r>
-          </a:p>
-        </p:txBody>
-      </p:sp>
-    </p:spTree>
-    <p:extLst>
-      <p:ext uri="{BB962C8B-B14F-4D97-AF65-F5344CB8AC3E}">
-        <p14:creationId xmlns:p14="http://schemas.microsoft.com/office/powerpoint/2010/main" val="2579825891"/>
-      </p:ext>
-    </p:extLst>
-  </p:cSld>
-  <p:clrMapOvr>
-    <a:masterClrMapping/>
-  </p:clrMapOvr>
-</p:sld>
-</file>
-
-<file path=ppt/slides/slide24.xml><?xml version="1.0" encoding="utf-8"?>
-<p:sld xmlns:a="http://schemas.openxmlformats.org/drawingml/2006/main" xmlns:r="http://schemas.openxmlformats.org/officeDocument/2006/relationships" xmlns:p="http://schemas.openxmlformats.org/presentationml/2006/main">
-  <p:cSld>
     <p:bg>
       <p:bgPr>
         <a:solidFill>
@@ -12792,7 +12192,7 @@
         </p:nvSpPr>
         <p:spPr>
           <a:xfrm>
-            <a:off x="3617692" y="1699399"/>
+            <a:off x="3358102" y="1686637"/>
             <a:ext cx="5475794" cy="923330"/>
           </a:xfrm>
           <a:prstGeom prst="rect">
@@ -12894,6 +12294,130 @@
   <p:clrMapOvr>
     <a:masterClrMapping/>
   </p:clrMapOvr>
+  <p:timing>
+    <p:tnLst>
+      <p:par>
+        <p:cTn id="1" dur="indefinite" restart="never" nodeType="tmRoot">
+          <p:childTnLst>
+            <p:seq concurrent="1" nextAc="seek">
+              <p:cTn id="2" dur="indefinite" nodeType="mainSeq">
+                <p:childTnLst>
+                  <p:par>
+                    <p:cTn id="3" fill="hold">
+                      <p:stCondLst>
+                        <p:cond delay="indefinite"/>
+                      </p:stCondLst>
+                      <p:childTnLst>
+                        <p:par>
+                          <p:cTn id="4" fill="hold">
+                            <p:stCondLst>
+                              <p:cond delay="0"/>
+                            </p:stCondLst>
+                            <p:childTnLst>
+                              <p:par>
+                                <p:cTn id="5" presetID="1" presetClass="entr" presetSubtype="0" fill="hold" grpId="0" nodeType="clickEffect">
+                                  <p:stCondLst>
+                                    <p:cond delay="0"/>
+                                  </p:stCondLst>
+                                  <p:childTnLst>
+                                    <p:set>
+                                      <p:cBhvr>
+                                        <p:cTn id="6" dur="1" fill="hold">
+                                          <p:stCondLst>
+                                            <p:cond delay="0"/>
+                                          </p:stCondLst>
+                                        </p:cTn>
+                                        <p:tgtEl>
+                                          <p:spTgt spid="12"/>
+                                        </p:tgtEl>
+                                        <p:attrNameLst>
+                                          <p:attrName>style.visibility</p:attrName>
+                                        </p:attrNameLst>
+                                      </p:cBhvr>
+                                      <p:to>
+                                        <p:strVal val="visible"/>
+                                      </p:to>
+                                    </p:set>
+                                  </p:childTnLst>
+                                </p:cTn>
+                              </p:par>
+                            </p:childTnLst>
+                          </p:cTn>
+                        </p:par>
+                      </p:childTnLst>
+                    </p:cTn>
+                  </p:par>
+                  <p:par>
+                    <p:cTn id="7" fill="hold">
+                      <p:stCondLst>
+                        <p:cond delay="indefinite"/>
+                      </p:stCondLst>
+                      <p:childTnLst>
+                        <p:par>
+                          <p:cTn id="8" fill="hold">
+                            <p:stCondLst>
+                              <p:cond delay="0"/>
+                            </p:stCondLst>
+                            <p:childTnLst>
+                              <p:par>
+                                <p:cTn id="9" presetID="1" presetClass="entr" presetSubtype="0" fill="hold" grpId="0" nodeType="clickEffect">
+                                  <p:stCondLst>
+                                    <p:cond delay="0"/>
+                                  </p:stCondLst>
+                                  <p:childTnLst>
+                                    <p:set>
+                                      <p:cBhvr>
+                                        <p:cTn id="10" dur="1" fill="hold">
+                                          <p:stCondLst>
+                                            <p:cond delay="0"/>
+                                          </p:stCondLst>
+                                        </p:cTn>
+                                        <p:tgtEl>
+                                          <p:spTgt spid="13"/>
+                                        </p:tgtEl>
+                                        <p:attrNameLst>
+                                          <p:attrName>style.visibility</p:attrName>
+                                        </p:attrNameLst>
+                                      </p:cBhvr>
+                                      <p:to>
+                                        <p:strVal val="visible"/>
+                                      </p:to>
+                                    </p:set>
+                                  </p:childTnLst>
+                                </p:cTn>
+                              </p:par>
+                            </p:childTnLst>
+                          </p:cTn>
+                        </p:par>
+                      </p:childTnLst>
+                    </p:cTn>
+                  </p:par>
+                </p:childTnLst>
+              </p:cTn>
+              <p:prevCondLst>
+                <p:cond evt="onPrev" delay="0">
+                  <p:tgtEl>
+                    <p:sldTgt/>
+                  </p:tgtEl>
+                </p:cond>
+              </p:prevCondLst>
+              <p:nextCondLst>
+                <p:cond evt="onNext" delay="0">
+                  <p:tgtEl>
+                    <p:sldTgt/>
+                  </p:tgtEl>
+                </p:cond>
+              </p:nextCondLst>
+            </p:seq>
+          </p:childTnLst>
+        </p:cTn>
+      </p:par>
+    </p:tnLst>
+    <p:bldLst>
+      <p:bldP spid="12" grpId="0"/>
+      <p:bldP spid="13" grpId="0"/>
+    </p:bldLst>
+  </p:timing>
 </p:sld>
 </file>
 
@@ -13753,597 +13277,6 @@
   <p:clrMapOvr>
     <a:masterClrMapping/>
   </p:clrMapOvr>
-</p:sld>
-</file>
-
-<file path=ppt/slides/slide7.xml><?xml version="1.0" encoding="utf-8"?>
-<p:sld xmlns:a="http://schemas.openxmlformats.org/drawingml/2006/main" xmlns:r="http://schemas.openxmlformats.org/officeDocument/2006/relationships" xmlns:p="http://schemas.openxmlformats.org/presentationml/2006/main">
-  <p:cSld>
-    <p:spTree>
-      <p:nvGrpSpPr>
-        <p:cNvPr id="1" name=""/>
-        <p:cNvGrpSpPr/>
-        <p:nvPr/>
-      </p:nvGrpSpPr>
-      <p:grpSpPr>
-        <a:xfrm>
-          <a:off x="0" y="0"/>
-          <a:ext cx="0" cy="0"/>
-          <a:chOff x="0" y="0"/>
-          <a:chExt cx="0" cy="0"/>
-        </a:xfrm>
-      </p:grpSpPr>
-      <p:pic>
-        <p:nvPicPr>
-          <p:cNvPr id="3" name="Image 2">
-            <a:extLst>
-              <a:ext uri="{FF2B5EF4-FFF2-40B4-BE49-F238E27FC236}">
-                <a16:creationId xmlns:a16="http://schemas.microsoft.com/office/drawing/2014/main" id="{0FF4B3BB-055B-47BF-B548-DF65C111BFFB}"/>
-              </a:ext>
-            </a:extLst>
-          </p:cNvPr>
-          <p:cNvPicPr>
-            <a:picLocks noChangeAspect="1"/>
-          </p:cNvPicPr>
-          <p:nvPr/>
-        </p:nvPicPr>
-        <p:blipFill>
-          <a:blip r:embed="rId3">
-            <a:extLst>
-              <a:ext uri="{28A0092B-C50C-407E-A947-70E740481C1C}">
-                <a14:useLocalDpi xmlns:a14="http://schemas.microsoft.com/office/drawing/2010/main" val="0"/>
-              </a:ext>
-            </a:extLst>
-          </a:blip>
-          <a:stretch>
-            <a:fillRect/>
-          </a:stretch>
-        </p:blipFill>
-        <p:spPr>
-          <a:xfrm>
-            <a:off x="10769600" y="5435600"/>
-            <a:ext cx="1422400" cy="1422400"/>
-          </a:xfrm>
-          <a:prstGeom prst="rect">
-            <a:avLst/>
-          </a:prstGeom>
-        </p:spPr>
-      </p:pic>
-      <p:sp>
-        <p:nvSpPr>
-          <p:cNvPr id="4" name="Titre 1">
-            <a:extLst>
-              <a:ext uri="{FF2B5EF4-FFF2-40B4-BE49-F238E27FC236}">
-                <a16:creationId xmlns:a16="http://schemas.microsoft.com/office/drawing/2014/main" id="{DDFB1113-9623-4436-9DE9-6E8BAEDD0A9B}"/>
-              </a:ext>
-            </a:extLst>
-          </p:cNvPr>
-          <p:cNvSpPr txBox="1">
-            <a:spLocks/>
-          </p:cNvSpPr>
-          <p:nvPr/>
-        </p:nvSpPr>
-        <p:spPr>
-          <a:xfrm>
-            <a:off x="1524000" y="338591"/>
-            <a:ext cx="9144000" cy="1145824"/>
-          </a:xfrm>
-          <a:prstGeom prst="rect">
-            <a:avLst/>
-          </a:prstGeom>
-        </p:spPr>
-        <p:txBody>
-          <a:bodyPr vert="horz" lIns="91440" tIns="45720" rIns="91440" bIns="45720" rtlCol="0" anchor="ctr">
-            <a:normAutofit/>
-          </a:bodyPr>
-          <a:lstStyle>
-            <a:lvl1pPr algn="l" defTabSz="914400" rtl="0" eaLnBrk="1" latinLnBrk="0" hangingPunct="1">
-              <a:lnSpc>
-                <a:spcPct val="90000"/>
-              </a:lnSpc>
-              <a:spcBef>
-                <a:spcPct val="0"/>
-              </a:spcBef>
-              <a:buNone/>
-              <a:defRPr sz="4400" kern="1200">
-                <a:solidFill>
-                  <a:schemeClr val="tx1"/>
-                </a:solidFill>
-                <a:latin typeface="+mj-lt"/>
-                <a:ea typeface="+mj-ea"/>
-                <a:cs typeface="+mj-cs"/>
-              </a:defRPr>
-            </a:lvl1pPr>
-          </a:lstStyle>
-          <a:p>
-            <a:pPr algn="ctr"/>
-            <a:r>
-              <a:rPr lang="fr-FR" b="1" dirty="0"/>
-              <a:t>Features Engineering</a:t>
-            </a:r>
-          </a:p>
-        </p:txBody>
-      </p:sp>
-      <p:sp>
-        <p:nvSpPr>
-          <p:cNvPr id="6" name="ZoneTexte 5">
-            <a:extLst>
-              <a:ext uri="{FF2B5EF4-FFF2-40B4-BE49-F238E27FC236}">
-                <a16:creationId xmlns:a16="http://schemas.microsoft.com/office/drawing/2014/main" id="{5DEF3BAE-DADF-4A75-A798-934D9857AC32}"/>
-              </a:ext>
-            </a:extLst>
-          </p:cNvPr>
-          <p:cNvSpPr txBox="1"/>
-          <p:nvPr/>
-        </p:nvSpPr>
-        <p:spPr>
-          <a:xfrm>
-            <a:off x="1235034" y="3244334"/>
-            <a:ext cx="2188612" cy="369332"/>
-          </a:xfrm>
-          <a:prstGeom prst="rect">
-            <a:avLst/>
-          </a:prstGeom>
-          <a:noFill/>
-        </p:spPr>
-        <p:txBody>
-          <a:bodyPr wrap="none" rtlCol="0">
-            <a:spAutoFit/>
-          </a:bodyPr>
-          <a:lstStyle/>
-          <a:p>
-            <a:r>
-              <a:rPr lang="fr-FR" dirty="0"/>
-              <a:t>Revenu total généré: </a:t>
-            </a:r>
-          </a:p>
-        </p:txBody>
-      </p:sp>
-      <p:sp>
-        <p:nvSpPr>
-          <p:cNvPr id="7" name="ZoneTexte 6">
-            <a:extLst>
-              <a:ext uri="{FF2B5EF4-FFF2-40B4-BE49-F238E27FC236}">
-                <a16:creationId xmlns:a16="http://schemas.microsoft.com/office/drawing/2014/main" id="{589961ED-B42E-4D6C-A851-DB206DBBAF9B}"/>
-              </a:ext>
-            </a:extLst>
-          </p:cNvPr>
-          <p:cNvSpPr txBox="1"/>
-          <p:nvPr/>
-        </p:nvSpPr>
-        <p:spPr>
-          <a:xfrm>
-            <a:off x="8435158" y="1534286"/>
-            <a:ext cx="3045642" cy="369332"/>
-          </a:xfrm>
-          <a:prstGeom prst="rect">
-            <a:avLst/>
-          </a:prstGeom>
-          <a:noFill/>
-        </p:spPr>
-        <p:txBody>
-          <a:bodyPr wrap="none" rtlCol="0">
-            <a:spAutoFit/>
-          </a:bodyPr>
-          <a:lstStyle/>
-          <a:p>
-            <a:r>
-              <a:rPr lang="fr-FR" dirty="0"/>
-              <a:t>Nombre total de commande: </a:t>
-            </a:r>
-          </a:p>
-        </p:txBody>
-      </p:sp>
-      <p:pic>
-        <p:nvPicPr>
-          <p:cNvPr id="8" name="Image 7">
-            <a:extLst>
-              <a:ext uri="{FF2B5EF4-FFF2-40B4-BE49-F238E27FC236}">
-                <a16:creationId xmlns:a16="http://schemas.microsoft.com/office/drawing/2014/main" id="{C6D31B6A-B910-49F8-BAB9-1FA9E86BC996}"/>
-              </a:ext>
-            </a:extLst>
-          </p:cNvPr>
-          <p:cNvPicPr>
-            <a:picLocks noChangeAspect="1"/>
-          </p:cNvPicPr>
-          <p:nvPr/>
-        </p:nvPicPr>
-        <p:blipFill rotWithShape="1">
-          <a:blip r:embed="rId4"/>
-          <a:srcRect t="6521"/>
-          <a:stretch/>
-        </p:blipFill>
-        <p:spPr>
-          <a:xfrm>
-            <a:off x="3383928" y="2016268"/>
-            <a:ext cx="8096872" cy="345250"/>
-          </a:xfrm>
-          <a:prstGeom prst="rect">
-            <a:avLst/>
-          </a:prstGeom>
-        </p:spPr>
-      </p:pic>
-      <p:pic>
-        <p:nvPicPr>
-          <p:cNvPr id="9" name="Image 8">
-            <a:extLst>
-              <a:ext uri="{FF2B5EF4-FFF2-40B4-BE49-F238E27FC236}">
-                <a16:creationId xmlns:a16="http://schemas.microsoft.com/office/drawing/2014/main" id="{7E400386-577C-4AAA-8398-41A4D93534E7}"/>
-              </a:ext>
-            </a:extLst>
-          </p:cNvPr>
-          <p:cNvPicPr>
-            <a:picLocks noChangeAspect="1"/>
-          </p:cNvPicPr>
-          <p:nvPr/>
-        </p:nvPicPr>
-        <p:blipFill>
-          <a:blip r:embed="rId5"/>
-          <a:stretch>
-            <a:fillRect/>
-          </a:stretch>
-        </p:blipFill>
-        <p:spPr>
-          <a:xfrm>
-            <a:off x="1235034" y="3766250"/>
-            <a:ext cx="8366708" cy="542551"/>
-          </a:xfrm>
-          <a:prstGeom prst="rect">
-            <a:avLst/>
-          </a:prstGeom>
-        </p:spPr>
-      </p:pic>
-    </p:spTree>
-    <p:extLst>
-      <p:ext uri="{BB962C8B-B14F-4D97-AF65-F5344CB8AC3E}">
-        <p14:creationId xmlns:p14="http://schemas.microsoft.com/office/powerpoint/2010/main" val="659306728"/>
-      </p:ext>
-    </p:extLst>
-  </p:cSld>
-  <p:clrMapOvr>
-    <a:masterClrMapping/>
-  </p:clrMapOvr>
-</p:sld>
-</file>
-
-<file path=ppt/slides/slide8.xml><?xml version="1.0" encoding="utf-8"?>
-<p:sld xmlns:a="http://schemas.openxmlformats.org/drawingml/2006/main" xmlns:r="http://schemas.openxmlformats.org/officeDocument/2006/relationships" xmlns:p="http://schemas.openxmlformats.org/presentationml/2006/main">
-  <p:cSld>
-    <p:spTree>
-      <p:nvGrpSpPr>
-        <p:cNvPr id="1" name=""/>
-        <p:cNvGrpSpPr/>
-        <p:nvPr/>
-      </p:nvGrpSpPr>
-      <p:grpSpPr>
-        <a:xfrm>
-          <a:off x="0" y="0"/>
-          <a:ext cx="0" cy="0"/>
-          <a:chOff x="0" y="0"/>
-          <a:chExt cx="0" cy="0"/>
-        </a:xfrm>
-      </p:grpSpPr>
-      <p:pic>
-        <p:nvPicPr>
-          <p:cNvPr id="3" name="Image 2">
-            <a:extLst>
-              <a:ext uri="{FF2B5EF4-FFF2-40B4-BE49-F238E27FC236}">
-                <a16:creationId xmlns:a16="http://schemas.microsoft.com/office/drawing/2014/main" id="{0FF4B3BB-055B-47BF-B548-DF65C111BFFB}"/>
-              </a:ext>
-            </a:extLst>
-          </p:cNvPr>
-          <p:cNvPicPr>
-            <a:picLocks noChangeAspect="1"/>
-          </p:cNvPicPr>
-          <p:nvPr/>
-        </p:nvPicPr>
-        <p:blipFill>
-          <a:blip r:embed="rId3">
-            <a:extLst>
-              <a:ext uri="{28A0092B-C50C-407E-A947-70E740481C1C}">
-                <a14:useLocalDpi xmlns:a14="http://schemas.microsoft.com/office/drawing/2010/main" val="0"/>
-              </a:ext>
-            </a:extLst>
-          </a:blip>
-          <a:stretch>
-            <a:fillRect/>
-          </a:stretch>
-        </p:blipFill>
-        <p:spPr>
-          <a:xfrm>
-            <a:off x="10769600" y="5435600"/>
-            <a:ext cx="1422400" cy="1422400"/>
-          </a:xfrm>
-          <a:prstGeom prst="rect">
-            <a:avLst/>
-          </a:prstGeom>
-        </p:spPr>
-      </p:pic>
-      <p:sp>
-        <p:nvSpPr>
-          <p:cNvPr id="4" name="Titre 1">
-            <a:extLst>
-              <a:ext uri="{FF2B5EF4-FFF2-40B4-BE49-F238E27FC236}">
-                <a16:creationId xmlns:a16="http://schemas.microsoft.com/office/drawing/2014/main" id="{DDFB1113-9623-4436-9DE9-6E8BAEDD0A9B}"/>
-              </a:ext>
-            </a:extLst>
-          </p:cNvPr>
-          <p:cNvSpPr txBox="1">
-            <a:spLocks/>
-          </p:cNvSpPr>
-          <p:nvPr/>
-        </p:nvSpPr>
-        <p:spPr>
-          <a:xfrm>
-            <a:off x="1524000" y="338591"/>
-            <a:ext cx="9144000" cy="1145824"/>
-          </a:xfrm>
-          <a:prstGeom prst="rect">
-            <a:avLst/>
-          </a:prstGeom>
-        </p:spPr>
-        <p:txBody>
-          <a:bodyPr vert="horz" lIns="91440" tIns="45720" rIns="91440" bIns="45720" rtlCol="0" anchor="ctr">
-            <a:normAutofit/>
-          </a:bodyPr>
-          <a:lstStyle>
-            <a:lvl1pPr algn="l" defTabSz="914400" rtl="0" eaLnBrk="1" latinLnBrk="0" hangingPunct="1">
-              <a:lnSpc>
-                <a:spcPct val="90000"/>
-              </a:lnSpc>
-              <a:spcBef>
-                <a:spcPct val="0"/>
-              </a:spcBef>
-              <a:buNone/>
-              <a:defRPr sz="4400" kern="1200">
-                <a:solidFill>
-                  <a:schemeClr val="tx1"/>
-                </a:solidFill>
-                <a:latin typeface="+mj-lt"/>
-                <a:ea typeface="+mj-ea"/>
-                <a:cs typeface="+mj-cs"/>
-              </a:defRPr>
-            </a:lvl1pPr>
-          </a:lstStyle>
-          <a:p>
-            <a:pPr algn="ctr"/>
-            <a:r>
-              <a:rPr lang="fr-FR" b="1" dirty="0"/>
-              <a:t>Features Engineering</a:t>
-            </a:r>
-          </a:p>
-        </p:txBody>
-      </p:sp>
-      <p:sp>
-        <p:nvSpPr>
-          <p:cNvPr id="5" name="ZoneTexte 4">
-            <a:extLst>
-              <a:ext uri="{FF2B5EF4-FFF2-40B4-BE49-F238E27FC236}">
-                <a16:creationId xmlns:a16="http://schemas.microsoft.com/office/drawing/2014/main" id="{F789CFA1-5474-4FAC-986A-11123053F396}"/>
-              </a:ext>
-            </a:extLst>
-          </p:cNvPr>
-          <p:cNvSpPr txBox="1"/>
-          <p:nvPr/>
-        </p:nvSpPr>
-        <p:spPr>
-          <a:xfrm>
-            <a:off x="1524000" y="2905841"/>
-            <a:ext cx="4446667" cy="369332"/>
-          </a:xfrm>
-          <a:prstGeom prst="rect">
-            <a:avLst/>
-          </a:prstGeom>
-          <a:noFill/>
-        </p:spPr>
-        <p:txBody>
-          <a:bodyPr wrap="none" rtlCol="0">
-            <a:spAutoFit/>
-          </a:bodyPr>
-          <a:lstStyle/>
-          <a:p>
-            <a:r>
-              <a:rPr lang="fr-FR" dirty="0"/>
-              <a:t>Nombre de commande sur l’année en cours: </a:t>
-            </a:r>
-          </a:p>
-        </p:txBody>
-      </p:sp>
-      <p:sp>
-        <p:nvSpPr>
-          <p:cNvPr id="2" name="ZoneTexte 1">
-            <a:extLst>
-              <a:ext uri="{FF2B5EF4-FFF2-40B4-BE49-F238E27FC236}">
-                <a16:creationId xmlns:a16="http://schemas.microsoft.com/office/drawing/2014/main" id="{A6036DF4-629F-4764-BC85-ADC3DBA5295E}"/>
-              </a:ext>
-            </a:extLst>
-          </p:cNvPr>
-          <p:cNvSpPr txBox="1"/>
-          <p:nvPr/>
-        </p:nvSpPr>
-        <p:spPr>
-          <a:xfrm>
-            <a:off x="1524000" y="1300085"/>
-            <a:ext cx="4105483" cy="369332"/>
-          </a:xfrm>
-          <a:prstGeom prst="rect">
-            <a:avLst/>
-          </a:prstGeom>
-          <a:noFill/>
-        </p:spPr>
-        <p:txBody>
-          <a:bodyPr wrap="none" rtlCol="0">
-            <a:spAutoFit/>
-          </a:bodyPr>
-          <a:lstStyle/>
-          <a:p>
-            <a:r>
-              <a:rPr lang="fr-FR" dirty="0"/>
-              <a:t>Date des commandes (année/mois/jour) :</a:t>
-            </a:r>
-          </a:p>
-        </p:txBody>
-      </p:sp>
-      <p:pic>
-        <p:nvPicPr>
-          <p:cNvPr id="7" name="Image 6">
-            <a:extLst>
-              <a:ext uri="{FF2B5EF4-FFF2-40B4-BE49-F238E27FC236}">
-                <a16:creationId xmlns:a16="http://schemas.microsoft.com/office/drawing/2014/main" id="{1CF94895-9AA7-48AE-BEAA-AD1F1F47F9A0}"/>
-              </a:ext>
-            </a:extLst>
-          </p:cNvPr>
-          <p:cNvPicPr>
-            <a:picLocks noChangeAspect="1"/>
-          </p:cNvPicPr>
-          <p:nvPr/>
-        </p:nvPicPr>
-        <p:blipFill>
-          <a:blip r:embed="rId4"/>
-          <a:stretch>
-            <a:fillRect/>
-          </a:stretch>
-        </p:blipFill>
-        <p:spPr>
-          <a:xfrm>
-            <a:off x="550538" y="1673802"/>
-            <a:ext cx="11090924" cy="337483"/>
-          </a:xfrm>
-          <a:prstGeom prst="rect">
-            <a:avLst/>
-          </a:prstGeom>
-        </p:spPr>
-      </p:pic>
-      <p:pic>
-        <p:nvPicPr>
-          <p:cNvPr id="8" name="Image 7">
-            <a:extLst>
-              <a:ext uri="{FF2B5EF4-FFF2-40B4-BE49-F238E27FC236}">
-                <a16:creationId xmlns:a16="http://schemas.microsoft.com/office/drawing/2014/main" id="{B1E3F36E-78A6-4FD0-BCCF-19A1578997E0}"/>
-              </a:ext>
-            </a:extLst>
-          </p:cNvPr>
-          <p:cNvPicPr>
-            <a:picLocks noChangeAspect="1"/>
-          </p:cNvPicPr>
-          <p:nvPr/>
-        </p:nvPicPr>
-        <p:blipFill>
-          <a:blip r:embed="rId5"/>
-          <a:stretch>
-            <a:fillRect/>
-          </a:stretch>
-        </p:blipFill>
-        <p:spPr>
-          <a:xfrm>
-            <a:off x="2780239" y="2200672"/>
-            <a:ext cx="6631521" cy="337482"/>
-          </a:xfrm>
-          <a:prstGeom prst="rect">
-            <a:avLst/>
-          </a:prstGeom>
-        </p:spPr>
-      </p:pic>
-      <p:pic>
-        <p:nvPicPr>
-          <p:cNvPr id="9" name="Image 8">
-            <a:extLst>
-              <a:ext uri="{FF2B5EF4-FFF2-40B4-BE49-F238E27FC236}">
-                <a16:creationId xmlns:a16="http://schemas.microsoft.com/office/drawing/2014/main" id="{9DB921C8-4AEF-45E6-8362-878C697E21E4}"/>
-              </a:ext>
-            </a:extLst>
-          </p:cNvPr>
-          <p:cNvPicPr>
-            <a:picLocks noChangeAspect="1"/>
-          </p:cNvPicPr>
-          <p:nvPr/>
-        </p:nvPicPr>
-        <p:blipFill>
-          <a:blip r:embed="rId6"/>
-          <a:stretch>
-            <a:fillRect/>
-          </a:stretch>
-        </p:blipFill>
-        <p:spPr>
-          <a:xfrm>
-            <a:off x="1198669" y="3371083"/>
-            <a:ext cx="9543995" cy="728044"/>
-          </a:xfrm>
-          <a:prstGeom prst="rect">
-            <a:avLst/>
-          </a:prstGeom>
-        </p:spPr>
-      </p:pic>
-      <p:pic>
-        <p:nvPicPr>
-          <p:cNvPr id="10" name="Image 9">
-            <a:extLst>
-              <a:ext uri="{FF2B5EF4-FFF2-40B4-BE49-F238E27FC236}">
-                <a16:creationId xmlns:a16="http://schemas.microsoft.com/office/drawing/2014/main" id="{A374D1D5-0434-44D8-8C65-6D0AA2635F39}"/>
-              </a:ext>
-            </a:extLst>
-          </p:cNvPr>
-          <p:cNvPicPr>
-            <a:picLocks noChangeAspect="1"/>
-          </p:cNvPicPr>
-          <p:nvPr/>
-        </p:nvPicPr>
-        <p:blipFill>
-          <a:blip r:embed="rId7"/>
-          <a:stretch>
-            <a:fillRect/>
-          </a:stretch>
-        </p:blipFill>
-        <p:spPr>
-          <a:xfrm>
-            <a:off x="3039284" y="4341309"/>
-            <a:ext cx="5862755" cy="875434"/>
-          </a:xfrm>
-          <a:prstGeom prst="rect">
-            <a:avLst/>
-          </a:prstGeom>
-        </p:spPr>
-      </p:pic>
-      <p:pic>
-        <p:nvPicPr>
-          <p:cNvPr id="11" name="Image 10">
-            <a:extLst>
-              <a:ext uri="{FF2B5EF4-FFF2-40B4-BE49-F238E27FC236}">
-                <a16:creationId xmlns:a16="http://schemas.microsoft.com/office/drawing/2014/main" id="{3B666BC5-385E-453F-906C-D8F44A91B0B9}"/>
-              </a:ext>
-            </a:extLst>
-          </p:cNvPr>
-          <p:cNvPicPr>
-            <a:picLocks noChangeAspect="1"/>
-          </p:cNvPicPr>
-          <p:nvPr/>
-        </p:nvPicPr>
-        <p:blipFill>
-          <a:blip r:embed="rId8"/>
-          <a:stretch>
-            <a:fillRect/>
-          </a:stretch>
-        </p:blipFill>
-        <p:spPr>
-          <a:xfrm>
-            <a:off x="2390763" y="5458925"/>
-            <a:ext cx="7159799" cy="378425"/>
-          </a:xfrm>
-          <a:prstGeom prst="rect">
-            <a:avLst/>
-          </a:prstGeom>
-        </p:spPr>
-      </p:pic>
-    </p:spTree>
-    <p:extLst>
-      <p:ext uri="{BB962C8B-B14F-4D97-AF65-F5344CB8AC3E}">
-        <p14:creationId xmlns:p14="http://schemas.microsoft.com/office/powerpoint/2010/main" val="1450169038"/>
-      </p:ext>
-    </p:extLst>
-  </p:cSld>
-  <p:clrMapOvr>
-    <a:masterClrMapping/>
-  </p:clrMapOvr>
   <p:timing>
     <p:tnLst>
       <p:par>
@@ -14365,7 +13298,7 @@
                             </p:stCondLst>
                             <p:childTnLst>
                               <p:par>
-                                <p:cTn id="5" presetID="1" presetClass="entr" presetSubtype="0" fill="hold" nodeType="clickEffect">
+                                <p:cTn id="5" presetID="1" presetClass="entr" presetSubtype="0" fill="hold" grpId="0" nodeType="clickEffect">
                                   <p:stCondLst>
                                     <p:cond delay="0"/>
                                   </p:stCondLst>
@@ -14378,7 +13311,7 @@
                                           </p:stCondLst>
                                         </p:cTn>
                                         <p:tgtEl>
-                                          <p:spTgt spid="7"/>
+                                          <p:spTgt spid="2"/>
                                         </p:tgtEl>
                                         <p:attrNameLst>
                                           <p:attrName>style.visibility</p:attrName>
@@ -14391,26 +13324,35 @@
                                   </p:childTnLst>
                                 </p:cTn>
                               </p:par>
-                            </p:childTnLst>
-                          </p:cTn>
-                        </p:par>
-                      </p:childTnLst>
-                    </p:cTn>
-                  </p:par>
-                  <p:par>
-                    <p:cTn id="7" fill="hold">
-                      <p:stCondLst>
-                        <p:cond delay="indefinite"/>
-                      </p:stCondLst>
-                      <p:childTnLst>
-                        <p:par>
-                          <p:cTn id="8" fill="hold">
-                            <p:stCondLst>
-                              <p:cond delay="0"/>
-                            </p:stCondLst>
-                            <p:childTnLst>
                               <p:par>
-                                <p:cTn id="9" presetID="1" presetClass="entr" presetSubtype="0" fill="hold" nodeType="clickEffect">
+                                <p:cTn id="7" presetID="1" presetClass="entr" presetSubtype="0" fill="hold" grpId="0" nodeType="withEffect">
+                                  <p:stCondLst>
+                                    <p:cond delay="0"/>
+                                  </p:stCondLst>
+                                  <p:childTnLst>
+                                    <p:set>
+                                      <p:cBhvr>
+                                        <p:cTn id="8" dur="1" fill="hold">
+                                          <p:stCondLst>
+                                            <p:cond delay="0"/>
+                                          </p:stCondLst>
+                                        </p:cTn>
+                                        <p:tgtEl>
+                                          <p:spTgt spid="5"/>
+                                        </p:tgtEl>
+                                        <p:attrNameLst>
+                                          <p:attrName>style.visibility</p:attrName>
+                                        </p:attrNameLst>
+                                      </p:cBhvr>
+                                      <p:to>
+                                        <p:strVal val="visible"/>
+                                      </p:to>
+                                    </p:set>
+                                  </p:childTnLst>
+                                </p:cTn>
+                              </p:par>
+                              <p:par>
+                                <p:cTn id="9" presetID="1" presetClass="entr" presetSubtype="0" fill="hold" grpId="0" nodeType="withEffect">
                                   <p:stCondLst>
                                     <p:cond delay="0"/>
                                   </p:stCondLst>
@@ -14423,7 +13365,7 @@
                                           </p:stCondLst>
                                         </p:cTn>
                                         <p:tgtEl>
-                                          <p:spTgt spid="8"/>
+                                          <p:spTgt spid="6"/>
                                         </p:tgtEl>
                                         <p:attrNameLst>
                                           <p:attrName>style.visibility</p:attrName>
@@ -14455,7 +13397,7 @@
                             </p:stCondLst>
                             <p:childTnLst>
                               <p:par>
-                                <p:cTn id="13" presetID="1" presetClass="entr" presetSubtype="0" fill="hold" grpId="0" nodeType="clickEffect">
+                                <p:cTn id="13" presetID="1" presetClass="entr" presetSubtype="0" fill="hold" nodeType="clickEffect">
                                   <p:stCondLst>
                                     <p:cond delay="0"/>
                                   </p:stCondLst>
@@ -14468,7 +13410,34 @@
                                           </p:stCondLst>
                                         </p:cTn>
                                         <p:tgtEl>
-                                          <p:spTgt spid="5"/>
+                                          <p:spTgt spid="7"/>
+                                        </p:tgtEl>
+                                        <p:attrNameLst>
+                                          <p:attrName>style.visibility</p:attrName>
+                                        </p:attrNameLst>
+                                      </p:cBhvr>
+                                      <p:to>
+                                        <p:strVal val="visible"/>
+                                      </p:to>
+                                    </p:set>
+                                  </p:childTnLst>
+                                </p:cTn>
+                              </p:par>
+                              <p:par>
+                                <p:cTn id="15" presetID="1" presetClass="entr" presetSubtype="0" fill="hold" nodeType="withEffect">
+                                  <p:stCondLst>
+                                    <p:cond delay="0"/>
+                                  </p:stCondLst>
+                                  <p:childTnLst>
+                                    <p:set>
+                                      <p:cBhvr>
+                                        <p:cTn id="16" dur="1" fill="hold">
+                                          <p:stCondLst>
+                                            <p:cond delay="0"/>
+                                          </p:stCondLst>
+                                        </p:cTn>
+                                        <p:tgtEl>
+                                          <p:spTgt spid="8"/>
                                         </p:tgtEl>
                                         <p:attrNameLst>
                                           <p:attrName>style.visibility</p:attrName>
@@ -14488,26 +13457,26 @@
                     </p:cTn>
                   </p:par>
                   <p:par>
-                    <p:cTn id="15" fill="hold">
+                    <p:cTn id="17" fill="hold">
                       <p:stCondLst>
                         <p:cond delay="indefinite"/>
                       </p:stCondLst>
                       <p:childTnLst>
                         <p:par>
-                          <p:cTn id="16" fill="hold">
+                          <p:cTn id="18" fill="hold">
                             <p:stCondLst>
                               <p:cond delay="0"/>
                             </p:stCondLst>
                             <p:childTnLst>
                               <p:par>
-                                <p:cTn id="17" presetID="1" presetClass="entr" presetSubtype="0" fill="hold" nodeType="clickEffect">
+                                <p:cTn id="19" presetID="1" presetClass="entr" presetSubtype="0" fill="hold" nodeType="clickEffect">
                                   <p:stCondLst>
                                     <p:cond delay="0"/>
                                   </p:stCondLst>
                                   <p:childTnLst>
                                     <p:set>
                                       <p:cBhvr>
-                                        <p:cTn id="18" dur="1" fill="hold">
+                                        <p:cTn id="20" dur="1" fill="hold">
                                           <p:stCondLst>
                                             <p:cond delay="0"/>
                                           </p:stCondLst>
@@ -14532,27 +13501,350 @@
                       </p:childTnLst>
                     </p:cTn>
                   </p:par>
+                </p:childTnLst>
+              </p:cTn>
+              <p:prevCondLst>
+                <p:cond evt="onPrev" delay="0">
+                  <p:tgtEl>
+                    <p:sldTgt/>
+                  </p:tgtEl>
+                </p:cond>
+              </p:prevCondLst>
+              <p:nextCondLst>
+                <p:cond evt="onNext" delay="0">
+                  <p:tgtEl>
+                    <p:sldTgt/>
+                  </p:tgtEl>
+                </p:cond>
+              </p:nextCondLst>
+            </p:seq>
+          </p:childTnLst>
+        </p:cTn>
+      </p:par>
+    </p:tnLst>
+    <p:bldLst>
+      <p:bldP spid="2" grpId="0"/>
+      <p:bldP spid="5" grpId="0" animBg="1"/>
+      <p:bldP spid="6" grpId="0"/>
+    </p:bldLst>
+  </p:timing>
+</p:sld>
+</file>
+
+<file path=ppt/slides/slide7.xml><?xml version="1.0" encoding="utf-8"?>
+<p:sld xmlns:a="http://schemas.openxmlformats.org/drawingml/2006/main" xmlns:r="http://schemas.openxmlformats.org/officeDocument/2006/relationships" xmlns:p="http://schemas.openxmlformats.org/presentationml/2006/main">
+  <p:cSld>
+    <p:spTree>
+      <p:nvGrpSpPr>
+        <p:cNvPr id="1" name=""/>
+        <p:cNvGrpSpPr/>
+        <p:nvPr/>
+      </p:nvGrpSpPr>
+      <p:grpSpPr>
+        <a:xfrm>
+          <a:off x="0" y="0"/>
+          <a:ext cx="0" cy="0"/>
+          <a:chOff x="0" y="0"/>
+          <a:chExt cx="0" cy="0"/>
+        </a:xfrm>
+      </p:grpSpPr>
+      <p:pic>
+        <p:nvPicPr>
+          <p:cNvPr id="3" name="Image 2">
+            <a:extLst>
+              <a:ext uri="{FF2B5EF4-FFF2-40B4-BE49-F238E27FC236}">
+                <a16:creationId xmlns:a16="http://schemas.microsoft.com/office/drawing/2014/main" id="{0FF4B3BB-055B-47BF-B548-DF65C111BFFB}"/>
+              </a:ext>
+            </a:extLst>
+          </p:cNvPr>
+          <p:cNvPicPr>
+            <a:picLocks noChangeAspect="1"/>
+          </p:cNvPicPr>
+          <p:nvPr/>
+        </p:nvPicPr>
+        <p:blipFill>
+          <a:blip r:embed="rId3">
+            <a:extLst>
+              <a:ext uri="{28A0092B-C50C-407E-A947-70E740481C1C}">
+                <a14:useLocalDpi xmlns:a14="http://schemas.microsoft.com/office/drawing/2010/main" val="0"/>
+              </a:ext>
+            </a:extLst>
+          </a:blip>
+          <a:stretch>
+            <a:fillRect/>
+          </a:stretch>
+        </p:blipFill>
+        <p:spPr>
+          <a:xfrm>
+            <a:off x="10769600" y="5435600"/>
+            <a:ext cx="1422400" cy="1422400"/>
+          </a:xfrm>
+          <a:prstGeom prst="rect">
+            <a:avLst/>
+          </a:prstGeom>
+        </p:spPr>
+      </p:pic>
+      <p:sp>
+        <p:nvSpPr>
+          <p:cNvPr id="4" name="Titre 1">
+            <a:extLst>
+              <a:ext uri="{FF2B5EF4-FFF2-40B4-BE49-F238E27FC236}">
+                <a16:creationId xmlns:a16="http://schemas.microsoft.com/office/drawing/2014/main" id="{DDFB1113-9623-4436-9DE9-6E8BAEDD0A9B}"/>
+              </a:ext>
+            </a:extLst>
+          </p:cNvPr>
+          <p:cNvSpPr txBox="1">
+            <a:spLocks/>
+          </p:cNvSpPr>
+          <p:nvPr/>
+        </p:nvSpPr>
+        <p:spPr>
+          <a:xfrm>
+            <a:off x="1524000" y="338591"/>
+            <a:ext cx="9144000" cy="1145824"/>
+          </a:xfrm>
+          <a:prstGeom prst="rect">
+            <a:avLst/>
+          </a:prstGeom>
+        </p:spPr>
+        <p:txBody>
+          <a:bodyPr vert="horz" lIns="91440" tIns="45720" rIns="91440" bIns="45720" rtlCol="0" anchor="ctr">
+            <a:normAutofit/>
+          </a:bodyPr>
+          <a:lstStyle>
+            <a:lvl1pPr algn="l" defTabSz="914400" rtl="0" eaLnBrk="1" latinLnBrk="0" hangingPunct="1">
+              <a:lnSpc>
+                <a:spcPct val="90000"/>
+              </a:lnSpc>
+              <a:spcBef>
+                <a:spcPct val="0"/>
+              </a:spcBef>
+              <a:buNone/>
+              <a:defRPr sz="4400" kern="1200">
+                <a:solidFill>
+                  <a:schemeClr val="tx1"/>
+                </a:solidFill>
+                <a:latin typeface="+mj-lt"/>
+                <a:ea typeface="+mj-ea"/>
+                <a:cs typeface="+mj-cs"/>
+              </a:defRPr>
+            </a:lvl1pPr>
+          </a:lstStyle>
+          <a:p>
+            <a:pPr algn="ctr"/>
+            <a:r>
+              <a:rPr lang="fr-FR" b="1" dirty="0"/>
+              <a:t>Features Engineering</a:t>
+            </a:r>
+          </a:p>
+        </p:txBody>
+      </p:sp>
+      <p:sp>
+        <p:nvSpPr>
+          <p:cNvPr id="6" name="ZoneTexte 5">
+            <a:extLst>
+              <a:ext uri="{FF2B5EF4-FFF2-40B4-BE49-F238E27FC236}">
+                <a16:creationId xmlns:a16="http://schemas.microsoft.com/office/drawing/2014/main" id="{5DEF3BAE-DADF-4A75-A798-934D9857AC32}"/>
+              </a:ext>
+            </a:extLst>
+          </p:cNvPr>
+          <p:cNvSpPr txBox="1"/>
+          <p:nvPr/>
+        </p:nvSpPr>
+        <p:spPr>
+          <a:xfrm>
+            <a:off x="1524000" y="4301238"/>
+            <a:ext cx="1671868" cy="369332"/>
+          </a:xfrm>
+          <a:prstGeom prst="rect">
+            <a:avLst/>
+          </a:prstGeom>
+          <a:noFill/>
+        </p:spPr>
+        <p:txBody>
+          <a:bodyPr wrap="none" rtlCol="0">
+            <a:spAutoFit/>
+          </a:bodyPr>
+          <a:lstStyle/>
+          <a:p>
+            <a:r>
+              <a:rPr lang="fr-FR" b="1" u="sng" dirty="0"/>
+              <a:t>Panier moyen : </a:t>
+            </a:r>
+          </a:p>
+        </p:txBody>
+      </p:sp>
+      <p:sp>
+        <p:nvSpPr>
+          <p:cNvPr id="7" name="ZoneTexte 6">
+            <a:extLst>
+              <a:ext uri="{FF2B5EF4-FFF2-40B4-BE49-F238E27FC236}">
+                <a16:creationId xmlns:a16="http://schemas.microsoft.com/office/drawing/2014/main" id="{589961ED-B42E-4D6C-A851-DB206DBBAF9B}"/>
+              </a:ext>
+            </a:extLst>
+          </p:cNvPr>
+          <p:cNvSpPr txBox="1"/>
+          <p:nvPr/>
+        </p:nvSpPr>
+        <p:spPr>
+          <a:xfrm>
+            <a:off x="7625983" y="1892678"/>
+            <a:ext cx="3143617" cy="369332"/>
+          </a:xfrm>
+          <a:prstGeom prst="rect">
+            <a:avLst/>
+          </a:prstGeom>
+          <a:noFill/>
+        </p:spPr>
+        <p:txBody>
+          <a:bodyPr wrap="none" rtlCol="0">
+            <a:spAutoFit/>
+          </a:bodyPr>
+          <a:lstStyle/>
+          <a:p>
+            <a:r>
+              <a:rPr lang="fr-FR" b="1" u="sng" dirty="0"/>
+              <a:t>Nombre total de commandes : </a:t>
+            </a:r>
+          </a:p>
+        </p:txBody>
+      </p:sp>
+      <p:sp>
+        <p:nvSpPr>
+          <p:cNvPr id="10" name="ZoneTexte 9">
+            <a:extLst>
+              <a:ext uri="{FF2B5EF4-FFF2-40B4-BE49-F238E27FC236}">
+                <a16:creationId xmlns:a16="http://schemas.microsoft.com/office/drawing/2014/main" id="{B984D029-F26C-4739-BC44-FF5424A1C63C}"/>
+              </a:ext>
+            </a:extLst>
+          </p:cNvPr>
+          <p:cNvSpPr txBox="1"/>
+          <p:nvPr/>
+        </p:nvSpPr>
+        <p:spPr>
+          <a:xfrm>
+            <a:off x="7248251" y="2466739"/>
+            <a:ext cx="3521349" cy="369332"/>
+          </a:xfrm>
+          <a:prstGeom prst="rect">
+            <a:avLst/>
+          </a:prstGeom>
+          <a:noFill/>
+        </p:spPr>
+        <p:txBody>
+          <a:bodyPr wrap="none" rtlCol="0">
+            <a:spAutoFit/>
+          </a:bodyPr>
+          <a:lstStyle/>
+          <a:p>
+            <a:r>
+              <a:rPr lang="fr-FR" dirty="0"/>
+              <a:t>Indique si le client est fidèle au site </a:t>
+            </a:r>
+          </a:p>
+        </p:txBody>
+      </p:sp>
+      <p:sp>
+        <p:nvSpPr>
+          <p:cNvPr id="11" name="ZoneTexte 10">
+            <a:extLst>
+              <a:ext uri="{FF2B5EF4-FFF2-40B4-BE49-F238E27FC236}">
+                <a16:creationId xmlns:a16="http://schemas.microsoft.com/office/drawing/2014/main" id="{140590A3-6B13-4AD0-9FA4-DF954A3D0463}"/>
+              </a:ext>
+            </a:extLst>
+          </p:cNvPr>
+          <p:cNvSpPr txBox="1"/>
+          <p:nvPr/>
+        </p:nvSpPr>
+        <p:spPr>
+          <a:xfrm>
+            <a:off x="1524000" y="4873428"/>
+            <a:ext cx="5601598" cy="369332"/>
+          </a:xfrm>
+          <a:prstGeom prst="rect">
+            <a:avLst/>
+          </a:prstGeom>
+          <a:noFill/>
+        </p:spPr>
+        <p:txBody>
+          <a:bodyPr wrap="none" rtlCol="0">
+            <a:spAutoFit/>
+          </a:bodyPr>
+          <a:lstStyle/>
+          <a:p>
+            <a:r>
+              <a:rPr lang="fr-FR" dirty="0"/>
+              <a:t>Permet d’identifier les clients achetant en grosse quantité</a:t>
+            </a:r>
+          </a:p>
+        </p:txBody>
+      </p:sp>
+    </p:spTree>
+    <p:extLst>
+      <p:ext uri="{BB962C8B-B14F-4D97-AF65-F5344CB8AC3E}">
+        <p14:creationId xmlns:p14="http://schemas.microsoft.com/office/powerpoint/2010/main" val="659306728"/>
+      </p:ext>
+    </p:extLst>
+  </p:cSld>
+  <p:clrMapOvr>
+    <a:masterClrMapping/>
+  </p:clrMapOvr>
+  <p:timing>
+    <p:tnLst>
+      <p:par>
+        <p:cTn id="1" dur="indefinite" restart="never" nodeType="tmRoot">
+          <p:childTnLst>
+            <p:seq concurrent="1" nextAc="seek">
+              <p:cTn id="2" dur="indefinite" nodeType="mainSeq">
+                <p:childTnLst>
                   <p:par>
-                    <p:cTn id="19" fill="hold">
+                    <p:cTn id="3" fill="hold">
                       <p:stCondLst>
                         <p:cond delay="indefinite"/>
                       </p:stCondLst>
                       <p:childTnLst>
                         <p:par>
-                          <p:cTn id="20" fill="hold">
+                          <p:cTn id="4" fill="hold">
                             <p:stCondLst>
                               <p:cond delay="0"/>
                             </p:stCondLst>
                             <p:childTnLst>
                               <p:par>
-                                <p:cTn id="21" presetID="1" presetClass="entr" presetSubtype="0" fill="hold" nodeType="clickEffect">
+                                <p:cTn id="5" presetID="1" presetClass="entr" presetSubtype="0" fill="hold" grpId="0" nodeType="clickEffect">
                                   <p:stCondLst>
                                     <p:cond delay="0"/>
                                   </p:stCondLst>
                                   <p:childTnLst>
                                     <p:set>
                                       <p:cBhvr>
-                                        <p:cTn id="22" dur="1" fill="hold">
+                                        <p:cTn id="6" dur="1" fill="hold">
+                                          <p:stCondLst>
+                                            <p:cond delay="0"/>
+                                          </p:stCondLst>
+                                        </p:cTn>
+                                        <p:tgtEl>
+                                          <p:spTgt spid="7"/>
+                                        </p:tgtEl>
+                                        <p:attrNameLst>
+                                          <p:attrName>style.visibility</p:attrName>
+                                        </p:attrNameLst>
+                                      </p:cBhvr>
+                                      <p:to>
+                                        <p:strVal val="visible"/>
+                                      </p:to>
+                                    </p:set>
+                                  </p:childTnLst>
+                                </p:cTn>
+                              </p:par>
+                              <p:par>
+                                <p:cTn id="7" presetID="1" presetClass="entr" presetSubtype="0" fill="hold" grpId="0" nodeType="withEffect">
+                                  <p:stCondLst>
+                                    <p:cond delay="0"/>
+                                  </p:stCondLst>
+                                  <p:childTnLst>
+                                    <p:set>
+                                      <p:cBhvr>
+                                        <p:cTn id="8" dur="1" fill="hold">
                                           <p:stCondLst>
                                             <p:cond delay="0"/>
                                           </p:stCondLst>
@@ -14578,26 +13870,53 @@
                     </p:cTn>
                   </p:par>
                   <p:par>
-                    <p:cTn id="23" fill="hold">
+                    <p:cTn id="9" fill="hold">
                       <p:stCondLst>
                         <p:cond delay="indefinite"/>
                       </p:stCondLst>
                       <p:childTnLst>
                         <p:par>
-                          <p:cTn id="24" fill="hold">
+                          <p:cTn id="10" fill="hold">
                             <p:stCondLst>
                               <p:cond delay="0"/>
                             </p:stCondLst>
                             <p:childTnLst>
                               <p:par>
-                                <p:cTn id="25" presetID="1" presetClass="entr" presetSubtype="0" fill="hold" nodeType="clickEffect">
+                                <p:cTn id="11" presetID="1" presetClass="entr" presetSubtype="0" fill="hold" grpId="0" nodeType="clickEffect">
                                   <p:stCondLst>
                                     <p:cond delay="0"/>
                                   </p:stCondLst>
                                   <p:childTnLst>
                                     <p:set>
                                       <p:cBhvr>
-                                        <p:cTn id="26" dur="1" fill="hold">
+                                        <p:cTn id="12" dur="1" fill="hold">
+                                          <p:stCondLst>
+                                            <p:cond delay="0"/>
+                                          </p:stCondLst>
+                                        </p:cTn>
+                                        <p:tgtEl>
+                                          <p:spTgt spid="6"/>
+                                        </p:tgtEl>
+                                        <p:attrNameLst>
+                                          <p:attrName>style.visibility</p:attrName>
+                                        </p:attrNameLst>
+                                      </p:cBhvr>
+                                      <p:to>
+                                        <p:strVal val="visible"/>
+                                      </p:to>
+                                    </p:set>
+                                  </p:childTnLst>
+                                </p:cTn>
+                              </p:par>
+                              <p:par>
+                                <p:cTn id="13" presetID="1" presetClass="entr" presetSubtype="0" fill="hold" grpId="0" nodeType="withEffect">
+                                  <p:stCondLst>
+                                    <p:cond delay="0"/>
+                                  </p:stCondLst>
+                                  <p:childTnLst>
+                                    <p:set>
+                                      <p:cBhvr>
+                                        <p:cTn id="14" dur="1" fill="hold">
                                           <p:stCondLst>
                                             <p:cond delay="0"/>
                                           </p:stCondLst>
@@ -14644,13 +13963,16 @@
       </p:par>
     </p:tnLst>
     <p:bldLst>
-      <p:bldP spid="5" grpId="0"/>
+      <p:bldP spid="6" grpId="0"/>
+      <p:bldP spid="7" grpId="0"/>
+      <p:bldP spid="10" grpId="0"/>
+      <p:bldP spid="11" grpId="0"/>
     </p:bldLst>
   </p:timing>
 </p:sld>
 </file>
 
-<file path=ppt/slides/slide9.xml><?xml version="1.0" encoding="utf-8"?>
+<file path=ppt/slides/slide8.xml><?xml version="1.0" encoding="utf-8"?>
 <p:sld xmlns:a="http://schemas.openxmlformats.org/drawingml/2006/main" xmlns:r="http://schemas.openxmlformats.org/officeDocument/2006/relationships" xmlns:p="http://schemas.openxmlformats.org/presentationml/2006/main">
   <p:cSld>
     <p:spTree>
@@ -14753,17 +14075,17 @@
             <a:pPr algn="ctr"/>
             <a:r>
               <a:rPr lang="fr-FR" b="1" dirty="0"/>
-              <a:t>Features Engineering</a:t>
-            </a:r>
-          </a:p>
-        </p:txBody>
-      </p:sp>
-      <p:sp>
-        <p:nvSpPr>
-          <p:cNvPr id="6" name="ZoneTexte 5">
-            <a:extLst>
-              <a:ext uri="{FF2B5EF4-FFF2-40B4-BE49-F238E27FC236}">
-                <a16:creationId xmlns:a16="http://schemas.microsoft.com/office/drawing/2014/main" id="{2DFBE44D-F12F-4274-80C1-AC48262CADD2}"/>
+              <a:t>Features Engineering - RFM</a:t>
+            </a:r>
+          </a:p>
+        </p:txBody>
+      </p:sp>
+      <p:sp>
+        <p:nvSpPr>
+          <p:cNvPr id="5" name="ZoneTexte 4">
+            <a:extLst>
+              <a:ext uri="{FF2B5EF4-FFF2-40B4-BE49-F238E27FC236}">
+                <a16:creationId xmlns:a16="http://schemas.microsoft.com/office/drawing/2014/main" id="{F789CFA1-5474-4FAC-986A-11123053F396}"/>
               </a:ext>
             </a:extLst>
           </p:cNvPr>
@@ -14772,8 +14094,8 @@
         </p:nvSpPr>
         <p:spPr>
           <a:xfrm>
-            <a:off x="1524000" y="1484415"/>
-            <a:ext cx="4144468" cy="369332"/>
+            <a:off x="1704774" y="1484415"/>
+            <a:ext cx="4446667" cy="369332"/>
           </a:xfrm>
           <a:prstGeom prst="rect">
             <a:avLst/>
@@ -14787,166 +14109,191 @@
           <a:lstStyle/>
           <a:p>
             <a:r>
-              <a:rPr lang="fr-FR" dirty="0"/>
-              <a:t>Nombre de jours entre deux commandes: </a:t>
-            </a:r>
-          </a:p>
-        </p:txBody>
-      </p:sp>
-      <p:pic>
-        <p:nvPicPr>
-          <p:cNvPr id="12" name="Image 11">
-            <a:extLst>
-              <a:ext uri="{FF2B5EF4-FFF2-40B4-BE49-F238E27FC236}">
-                <a16:creationId xmlns:a16="http://schemas.microsoft.com/office/drawing/2014/main" id="{C26B0EC1-89F7-430C-B73E-C0B4DB8C2A58}"/>
-              </a:ext>
-            </a:extLst>
-          </p:cNvPr>
-          <p:cNvPicPr>
-            <a:picLocks noChangeAspect="1"/>
-          </p:cNvPicPr>
+              <a:rPr lang="fr-FR" b="1" u="sng" dirty="0"/>
+              <a:t>Nombre de commande sur l’année en cours: </a:t>
+            </a:r>
+          </a:p>
+        </p:txBody>
+      </p:sp>
+      <p:sp>
+        <p:nvSpPr>
+          <p:cNvPr id="12" name="ZoneTexte 11">
+            <a:extLst>
+              <a:ext uri="{FF2B5EF4-FFF2-40B4-BE49-F238E27FC236}">
+                <a16:creationId xmlns:a16="http://schemas.microsoft.com/office/drawing/2014/main" id="{26C4F017-6366-49AB-BD48-898E53350A5F}"/>
+              </a:ext>
+            </a:extLst>
+          </p:cNvPr>
+          <p:cNvSpPr txBox="1"/>
           <p:nvPr/>
-        </p:nvPicPr>
-        <p:blipFill>
-          <a:blip r:embed="rId4"/>
-          <a:stretch>
-            <a:fillRect/>
-          </a:stretch>
-        </p:blipFill>
+        </p:nvSpPr>
         <p:spPr>
           <a:xfrm>
-            <a:off x="3129937" y="2358148"/>
-            <a:ext cx="5077057" cy="249011"/>
+            <a:off x="6151441" y="3367674"/>
+            <a:ext cx="4798621" cy="369332"/>
           </a:xfrm>
           <a:prstGeom prst="rect">
             <a:avLst/>
           </a:prstGeom>
+          <a:noFill/>
         </p:spPr>
-      </p:pic>
-      <p:pic>
-        <p:nvPicPr>
-          <p:cNvPr id="13" name="Image 12">
-            <a:extLst>
-              <a:ext uri="{FF2B5EF4-FFF2-40B4-BE49-F238E27FC236}">
-                <a16:creationId xmlns:a16="http://schemas.microsoft.com/office/drawing/2014/main" id="{14502125-7939-44D8-975C-73CDB7901A49}"/>
-              </a:ext>
-            </a:extLst>
-          </p:cNvPr>
-          <p:cNvPicPr>
-            <a:picLocks noChangeAspect="1"/>
-          </p:cNvPicPr>
+        <p:txBody>
+          <a:bodyPr wrap="none" rtlCol="0">
+            <a:spAutoFit/>
+          </a:bodyPr>
+          <a:lstStyle/>
+          <a:p>
+            <a:r>
+              <a:rPr lang="fr-FR" b="1" u="sng" dirty="0"/>
+              <a:t>Nombre de jours depuis la dernière commande: </a:t>
+            </a:r>
+          </a:p>
+        </p:txBody>
+      </p:sp>
+      <p:sp>
+        <p:nvSpPr>
+          <p:cNvPr id="13" name="ZoneTexte 12">
+            <a:extLst>
+              <a:ext uri="{FF2B5EF4-FFF2-40B4-BE49-F238E27FC236}">
+                <a16:creationId xmlns:a16="http://schemas.microsoft.com/office/drawing/2014/main" id="{C172BC87-8E8F-4656-9175-89057401BC09}"/>
+              </a:ext>
+            </a:extLst>
+          </p:cNvPr>
+          <p:cNvSpPr txBox="1"/>
           <p:nvPr/>
-        </p:nvPicPr>
-        <p:blipFill>
-          <a:blip r:embed="rId5"/>
-          <a:stretch>
-            <a:fillRect/>
-          </a:stretch>
-        </p:blipFill>
+        </p:nvSpPr>
         <p:spPr>
           <a:xfrm>
-            <a:off x="1614215" y="2976491"/>
-            <a:ext cx="8963564" cy="472477"/>
+            <a:off x="1704774" y="5250934"/>
+            <a:ext cx="2221890" cy="369332"/>
           </a:xfrm>
           <a:prstGeom prst="rect">
             <a:avLst/>
           </a:prstGeom>
+          <a:noFill/>
         </p:spPr>
-      </p:pic>
-      <p:pic>
-        <p:nvPicPr>
-          <p:cNvPr id="14" name="Image 13">
-            <a:extLst>
-              <a:ext uri="{FF2B5EF4-FFF2-40B4-BE49-F238E27FC236}">
-                <a16:creationId xmlns:a16="http://schemas.microsoft.com/office/drawing/2014/main" id="{C3D49A4C-2EDC-4045-A541-8150856644BC}"/>
-              </a:ext>
-            </a:extLst>
-          </p:cNvPr>
-          <p:cNvPicPr>
-            <a:picLocks noChangeAspect="1"/>
-          </p:cNvPicPr>
+        <p:txBody>
+          <a:bodyPr wrap="none" rtlCol="0">
+            <a:spAutoFit/>
+          </a:bodyPr>
+          <a:lstStyle/>
+          <a:p>
+            <a:r>
+              <a:rPr lang="fr-FR" b="1" u="sng" dirty="0"/>
+              <a:t>Revenu total généré: </a:t>
+            </a:r>
+          </a:p>
+        </p:txBody>
+      </p:sp>
+      <p:sp>
+        <p:nvSpPr>
+          <p:cNvPr id="14" name="ZoneTexte 13">
+            <a:extLst>
+              <a:ext uri="{FF2B5EF4-FFF2-40B4-BE49-F238E27FC236}">
+                <a16:creationId xmlns:a16="http://schemas.microsoft.com/office/drawing/2014/main" id="{4A40E1BD-E517-4C95-A561-9415783D4605}"/>
+              </a:ext>
+            </a:extLst>
+          </p:cNvPr>
+          <p:cNvSpPr txBox="1"/>
           <p:nvPr/>
-        </p:nvPicPr>
-        <p:blipFill>
-          <a:blip r:embed="rId6"/>
-          <a:stretch>
-            <a:fillRect/>
-          </a:stretch>
-        </p:blipFill>
+        </p:nvSpPr>
         <p:spPr>
           <a:xfrm>
-            <a:off x="2212179" y="3824700"/>
-            <a:ext cx="7767637" cy="288224"/>
+            <a:off x="1704774" y="5620266"/>
+            <a:ext cx="7117589" cy="369332"/>
           </a:xfrm>
           <a:prstGeom prst="rect">
             <a:avLst/>
           </a:prstGeom>
+          <a:noFill/>
         </p:spPr>
-      </p:pic>
-      <p:pic>
-        <p:nvPicPr>
-          <p:cNvPr id="15" name="Image 14">
-            <a:extLst>
-              <a:ext uri="{FF2B5EF4-FFF2-40B4-BE49-F238E27FC236}">
-                <a16:creationId xmlns:a16="http://schemas.microsoft.com/office/drawing/2014/main" id="{884300E3-6FA3-480D-A6F3-4DC7CA1AD8FD}"/>
-              </a:ext>
-            </a:extLst>
-          </p:cNvPr>
-          <p:cNvPicPr>
-            <a:picLocks noChangeAspect="1"/>
-          </p:cNvPicPr>
+        <p:txBody>
+          <a:bodyPr wrap="none" rtlCol="0">
+            <a:spAutoFit/>
+          </a:bodyPr>
+          <a:lstStyle/>
+          <a:p>
+            <a:r>
+              <a:rPr lang="fr-FR" dirty="0"/>
+              <a:t>Permet d’identifier les clients achetant beaucoup (quantités ou montants)</a:t>
+            </a:r>
+          </a:p>
+        </p:txBody>
+      </p:sp>
+      <p:sp>
+        <p:nvSpPr>
+          <p:cNvPr id="15" name="ZoneTexte 14">
+            <a:extLst>
+              <a:ext uri="{FF2B5EF4-FFF2-40B4-BE49-F238E27FC236}">
+                <a16:creationId xmlns:a16="http://schemas.microsoft.com/office/drawing/2014/main" id="{CB53BAF6-C5C0-43D0-9F53-7949733599D7}"/>
+              </a:ext>
+            </a:extLst>
+          </p:cNvPr>
+          <p:cNvSpPr txBox="1"/>
           <p:nvPr/>
-        </p:nvPicPr>
-        <p:blipFill>
-          <a:blip r:embed="rId7"/>
-          <a:stretch>
-            <a:fillRect/>
-          </a:stretch>
-        </p:blipFill>
+        </p:nvSpPr>
         <p:spPr>
           <a:xfrm>
-            <a:off x="1402455" y="4488656"/>
-            <a:ext cx="9387086" cy="317972"/>
+            <a:off x="1704773" y="1853747"/>
+            <a:ext cx="4008149" cy="369332"/>
           </a:xfrm>
           <a:prstGeom prst="rect">
             <a:avLst/>
           </a:prstGeom>
+          <a:noFill/>
         </p:spPr>
-      </p:pic>
-      <p:pic>
-        <p:nvPicPr>
-          <p:cNvPr id="16" name="Image 15">
-            <a:extLst>
-              <a:ext uri="{FF2B5EF4-FFF2-40B4-BE49-F238E27FC236}">
-                <a16:creationId xmlns:a16="http://schemas.microsoft.com/office/drawing/2014/main" id="{23471F2A-2A14-4654-8ED2-86F2D080720E}"/>
-              </a:ext>
-            </a:extLst>
-          </p:cNvPr>
-          <p:cNvPicPr>
-            <a:picLocks noChangeAspect="1"/>
-          </p:cNvPicPr>
+        <p:txBody>
+          <a:bodyPr wrap="none" rtlCol="0">
+            <a:spAutoFit/>
+          </a:bodyPr>
+          <a:lstStyle/>
+          <a:p>
+            <a:r>
+              <a:rPr lang="fr-FR" dirty="0"/>
+              <a:t>Permet d’identifier les clients récurrents</a:t>
+            </a:r>
+          </a:p>
+        </p:txBody>
+      </p:sp>
+      <p:sp>
+        <p:nvSpPr>
+          <p:cNvPr id="16" name="ZoneTexte 15">
+            <a:extLst>
+              <a:ext uri="{FF2B5EF4-FFF2-40B4-BE49-F238E27FC236}">
+                <a16:creationId xmlns:a16="http://schemas.microsoft.com/office/drawing/2014/main" id="{7F2C5B6E-4625-4942-9BCE-E530E291D28A}"/>
+              </a:ext>
+            </a:extLst>
+          </p:cNvPr>
+          <p:cNvSpPr txBox="1"/>
           <p:nvPr/>
-        </p:nvPicPr>
-        <p:blipFill>
-          <a:blip r:embed="rId8"/>
-          <a:stretch>
-            <a:fillRect/>
-          </a:stretch>
-        </p:blipFill>
+        </p:nvSpPr>
         <p:spPr>
           <a:xfrm>
-            <a:off x="2427270" y="5182360"/>
-            <a:ext cx="6482393" cy="932399"/>
+            <a:off x="7006354" y="3737006"/>
+            <a:ext cx="3884781" cy="369332"/>
           </a:xfrm>
           <a:prstGeom prst="rect">
             <a:avLst/>
           </a:prstGeom>
+          <a:noFill/>
         </p:spPr>
-      </p:pic>
+        <p:txBody>
+          <a:bodyPr wrap="none" rtlCol="0">
+            <a:spAutoFit/>
+          </a:bodyPr>
+          <a:lstStyle/>
+          <a:p>
+            <a:r>
+              <a:rPr lang="fr-FR" dirty="0"/>
+              <a:t>Permet d’identifier l’activité des clients</a:t>
+            </a:r>
+          </a:p>
+        </p:txBody>
+      </p:sp>
     </p:spTree>
     <p:extLst>
       <p:ext uri="{BB962C8B-B14F-4D97-AF65-F5344CB8AC3E}">
-        <p14:creationId xmlns:p14="http://schemas.microsoft.com/office/powerpoint/2010/main" val="1734136470"/>
+        <p14:creationId xmlns:p14="http://schemas.microsoft.com/office/powerpoint/2010/main" val="1450169038"/>
       </p:ext>
     </p:extLst>
   </p:cSld>
@@ -14974,7 +14321,7 @@
                             </p:stCondLst>
                             <p:childTnLst>
                               <p:par>
-                                <p:cTn id="5" presetID="1" presetClass="entr" presetSubtype="0" fill="hold" nodeType="clickEffect">
+                                <p:cTn id="5" presetID="1" presetClass="entr" presetSubtype="0" fill="hold" grpId="0" nodeType="clickEffect">
                                   <p:stCondLst>
                                     <p:cond delay="0"/>
                                   </p:stCondLst>
@@ -14987,7 +14334,34 @@
                                           </p:stCondLst>
                                         </p:cTn>
                                         <p:tgtEl>
-                                          <p:spTgt spid="12"/>
+                                          <p:spTgt spid="5"/>
+                                        </p:tgtEl>
+                                        <p:attrNameLst>
+                                          <p:attrName>style.visibility</p:attrName>
+                                        </p:attrNameLst>
+                                      </p:cBhvr>
+                                      <p:to>
+                                        <p:strVal val="visible"/>
+                                      </p:to>
+                                    </p:set>
+                                  </p:childTnLst>
+                                </p:cTn>
+                              </p:par>
+                              <p:par>
+                                <p:cTn id="7" presetID="1" presetClass="entr" presetSubtype="0" fill="hold" grpId="0" nodeType="withEffect">
+                                  <p:stCondLst>
+                                    <p:cond delay="0"/>
+                                  </p:stCondLst>
+                                  <p:childTnLst>
+                                    <p:set>
+                                      <p:cBhvr>
+                                        <p:cTn id="8" dur="1" fill="hold">
+                                          <p:stCondLst>
+                                            <p:cond delay="0"/>
+                                          </p:stCondLst>
+                                        </p:cTn>
+                                        <p:tgtEl>
+                                          <p:spTgt spid="15"/>
                                         </p:tgtEl>
                                         <p:attrNameLst>
                                           <p:attrName>style.visibility</p:attrName>
@@ -15007,32 +14381,32 @@
                     </p:cTn>
                   </p:par>
                   <p:par>
-                    <p:cTn id="7" fill="hold">
+                    <p:cTn id="9" fill="hold">
                       <p:stCondLst>
                         <p:cond delay="indefinite"/>
                       </p:stCondLst>
                       <p:childTnLst>
                         <p:par>
-                          <p:cTn id="8" fill="hold">
+                          <p:cTn id="10" fill="hold">
                             <p:stCondLst>
                               <p:cond delay="0"/>
                             </p:stCondLst>
                             <p:childTnLst>
                               <p:par>
-                                <p:cTn id="9" presetID="1" presetClass="entr" presetSubtype="0" fill="hold" nodeType="clickEffect">
+                                <p:cTn id="11" presetID="1" presetClass="entr" presetSubtype="0" fill="hold" grpId="0" nodeType="clickEffect">
                                   <p:stCondLst>
                                     <p:cond delay="0"/>
                                   </p:stCondLst>
                                   <p:childTnLst>
                                     <p:set>
                                       <p:cBhvr>
-                                        <p:cTn id="10" dur="1" fill="hold">
+                                        <p:cTn id="12" dur="1" fill="hold">
                                           <p:stCondLst>
                                             <p:cond delay="0"/>
                                           </p:stCondLst>
                                         </p:cTn>
                                         <p:tgtEl>
-                                          <p:spTgt spid="13"/>
+                                          <p:spTgt spid="12"/>
                                         </p:tgtEl>
                                         <p:attrNameLst>
                                           <p:attrName>style.visibility</p:attrName>
@@ -15045,26 +14419,8 @@
                                   </p:childTnLst>
                                 </p:cTn>
                               </p:par>
-                            </p:childTnLst>
-                          </p:cTn>
-                        </p:par>
-                      </p:childTnLst>
-                    </p:cTn>
-                  </p:par>
-                  <p:par>
-                    <p:cTn id="11" fill="hold">
-                      <p:stCondLst>
-                        <p:cond delay="indefinite"/>
-                      </p:stCondLst>
-                      <p:childTnLst>
-                        <p:par>
-                          <p:cTn id="12" fill="hold">
-                            <p:stCondLst>
-                              <p:cond delay="0"/>
-                            </p:stCondLst>
-                            <p:childTnLst>
                               <p:par>
-                                <p:cTn id="13" presetID="1" presetClass="entr" presetSubtype="0" fill="hold" nodeType="clickEffect">
+                                <p:cTn id="13" presetID="1" presetClass="entr" presetSubtype="0" fill="hold" grpId="0" nodeType="withEffect">
                                   <p:stCondLst>
                                     <p:cond delay="0"/>
                                   </p:stCondLst>
@@ -15077,7 +14433,7 @@
                                           </p:stCondLst>
                                         </p:cTn>
                                         <p:tgtEl>
-                                          <p:spTgt spid="14"/>
+                                          <p:spTgt spid="16"/>
                                         </p:tgtEl>
                                         <p:attrNameLst>
                                           <p:attrName>style.visibility</p:attrName>
@@ -15109,7 +14465,7 @@
                             </p:stCondLst>
                             <p:childTnLst>
                               <p:par>
-                                <p:cTn id="17" presetID="1" presetClass="entr" presetSubtype="0" fill="hold" nodeType="clickEffect">
+                                <p:cTn id="17" presetID="1" presetClass="entr" presetSubtype="0" fill="hold" grpId="0" nodeType="clickEffect">
                                   <p:stCondLst>
                                     <p:cond delay="0"/>
                                   </p:stCondLst>
@@ -15122,7 +14478,7 @@
                                           </p:stCondLst>
                                         </p:cTn>
                                         <p:tgtEl>
-                                          <p:spTgt spid="15"/>
+                                          <p:spTgt spid="13"/>
                                         </p:tgtEl>
                                         <p:attrNameLst>
                                           <p:attrName>style.visibility</p:attrName>
@@ -15135,39 +14491,21 @@
                                   </p:childTnLst>
                                 </p:cTn>
                               </p:par>
-                            </p:childTnLst>
-                          </p:cTn>
-                        </p:par>
-                      </p:childTnLst>
-                    </p:cTn>
-                  </p:par>
-                  <p:par>
-                    <p:cTn id="19" fill="hold">
-                      <p:stCondLst>
-                        <p:cond delay="indefinite"/>
-                      </p:stCondLst>
-                      <p:childTnLst>
-                        <p:par>
-                          <p:cTn id="20" fill="hold">
-                            <p:stCondLst>
-                              <p:cond delay="0"/>
-                            </p:stCondLst>
-                            <p:childTnLst>
                               <p:par>
-                                <p:cTn id="21" presetID="1" presetClass="entr" presetSubtype="0" fill="hold" nodeType="clickEffect">
+                                <p:cTn id="19" presetID="1" presetClass="entr" presetSubtype="0" fill="hold" grpId="0" nodeType="withEffect">
                                   <p:stCondLst>
                                     <p:cond delay="0"/>
                                   </p:stCondLst>
                                   <p:childTnLst>
                                     <p:set>
                                       <p:cBhvr>
-                                        <p:cTn id="22" dur="1" fill="hold">
+                                        <p:cTn id="20" dur="1" fill="hold">
                                           <p:stCondLst>
                                             <p:cond delay="0"/>
                                           </p:stCondLst>
                                         </p:cTn>
                                         <p:tgtEl>
-                                          <p:spTgt spid="16"/>
+                                          <p:spTgt spid="14"/>
                                         </p:tgtEl>
                                         <p:attrNameLst>
                                           <p:attrName>style.visibility</p:attrName>
@@ -15207,7 +14545,596 @@
         </p:cTn>
       </p:par>
     </p:tnLst>
+    <p:bldLst>
+      <p:bldP spid="5" grpId="0"/>
+      <p:bldP spid="12" grpId="0"/>
+      <p:bldP spid="13" grpId="0"/>
+      <p:bldP spid="14" grpId="0"/>
+      <p:bldP spid="15" grpId="0"/>
+      <p:bldP spid="16" grpId="0"/>
+    </p:bldLst>
   </p:timing>
+</p:sld>
+</file>
+
+<file path=ppt/slides/slide9.xml><?xml version="1.0" encoding="utf-8"?>
+<p:sld xmlns:a="http://schemas.openxmlformats.org/drawingml/2006/main" xmlns:r="http://schemas.openxmlformats.org/officeDocument/2006/relationships" xmlns:p="http://schemas.openxmlformats.org/presentationml/2006/main">
+  <p:cSld>
+    <p:bg>
+      <p:bgPr>
+        <a:solidFill>
+          <a:schemeClr val="bg1"/>
+        </a:solidFill>
+        <a:effectLst/>
+      </p:bgPr>
+    </p:bg>
+    <p:spTree>
+      <p:nvGrpSpPr>
+        <p:cNvPr id="1" name=""/>
+        <p:cNvGrpSpPr/>
+        <p:nvPr/>
+      </p:nvGrpSpPr>
+      <p:grpSpPr>
+        <a:xfrm>
+          <a:off x="0" y="0"/>
+          <a:ext cx="0" cy="0"/>
+          <a:chOff x="0" y="0"/>
+          <a:chExt cx="0" cy="0"/>
+        </a:xfrm>
+      </p:grpSpPr>
+      <p:sp>
+        <p:nvSpPr>
+          <p:cNvPr id="13" name="Rectangle 12">
+            <a:extLst>
+              <a:ext uri="{FF2B5EF4-FFF2-40B4-BE49-F238E27FC236}">
+                <a16:creationId xmlns:a16="http://schemas.microsoft.com/office/drawing/2014/main" id="{C0B27210-D0CA-4654-B3E3-9ABB4F178EA1}"/>
+              </a:ext>
+              <a:ext uri="{C183D7F6-B498-43B3-948B-1728B52AA6E4}">
+                <adec:decorative xmlns:adec="http://schemas.microsoft.com/office/drawing/2017/decorative" val="1"/>
+              </a:ext>
+            </a:extLst>
+          </p:cNvPr>
+          <p:cNvSpPr>
+            <a:spLocks noGrp="1" noRot="1" noChangeAspect="1" noMove="1" noResize="1" noEditPoints="1" noAdjustHandles="1" noChangeArrowheads="1" noChangeShapeType="1" noTextEdit="1"/>
+          </p:cNvSpPr>
+          <p:nvPr>
+            <p:extLst>
+              <p:ext uri="{386F3935-93C4-4BCD-93E2-E3B085C9AB24}">
+                <p16:designElem xmlns:p16="http://schemas.microsoft.com/office/powerpoint/2015/main" val="1"/>
+              </p:ext>
+            </p:extLst>
+          </p:nvPr>
+        </p:nvSpPr>
+        <p:spPr>
+          <a:xfrm>
+            <a:off x="0" y="0"/>
+            <a:ext cx="12192000" cy="6858000"/>
+          </a:xfrm>
+          <a:prstGeom prst="rect">
+            <a:avLst/>
+          </a:prstGeom>
+          <a:solidFill>
+            <a:schemeClr val="tx1">
+              <a:lumMod val="75000"/>
+              <a:lumOff val="25000"/>
+            </a:schemeClr>
+          </a:solidFill>
+          <a:ln>
+            <a:noFill/>
+          </a:ln>
+        </p:spPr>
+        <p:style>
+          <a:lnRef idx="2">
+            <a:schemeClr val="accent1">
+              <a:shade val="50000"/>
+            </a:schemeClr>
+          </a:lnRef>
+          <a:fillRef idx="1">
+            <a:schemeClr val="accent1"/>
+          </a:fillRef>
+          <a:effectRef idx="0">
+            <a:schemeClr val="accent1"/>
+          </a:effectRef>
+          <a:fontRef idx="minor">
+            <a:schemeClr val="lt1"/>
+          </a:fontRef>
+        </p:style>
+        <p:txBody>
+          <a:bodyPr rtlCol="0" anchor="ctr"/>
+          <a:lstStyle/>
+          <a:p>
+            <a:pPr algn="ctr"/>
+            <a:endParaRPr lang="en-US"/>
+          </a:p>
+        </p:txBody>
+      </p:sp>
+      <p:sp>
+        <p:nvSpPr>
+          <p:cNvPr id="2" name="Titre 1">
+            <a:extLst>
+              <a:ext uri="{FF2B5EF4-FFF2-40B4-BE49-F238E27FC236}">
+                <a16:creationId xmlns:a16="http://schemas.microsoft.com/office/drawing/2014/main" id="{612FA98D-5214-442A-97A7-973984024AE3}"/>
+              </a:ext>
+            </a:extLst>
+          </p:cNvPr>
+          <p:cNvSpPr>
+            <a:spLocks noGrp="1"/>
+          </p:cNvSpPr>
+          <p:nvPr>
+            <p:ph type="title"/>
+          </p:nvPr>
+        </p:nvSpPr>
+        <p:spPr>
+          <a:xfrm>
+            <a:off x="6332659" y="1946429"/>
+            <a:ext cx="5539666" cy="2965142"/>
+          </a:xfrm>
+        </p:spPr>
+        <p:txBody>
+          <a:bodyPr vert="horz" lIns="91440" tIns="45720" rIns="91440" bIns="45720" rtlCol="0" anchor="b">
+            <a:normAutofit/>
+          </a:bodyPr>
+          <a:lstStyle/>
+          <a:p>
+            <a:br>
+              <a:rPr lang="en-US" sz="6000" dirty="0">
+                <a:solidFill>
+                  <a:schemeClr val="bg1"/>
+                </a:solidFill>
+              </a:rPr>
+            </a:br>
+            <a:endParaRPr lang="en-US" sz="6000" kern="1200" dirty="0">
+              <a:solidFill>
+                <a:schemeClr val="bg1"/>
+              </a:solidFill>
+              <a:latin typeface="+mj-lt"/>
+              <a:ea typeface="+mj-ea"/>
+              <a:cs typeface="+mj-cs"/>
+            </a:endParaRPr>
+          </a:p>
+        </p:txBody>
+      </p:sp>
+      <p:sp>
+        <p:nvSpPr>
+          <p:cNvPr id="15" name="Freeform: Shape 14">
+            <a:extLst>
+              <a:ext uri="{FF2B5EF4-FFF2-40B4-BE49-F238E27FC236}">
+                <a16:creationId xmlns:a16="http://schemas.microsoft.com/office/drawing/2014/main" id="{1DB7C82F-AB7E-4F0C-B829-FA1B9C415180}"/>
+              </a:ext>
+              <a:ext uri="{C183D7F6-B498-43B3-948B-1728B52AA6E4}">
+                <adec:decorative xmlns:adec="http://schemas.microsoft.com/office/drawing/2017/decorative" val="1"/>
+              </a:ext>
+            </a:extLst>
+          </p:cNvPr>
+          <p:cNvSpPr>
+            <a:spLocks noGrp="1" noRot="1" noChangeAspect="1" noMove="1" noResize="1" noEditPoints="1" noAdjustHandles="1" noChangeArrowheads="1" noChangeShapeType="1" noTextEdit="1"/>
+          </p:cNvSpPr>
+          <p:nvPr>
+            <p:extLst>
+              <p:ext uri="{386F3935-93C4-4BCD-93E2-E3B085C9AB24}">
+                <p16:designElem xmlns:p16="http://schemas.microsoft.com/office/powerpoint/2015/main" val="1"/>
+              </p:ext>
+            </p:extLst>
+          </p:nvPr>
+        </p:nvSpPr>
+        <p:spPr>
+          <a:xfrm flipH="1">
+            <a:off x="0" y="0"/>
+            <a:ext cx="6172782" cy="6858000"/>
+          </a:xfrm>
+          <a:custGeom>
+            <a:avLst/>
+            <a:gdLst>
+              <a:gd name="connsiteX0" fmla="*/ 6172782 w 6172782"/>
+              <a:gd name="connsiteY0" fmla="*/ 0 h 6858000"/>
+              <a:gd name="connsiteX1" fmla="*/ 69075 w 6172782"/>
+              <a:gd name="connsiteY1" fmla="*/ 0 h 6858000"/>
+              <a:gd name="connsiteX2" fmla="*/ 35131 w 6172782"/>
+              <a:gd name="connsiteY2" fmla="*/ 267128 h 6858000"/>
+              <a:gd name="connsiteX3" fmla="*/ 0 w 6172782"/>
+              <a:gd name="connsiteY3" fmla="*/ 962845 h 6858000"/>
+              <a:gd name="connsiteX4" fmla="*/ 3276103 w 6172782"/>
+              <a:gd name="connsiteY4" fmla="*/ 6782205 h 6858000"/>
+              <a:gd name="connsiteX5" fmla="*/ 3407923 w 6172782"/>
+              <a:gd name="connsiteY5" fmla="*/ 6858000 h 6858000"/>
+              <a:gd name="connsiteX6" fmla="*/ 6172782 w 6172782"/>
+              <a:gd name="connsiteY6" fmla="*/ 6858000 h 6858000"/>
+            </a:gdLst>
+            <a:ahLst/>
+            <a:cxnLst>
+              <a:cxn ang="0">
+                <a:pos x="connsiteX0" y="connsiteY0"/>
+              </a:cxn>
+              <a:cxn ang="0">
+                <a:pos x="connsiteX1" y="connsiteY1"/>
+              </a:cxn>
+              <a:cxn ang="0">
+                <a:pos x="connsiteX2" y="connsiteY2"/>
+              </a:cxn>
+              <a:cxn ang="0">
+                <a:pos x="connsiteX3" y="connsiteY3"/>
+              </a:cxn>
+              <a:cxn ang="0">
+                <a:pos x="connsiteX4" y="connsiteY4"/>
+              </a:cxn>
+              <a:cxn ang="0">
+                <a:pos x="connsiteX5" y="connsiteY5"/>
+              </a:cxn>
+              <a:cxn ang="0">
+                <a:pos x="connsiteX6" y="connsiteY6"/>
+              </a:cxn>
+            </a:cxnLst>
+            <a:rect l="l" t="t" r="r" b="b"/>
+            <a:pathLst>
+              <a:path w="6172782" h="6858000">
+                <a:moveTo>
+                  <a:pt x="6172782" y="0"/>
+                </a:moveTo>
+                <a:lnTo>
+                  <a:pt x="69075" y="0"/>
+                </a:lnTo>
+                <a:lnTo>
+                  <a:pt x="35131" y="267128"/>
+                </a:lnTo>
+                <a:cubicBezTo>
+                  <a:pt x="11901" y="495874"/>
+                  <a:pt x="0" y="727970"/>
+                  <a:pt x="0" y="962845"/>
+                </a:cubicBezTo>
+                <a:cubicBezTo>
+                  <a:pt x="0" y="3429034"/>
+                  <a:pt x="1312002" y="5588789"/>
+                  <a:pt x="3276103" y="6782205"/>
+                </a:cubicBezTo>
+                <a:lnTo>
+                  <a:pt x="3407923" y="6858000"/>
+                </a:lnTo>
+                <a:lnTo>
+                  <a:pt x="6172782" y="6858000"/>
+                </a:lnTo>
+                <a:close/>
+              </a:path>
+            </a:pathLst>
+          </a:custGeom>
+          <a:solidFill>
+            <a:schemeClr val="bg1">
+              <a:alpha val="80000"/>
+            </a:schemeClr>
+          </a:solidFill>
+          <a:ln>
+            <a:noFill/>
+          </a:ln>
+        </p:spPr>
+        <p:style>
+          <a:lnRef idx="2">
+            <a:schemeClr val="accent1">
+              <a:shade val="50000"/>
+            </a:schemeClr>
+          </a:lnRef>
+          <a:fillRef idx="1">
+            <a:schemeClr val="accent1"/>
+          </a:fillRef>
+          <a:effectRef idx="0">
+            <a:schemeClr val="accent1"/>
+          </a:effectRef>
+          <a:fontRef idx="minor">
+            <a:schemeClr val="lt1"/>
+          </a:fontRef>
+        </p:style>
+        <p:txBody>
+          <a:bodyPr wrap="square" rtlCol="0" anchor="ctr">
+            <a:noAutofit/>
+          </a:bodyPr>
+          <a:lstStyle/>
+          <a:p>
+            <a:pPr marL="0" marR="0" lvl="0" indent="0" algn="ctr" defTabSz="914400" rtl="0" eaLnBrk="1" fontAlgn="auto" latinLnBrk="0" hangingPunct="1">
+              <a:lnSpc>
+                <a:spcPct val="100000"/>
+              </a:lnSpc>
+              <a:spcBef>
+                <a:spcPts val="0"/>
+              </a:spcBef>
+              <a:spcAft>
+                <a:spcPts val="0"/>
+              </a:spcAft>
+              <a:buClrTx/>
+              <a:buSzTx/>
+              <a:buFontTx/>
+              <a:buNone/>
+              <a:tabLst/>
+              <a:defRPr/>
+            </a:pPr>
+            <a:endParaRPr kumimoji="0" lang="en-US" sz="1800" b="0" i="0" u="none" strike="noStrike" kern="1200" cap="none" spc="0" normalizeH="0" baseline="0" noProof="0">
+              <a:ln>
+                <a:noFill/>
+              </a:ln>
+              <a:solidFill>
+                <a:prstClr val="white"/>
+              </a:solidFill>
+              <a:effectLst/>
+              <a:uLnTx/>
+              <a:uFillTx/>
+              <a:latin typeface="Calibri" panose="020F0502020204030204"/>
+              <a:ea typeface="+mn-ea"/>
+              <a:cs typeface="+mn-cs"/>
+            </a:endParaRPr>
+          </a:p>
+        </p:txBody>
+      </p:sp>
+      <p:sp>
+        <p:nvSpPr>
+          <p:cNvPr id="17" name="Freeform: Shape 16">
+            <a:extLst>
+              <a:ext uri="{FF2B5EF4-FFF2-40B4-BE49-F238E27FC236}">
+                <a16:creationId xmlns:a16="http://schemas.microsoft.com/office/drawing/2014/main" id="{70B66945-4967-4040-926D-DCA44313CDAB}"/>
+              </a:ext>
+              <a:ext uri="{C183D7F6-B498-43B3-948B-1728B52AA6E4}">
+                <adec:decorative xmlns:adec="http://schemas.microsoft.com/office/drawing/2017/decorative" val="1"/>
+              </a:ext>
+            </a:extLst>
+          </p:cNvPr>
+          <p:cNvSpPr>
+            <a:spLocks noGrp="1" noRot="1" noChangeAspect="1" noMove="1" noResize="1" noEditPoints="1" noAdjustHandles="1" noChangeArrowheads="1" noChangeShapeType="1" noTextEdit="1"/>
+          </p:cNvSpPr>
+          <p:nvPr>
+            <p:extLst>
+              <p:ext uri="{386F3935-93C4-4BCD-93E2-E3B085C9AB24}">
+                <p16:designElem xmlns:p16="http://schemas.microsoft.com/office/powerpoint/2015/main" val="1"/>
+              </p:ext>
+            </p:extLst>
+          </p:nvPr>
+        </p:nvSpPr>
+        <p:spPr>
+          <a:xfrm>
+            <a:off x="0" y="0"/>
+            <a:ext cx="6024154" cy="6858000"/>
+          </a:xfrm>
+          <a:custGeom>
+            <a:avLst/>
+            <a:gdLst>
+              <a:gd name="connsiteX0" fmla="*/ 0 w 6024154"/>
+              <a:gd name="connsiteY0" fmla="*/ 0 h 6858000"/>
+              <a:gd name="connsiteX1" fmla="*/ 5953780 w 6024154"/>
+              <a:gd name="connsiteY1" fmla="*/ 0 h 6858000"/>
+              <a:gd name="connsiteX2" fmla="*/ 5989880 w 6024154"/>
+              <a:gd name="connsiteY2" fmla="*/ 284091 h 6858000"/>
+              <a:gd name="connsiteX3" fmla="*/ 6024154 w 6024154"/>
+              <a:gd name="connsiteY3" fmla="*/ 962844 h 6858000"/>
+              <a:gd name="connsiteX4" fmla="*/ 2549934 w 6024154"/>
+              <a:gd name="connsiteY4" fmla="*/ 6800152 h 6858000"/>
+              <a:gd name="connsiteX5" fmla="*/ 2436987 w 6024154"/>
+              <a:gd name="connsiteY5" fmla="*/ 6858000 h 6858000"/>
+              <a:gd name="connsiteX6" fmla="*/ 0 w 6024154"/>
+              <a:gd name="connsiteY6" fmla="*/ 6858000 h 6858000"/>
+            </a:gdLst>
+            <a:ahLst/>
+            <a:cxnLst>
+              <a:cxn ang="0">
+                <a:pos x="connsiteX0" y="connsiteY0"/>
+              </a:cxn>
+              <a:cxn ang="0">
+                <a:pos x="connsiteX1" y="connsiteY1"/>
+              </a:cxn>
+              <a:cxn ang="0">
+                <a:pos x="connsiteX2" y="connsiteY2"/>
+              </a:cxn>
+              <a:cxn ang="0">
+                <a:pos x="connsiteX3" y="connsiteY3"/>
+              </a:cxn>
+              <a:cxn ang="0">
+                <a:pos x="connsiteX4" y="connsiteY4"/>
+              </a:cxn>
+              <a:cxn ang="0">
+                <a:pos x="connsiteX5" y="connsiteY5"/>
+              </a:cxn>
+              <a:cxn ang="0">
+                <a:pos x="connsiteX6" y="connsiteY6"/>
+              </a:cxn>
+            </a:cxnLst>
+            <a:rect l="l" t="t" r="r" b="b"/>
+            <a:pathLst>
+              <a:path w="6024154" h="6858000">
+                <a:moveTo>
+                  <a:pt x="0" y="0"/>
+                </a:moveTo>
+                <a:lnTo>
+                  <a:pt x="5953780" y="0"/>
+                </a:lnTo>
+                <a:lnTo>
+                  <a:pt x="5989880" y="284091"/>
+                </a:lnTo>
+                <a:cubicBezTo>
+                  <a:pt x="6012544" y="507260"/>
+                  <a:pt x="6024154" y="733696"/>
+                  <a:pt x="6024154" y="962844"/>
+                </a:cubicBezTo>
+                <a:cubicBezTo>
+                  <a:pt x="6024154" y="3483472"/>
+                  <a:pt x="4619336" y="5675986"/>
+                  <a:pt x="2549934" y="6800152"/>
+                </a:cubicBezTo>
+                <a:lnTo>
+                  <a:pt x="2436987" y="6858000"/>
+                </a:lnTo>
+                <a:lnTo>
+                  <a:pt x="0" y="6858000"/>
+                </a:lnTo>
+                <a:close/>
+              </a:path>
+            </a:pathLst>
+          </a:custGeom>
+          <a:solidFill>
+            <a:schemeClr val="bg1"/>
+          </a:solidFill>
+          <a:ln>
+            <a:noFill/>
+          </a:ln>
+        </p:spPr>
+        <p:style>
+          <a:lnRef idx="2">
+            <a:schemeClr val="accent1">
+              <a:shade val="50000"/>
+            </a:schemeClr>
+          </a:lnRef>
+          <a:fillRef idx="1">
+            <a:schemeClr val="accent1"/>
+          </a:fillRef>
+          <a:effectRef idx="0">
+            <a:schemeClr val="accent1"/>
+          </a:effectRef>
+          <a:fontRef idx="minor">
+            <a:schemeClr val="lt1"/>
+          </a:fontRef>
+        </p:style>
+        <p:txBody>
+          <a:bodyPr wrap="square" rtlCol="0" anchor="ctr">
+            <a:noAutofit/>
+          </a:bodyPr>
+          <a:lstStyle/>
+          <a:p>
+            <a:pPr marL="0" marR="0" lvl="0" indent="0" algn="ctr" defTabSz="914400" rtl="0" eaLnBrk="1" fontAlgn="auto" latinLnBrk="0" hangingPunct="1">
+              <a:lnSpc>
+                <a:spcPct val="100000"/>
+              </a:lnSpc>
+              <a:spcBef>
+                <a:spcPts val="0"/>
+              </a:spcBef>
+              <a:spcAft>
+                <a:spcPts val="0"/>
+              </a:spcAft>
+              <a:buClrTx/>
+              <a:buSzTx/>
+              <a:buFontTx/>
+              <a:buNone/>
+              <a:tabLst/>
+              <a:defRPr/>
+            </a:pPr>
+            <a:endParaRPr kumimoji="0" lang="en-US" sz="1800" b="0" i="0" u="none" strike="noStrike" kern="1200" cap="none" spc="0" normalizeH="0" baseline="0" noProof="0">
+              <a:ln>
+                <a:noFill/>
+              </a:ln>
+              <a:solidFill>
+                <a:prstClr val="white"/>
+              </a:solidFill>
+              <a:effectLst/>
+              <a:uLnTx/>
+              <a:uFillTx/>
+              <a:latin typeface="Calibri" panose="020F0502020204030204"/>
+              <a:ea typeface="+mn-ea"/>
+              <a:cs typeface="+mn-cs"/>
+            </a:endParaRPr>
+          </a:p>
+        </p:txBody>
+      </p:sp>
+      <p:pic>
+        <p:nvPicPr>
+          <p:cNvPr id="8" name="Image 7">
+            <a:extLst>
+              <a:ext uri="{FF2B5EF4-FFF2-40B4-BE49-F238E27FC236}">
+                <a16:creationId xmlns:a16="http://schemas.microsoft.com/office/drawing/2014/main" id="{ED3D4CC1-61F6-4D01-8FAC-88DA5163431A}"/>
+              </a:ext>
+            </a:extLst>
+          </p:cNvPr>
+          <p:cNvPicPr>
+            <a:picLocks noChangeAspect="1"/>
+          </p:cNvPicPr>
+          <p:nvPr/>
+        </p:nvPicPr>
+        <p:blipFill>
+          <a:blip r:embed="rId3">
+            <a:extLst>
+              <a:ext uri="{28A0092B-C50C-407E-A947-70E740481C1C}">
+                <a14:useLocalDpi xmlns:a14="http://schemas.microsoft.com/office/drawing/2010/main" val="0"/>
+              </a:ext>
+            </a:extLst>
+          </a:blip>
+          <a:stretch>
+            <a:fillRect/>
+          </a:stretch>
+        </p:blipFill>
+        <p:spPr>
+          <a:xfrm>
+            <a:off x="419382" y="720993"/>
+            <a:ext cx="4047843" cy="4047843"/>
+          </a:xfrm>
+          <a:prstGeom prst="rect">
+            <a:avLst/>
+          </a:prstGeom>
+        </p:spPr>
+      </p:pic>
+      <p:sp>
+        <p:nvSpPr>
+          <p:cNvPr id="7" name="Titre 1">
+            <a:extLst>
+              <a:ext uri="{FF2B5EF4-FFF2-40B4-BE49-F238E27FC236}">
+                <a16:creationId xmlns:a16="http://schemas.microsoft.com/office/drawing/2014/main" id="{EA547333-168E-45AE-9CD2-2EFCC39AFF84}"/>
+              </a:ext>
+            </a:extLst>
+          </p:cNvPr>
+          <p:cNvSpPr txBox="1">
+            <a:spLocks/>
+          </p:cNvSpPr>
+          <p:nvPr/>
+        </p:nvSpPr>
+        <p:spPr>
+          <a:xfrm>
+            <a:off x="6746628" y="1783959"/>
+            <a:ext cx="4645250" cy="2889114"/>
+          </a:xfrm>
+          <a:prstGeom prst="rect">
+            <a:avLst/>
+          </a:prstGeom>
+        </p:spPr>
+        <p:txBody>
+          <a:bodyPr vert="horz" lIns="91440" tIns="45720" rIns="91440" bIns="45720" rtlCol="0" anchor="b">
+            <a:normAutofit/>
+          </a:bodyPr>
+          <a:lstStyle>
+            <a:lvl1pPr algn="l" defTabSz="914400" rtl="0" eaLnBrk="1" latinLnBrk="0" hangingPunct="1">
+              <a:lnSpc>
+                <a:spcPct val="90000"/>
+              </a:lnSpc>
+              <a:spcBef>
+                <a:spcPct val="0"/>
+              </a:spcBef>
+              <a:buNone/>
+              <a:defRPr sz="4400" kern="1200">
+                <a:solidFill>
+                  <a:schemeClr val="tx1"/>
+                </a:solidFill>
+                <a:latin typeface="+mj-lt"/>
+                <a:ea typeface="+mj-ea"/>
+                <a:cs typeface="+mj-cs"/>
+              </a:defRPr>
+            </a:lvl1pPr>
+          </a:lstStyle>
+          <a:p>
+            <a:r>
+              <a:rPr lang="fr-FR" sz="6000" dirty="0">
+                <a:solidFill>
+                  <a:schemeClr val="bg1"/>
+                </a:solidFill>
+              </a:rPr>
+              <a:t>Analyses</a:t>
+            </a:r>
+            <a:endParaRPr lang="en-US" sz="6000" dirty="0">
+              <a:solidFill>
+                <a:schemeClr val="bg1"/>
+              </a:solidFill>
+            </a:endParaRPr>
+          </a:p>
+        </p:txBody>
+      </p:sp>
+    </p:spTree>
+    <p:extLst>
+      <p:ext uri="{BB962C8B-B14F-4D97-AF65-F5344CB8AC3E}">
+        <p14:creationId xmlns:p14="http://schemas.microsoft.com/office/powerpoint/2010/main" val="3618298743"/>
+      </p:ext>
+    </p:extLst>
+  </p:cSld>
+  <p:clrMapOvr>
+    <a:masterClrMapping/>
+  </p:clrMapOvr>
 </p:sld>
 </file>
 
